--- a/18-clustering/slides.pptx
+++ b/18-clustering/slides.pptx
@@ -322,7 +322,7 @@
           <a:p>
             <a:fld id="{DB92F479-4B50-F243-9713-1B12EC2B4BDB}" type="datetimeFigureOut">
               <a:rPr lang="en-US" smtClean="0"/>
-              <a:t>3/28/14</a:t>
+              <a:t>5/4/14</a:t>
             </a:fld>
             <a:endParaRPr lang="en-US"/>
           </a:p>
@@ -17600,11 +17600,7 @@
             </a:br>
             <a:r>
               <a:rPr lang="en-US" sz="5000" dirty="0" smtClean="0"/>
-              <a:t>k</a:t>
-            </a:r>
-            <a:r>
-              <a:rPr lang="en-US" sz="5000" dirty="0" smtClean="0"/>
-              <a:t>-means clustering</a:t>
+              <a:t>k-means clustering</a:t>
             </a:r>
             <a:endParaRPr lang="en-US" sz="5000" dirty="0"/>
           </a:p>
@@ -18758,7 +18754,21 @@
                 <a:latin typeface="PFDinTextCompPro-Italic"/>
                 <a:cs typeface="PFDinTextCompPro-Italic"/>
               </a:rPr>
-              <a:t>The real purpose of clustering is data exploration, so a solution is anything that contributes to your understanding.</a:t>
+              <a:t>The real purpose of clustering </a:t>
+            </a:r>
+            <a:r>
+              <a:rPr lang="en-US" sz="3000" dirty="0" smtClean="0">
+                <a:latin typeface="PFDinTextCompPro-Italic"/>
+                <a:cs typeface="PFDinTextCompPro-Italic"/>
+              </a:rPr>
+              <a:t>can be data </a:t>
+            </a:r>
+            <a:r>
+              <a:rPr lang="en-US" sz="3000" dirty="0" smtClean="0">
+                <a:latin typeface="PFDinTextCompPro-Italic"/>
+                <a:cs typeface="PFDinTextCompPro-Italic"/>
+              </a:rPr>
+              <a:t>exploration, so a solution is anything that contributes to your understanding.</a:t>
             </a:r>
           </a:p>
         </p:txBody>
@@ -19364,7 +19374,15 @@
                 <a:ea typeface="ヒラギノ角ゴ ProN W6" charset="0"/>
                 <a:cs typeface="ヒラギノ角ゴ ProN W6" charset="0"/>
               </a:rPr>
-              <a:t>exercises:</a:t>
+              <a:t>exercise:</a:t>
+            </a:r>
+            <a:r>
+              <a:rPr lang="en-US" sz="3000" dirty="0" smtClean="0">
+                <a:latin typeface="PFDinTextCompPro-Bold" charset="0"/>
+                <a:ea typeface="ヒラギノ角ゴ ProN W6" charset="0"/>
+                <a:cs typeface="ヒラギノ角ゴ ProN W6" charset="0"/>
+              </a:rPr>
+              <a:t/>
             </a:r>
             <a:br>
               <a:rPr lang="en-US" sz="3000" dirty="0" smtClean="0">
@@ -19379,7 +19397,7 @@
                 <a:ea typeface="ヒラギノ角ゴ ProN W6" charset="0"/>
                 <a:cs typeface="ヒラギノ角ゴ ProN W6" charset="0"/>
               </a:rPr>
-              <a:t>II. K-means </a:t>
+              <a:t>IV. </a:t>
             </a:r>
             <a:r>
               <a:rPr lang="en-US" sz="3000" dirty="0" smtClean="0">
@@ -19387,7 +19405,7 @@
                 <a:ea typeface="ヒラギノ角ゴ ProN W6" charset="0"/>
                 <a:cs typeface="ヒラギノ角ゴ ProN W6" charset="0"/>
               </a:rPr>
-              <a:t>clustering</a:t>
+              <a:t>K-means clustering</a:t>
             </a:r>
             <a:endParaRPr lang="en-US" sz="3000" cap="none" dirty="0">
               <a:latin typeface="PFDinTextCompPro-Bold" charset="0"/>
@@ -22756,7 +22774,7 @@
         <p:spPr>
           <a:xfrm>
             <a:off x="566737" y="1104900"/>
-            <a:ext cx="8382000" cy="1015663"/>
+            <a:ext cx="8382000" cy="553998"/>
           </a:xfrm>
           <a:prstGeom prst="rect">
             <a:avLst/>
@@ -22775,8 +22793,19 @@
                 <a:latin typeface="PFDinTextCompPro-Italic"/>
                 <a:cs typeface="PFDinTextCompPro-Italic"/>
               </a:rPr>
-              <a:t>K-means is algorithmically pretty efficient (time &amp; space complexity is linear in number of records).</a:t>
-            </a:r>
+              <a:t>K-means is algorithmically pretty </a:t>
+            </a:r>
+            <a:r>
+              <a:rPr lang="en-US" sz="3000" dirty="0" smtClean="0">
+                <a:latin typeface="PFDinTextCompPro-Italic"/>
+                <a:cs typeface="PFDinTextCompPro-Italic"/>
+              </a:rPr>
+              <a:t>elegant.</a:t>
+            </a:r>
+            <a:endParaRPr lang="en-US" sz="3000" dirty="0" smtClean="0">
+              <a:latin typeface="PFDinTextCompPro-Italic"/>
+              <a:cs typeface="PFDinTextCompPro-Italic"/>
+            </a:endParaRPr>
           </a:p>
         </p:txBody>
       </p:sp>
@@ -22890,7 +22919,7 @@
         <p:spPr>
           <a:xfrm>
             <a:off x="566737" y="1104900"/>
-            <a:ext cx="8382000" cy="2400657"/>
+            <a:ext cx="8382000" cy="1938992"/>
           </a:xfrm>
           <a:prstGeom prst="rect">
             <a:avLst/>
@@ -22909,8 +22938,19 @@
                 <a:latin typeface="PFDinTextCompPro-Italic"/>
                 <a:cs typeface="PFDinTextCompPro-Italic"/>
               </a:rPr>
-              <a:t>K-means is algorithmically pretty efficient (time &amp; space complexity is linear in number of records).</a:t>
-            </a:r>
+              <a:t>K-means is algorithmically pretty </a:t>
+            </a:r>
+            <a:r>
+              <a:rPr lang="en-US" sz="3000" dirty="0" smtClean="0">
+                <a:latin typeface="PFDinTextCompPro-Italic"/>
+                <a:cs typeface="PFDinTextCompPro-Italic"/>
+              </a:rPr>
+              <a:t>elegant.</a:t>
+            </a:r>
+            <a:endParaRPr lang="en-US" sz="3000" dirty="0" smtClean="0">
+              <a:latin typeface="PFDinTextCompPro-Italic"/>
+              <a:cs typeface="PFDinTextCompPro-Italic"/>
+            </a:endParaRPr>
           </a:p>
           <a:p>
             <a:pPr algn="l"/>
@@ -23055,7 +23095,7 @@
         <p:spPr>
           <a:xfrm>
             <a:off x="566737" y="1104900"/>
-            <a:ext cx="8382000" cy="3785652"/>
+            <a:ext cx="8382000" cy="3323987"/>
           </a:xfrm>
           <a:prstGeom prst="rect">
             <a:avLst/>
@@ -23074,8 +23114,19 @@
                 <a:latin typeface="PFDinTextCompPro-Italic"/>
                 <a:cs typeface="PFDinTextCompPro-Italic"/>
               </a:rPr>
-              <a:t>K-means is algorithmically pretty efficient (time &amp; space complexity is linear in number of records).</a:t>
-            </a:r>
+              <a:t>K-means is algorithmically pretty </a:t>
+            </a:r>
+            <a:r>
+              <a:rPr lang="en-US" sz="3000" dirty="0" smtClean="0">
+                <a:latin typeface="PFDinTextCompPro-Italic"/>
+                <a:cs typeface="PFDinTextCompPro-Italic"/>
+              </a:rPr>
+              <a:t>elegant.</a:t>
+            </a:r>
+            <a:endParaRPr lang="en-US" sz="3000" dirty="0" smtClean="0">
+              <a:latin typeface="PFDinTextCompPro-Italic"/>
+              <a:cs typeface="PFDinTextCompPro-Italic"/>
+            </a:endParaRPr>
           </a:p>
           <a:p>
             <a:pPr algn="l"/>
@@ -28110,8 +28161,19 @@
                 <a:latin typeface="PFDinTextCompPro-Italic"/>
                 <a:cs typeface="PFDinTextCompPro-Italic"/>
               </a:rPr>
-              <a:t> we know about the dataset.</a:t>
-            </a:r>
+              <a:t> we know about the </a:t>
+            </a:r>
+            <a:r>
+              <a:rPr lang="en-US" sz="3000" dirty="0" smtClean="0">
+                <a:latin typeface="PFDinTextCompPro-Italic"/>
+                <a:cs typeface="PFDinTextCompPro-Italic"/>
+              </a:rPr>
+              <a:t>dataset as far as clustering is concerned.</a:t>
+            </a:r>
+            <a:endParaRPr lang="en-US" sz="3000" dirty="0" smtClean="0">
+              <a:latin typeface="PFDinTextCompPro-Italic"/>
+              <a:cs typeface="PFDinTextCompPro-Italic"/>
+            </a:endParaRPr>
           </a:p>
         </p:txBody>
       </p:sp>
@@ -28364,8 +28426,19 @@
                 <a:latin typeface="PFDinTextCompPro-Italic"/>
                 <a:cs typeface="PFDinTextCompPro-Italic"/>
               </a:rPr>
-              <a:t> we know about the dataset.</a:t>
-            </a:r>
+              <a:t> we know about the </a:t>
+            </a:r>
+            <a:r>
+              <a:rPr lang="en-US" sz="3000" dirty="0" smtClean="0">
+                <a:latin typeface="PFDinTextCompPro-Italic"/>
+                <a:cs typeface="PFDinTextCompPro-Italic"/>
+              </a:rPr>
+              <a:t>dataset as far as clustering is concerned.</a:t>
+            </a:r>
+            <a:endParaRPr lang="en-US" sz="3000" dirty="0" smtClean="0">
+              <a:latin typeface="PFDinTextCompPro-Italic"/>
+              <a:cs typeface="PFDinTextCompPro-Italic"/>
+            </a:endParaRPr>
           </a:p>
           <a:p>
             <a:pPr algn="l"/>
@@ -35320,18 +35393,18 @@
               <a:t>A:  Statistically; </a:t>
             </a:r>
             <a:r>
-              <a:rPr lang="en-US" sz="3000" dirty="0" err="1" smtClean="0">
-                <a:latin typeface="PFDinTextCompPro-Italic"/>
-                <a:cs typeface="PFDinTextCompPro-Italic"/>
-              </a:rPr>
-              <a:t>eg</a:t>
-            </a:r>
-            <a:r>
               <a:rPr lang="en-US" sz="3000" dirty="0" smtClean="0">
                 <a:latin typeface="PFDinTextCompPro-Italic"/>
                 <a:cs typeface="PFDinTextCompPro-Italic"/>
               </a:rPr>
-              <a:t>, by computing frequency distributions for these metrics (over several runs of the algorithm) and determining statistical significance.</a:t>
+              <a:t>e.g., </a:t>
+            </a:r>
+            <a:r>
+              <a:rPr lang="en-US" sz="3000" dirty="0" smtClean="0">
+                <a:latin typeface="PFDinTextCompPro-Italic"/>
+                <a:cs typeface="PFDinTextCompPro-Italic"/>
+              </a:rPr>
+              <a:t>by computing frequency distributions for these metrics (over several runs of the algorithm) and determining statistical significance.</a:t>
             </a:r>
           </a:p>
         </p:txBody>

--- a/18-clustering/slides.pptx
+++ b/18-clustering/slides.pptx
@@ -18754,21 +18754,7 @@
                 <a:latin typeface="PFDinTextCompPro-Italic"/>
                 <a:cs typeface="PFDinTextCompPro-Italic"/>
               </a:rPr>
-              <a:t>The real purpose of clustering </a:t>
-            </a:r>
-            <a:r>
-              <a:rPr lang="en-US" sz="3000" dirty="0" smtClean="0">
-                <a:latin typeface="PFDinTextCompPro-Italic"/>
-                <a:cs typeface="PFDinTextCompPro-Italic"/>
-              </a:rPr>
-              <a:t>can be data </a:t>
-            </a:r>
-            <a:r>
-              <a:rPr lang="en-US" sz="3000" dirty="0" smtClean="0">
-                <a:latin typeface="PFDinTextCompPro-Italic"/>
-                <a:cs typeface="PFDinTextCompPro-Italic"/>
-              </a:rPr>
-              <a:t>exploration, so a solution is anything that contributes to your understanding.</a:t>
+              <a:t>The real purpose of clustering can be data exploration, so a solution is anything that contributes to your understanding.</a:t>
             </a:r>
           </a:p>
         </p:txBody>
@@ -19376,14 +19362,6 @@
               </a:rPr>
               <a:t>exercise:</a:t>
             </a:r>
-            <a:r>
-              <a:rPr lang="en-US" sz="3000" dirty="0" smtClean="0">
-                <a:latin typeface="PFDinTextCompPro-Bold" charset="0"/>
-                <a:ea typeface="ヒラギノ角ゴ ProN W6" charset="0"/>
-                <a:cs typeface="ヒラギノ角ゴ ProN W6" charset="0"/>
-              </a:rPr>
-              <a:t/>
-            </a:r>
             <a:br>
               <a:rPr lang="en-US" sz="3000" dirty="0" smtClean="0">
                 <a:latin typeface="PFDinTextCompPro-Bold" charset="0"/>
@@ -19397,15 +19375,7 @@
                 <a:ea typeface="ヒラギノ角ゴ ProN W6" charset="0"/>
                 <a:cs typeface="ヒラギノ角ゴ ProN W6" charset="0"/>
               </a:rPr>
-              <a:t>IV. </a:t>
-            </a:r>
-            <a:r>
-              <a:rPr lang="en-US" sz="3000" dirty="0" smtClean="0">
-                <a:latin typeface="PFDinTextCompPro-Bold" charset="0"/>
-                <a:ea typeface="ヒラギノ角ゴ ProN W6" charset="0"/>
-                <a:cs typeface="ヒラギノ角ゴ ProN W6" charset="0"/>
-              </a:rPr>
-              <a:t>K-means clustering</a:t>
+              <a:t>IV. K-means clustering</a:t>
             </a:r>
             <a:endParaRPr lang="en-US" sz="3000" cap="none" dirty="0">
               <a:latin typeface="PFDinTextCompPro-Bold" charset="0"/>
@@ -22774,7 +22744,7 @@
         <p:spPr>
           <a:xfrm>
             <a:off x="566737" y="1104900"/>
-            <a:ext cx="8382000" cy="553998"/>
+            <a:ext cx="8382000" cy="1015663"/>
           </a:xfrm>
           <a:prstGeom prst="rect">
             <a:avLst/>
@@ -22800,7 +22770,7 @@
                 <a:latin typeface="PFDinTextCompPro-Italic"/>
                 <a:cs typeface="PFDinTextCompPro-Italic"/>
               </a:rPr>
-              <a:t>elegant.</a:t>
+              <a:t>elegant, and has performance linear in the number of data points in practice.</a:t>
             </a:r>
             <a:endParaRPr lang="en-US" sz="3000" dirty="0" smtClean="0">
               <a:latin typeface="PFDinTextCompPro-Italic"/>
@@ -22919,7 +22889,7 @@
         <p:spPr>
           <a:xfrm>
             <a:off x="566737" y="1104900"/>
-            <a:ext cx="8382000" cy="1938992"/>
+            <a:ext cx="8382000" cy="2400657"/>
           </a:xfrm>
           <a:prstGeom prst="rect">
             <a:avLst/>
@@ -22941,11 +22911,11 @@
               <a:t>K-means is algorithmically pretty </a:t>
             </a:r>
             <a:r>
-              <a:rPr lang="en-US" sz="3000" dirty="0" smtClean="0">
+              <a:rPr lang="en-US" sz="3000" dirty="0">
                 <a:latin typeface="PFDinTextCompPro-Italic"/>
                 <a:cs typeface="PFDinTextCompPro-Italic"/>
               </a:rPr>
-              <a:t>elegant.</a:t>
+              <a:t>elegant, and has performance linear in the number of data points in practice.</a:t>
             </a:r>
             <a:endParaRPr lang="en-US" sz="3000" dirty="0" smtClean="0">
               <a:latin typeface="PFDinTextCompPro-Italic"/>
@@ -23095,7 +23065,7 @@
         <p:spPr>
           <a:xfrm>
             <a:off x="566737" y="1104900"/>
-            <a:ext cx="8382000" cy="3323987"/>
+            <a:ext cx="8382000" cy="3785652"/>
           </a:xfrm>
           <a:prstGeom prst="rect">
             <a:avLst/>
@@ -23117,11 +23087,11 @@
               <a:t>K-means is algorithmically pretty </a:t>
             </a:r>
             <a:r>
-              <a:rPr lang="en-US" sz="3000" dirty="0" smtClean="0">
+              <a:rPr lang="en-US" sz="3000" dirty="0">
                 <a:latin typeface="PFDinTextCompPro-Italic"/>
                 <a:cs typeface="PFDinTextCompPro-Italic"/>
               </a:rPr>
-              <a:t>elegant.</a:t>
+              <a:t>elegant, and has performance linear in the number of data points in practice.</a:t>
             </a:r>
             <a:endParaRPr lang="en-US" sz="3000" dirty="0" smtClean="0">
               <a:latin typeface="PFDinTextCompPro-Italic"/>
@@ -28161,19 +28131,8 @@
                 <a:latin typeface="PFDinTextCompPro-Italic"/>
                 <a:cs typeface="PFDinTextCompPro-Italic"/>
               </a:rPr>
-              <a:t> we know about the </a:t>
-            </a:r>
-            <a:r>
-              <a:rPr lang="en-US" sz="3000" dirty="0" smtClean="0">
-                <a:latin typeface="PFDinTextCompPro-Italic"/>
-                <a:cs typeface="PFDinTextCompPro-Italic"/>
-              </a:rPr>
-              <a:t>dataset as far as clustering is concerned.</a:t>
-            </a:r>
-            <a:endParaRPr lang="en-US" sz="3000" dirty="0" smtClean="0">
-              <a:latin typeface="PFDinTextCompPro-Italic"/>
-              <a:cs typeface="PFDinTextCompPro-Italic"/>
-            </a:endParaRPr>
+              <a:t> we know about the dataset as far as clustering is concerned.</a:t>
+            </a:r>
           </a:p>
         </p:txBody>
       </p:sp>
@@ -28426,19 +28385,8 @@
                 <a:latin typeface="PFDinTextCompPro-Italic"/>
                 <a:cs typeface="PFDinTextCompPro-Italic"/>
               </a:rPr>
-              <a:t> we know about the </a:t>
-            </a:r>
-            <a:r>
-              <a:rPr lang="en-US" sz="3000" dirty="0" smtClean="0">
-                <a:latin typeface="PFDinTextCompPro-Italic"/>
-                <a:cs typeface="PFDinTextCompPro-Italic"/>
-              </a:rPr>
-              <a:t>dataset as far as clustering is concerned.</a:t>
-            </a:r>
-            <a:endParaRPr lang="en-US" sz="3000" dirty="0" smtClean="0">
-              <a:latin typeface="PFDinTextCompPro-Italic"/>
-              <a:cs typeface="PFDinTextCompPro-Italic"/>
-            </a:endParaRPr>
+              <a:t> we know about the dataset as far as clustering is concerned.</a:t>
+            </a:r>
           </a:p>
           <a:p>
             <a:pPr algn="l"/>
@@ -35390,21 +35338,7 @@
                 <a:latin typeface="PFDinTextCompPro-Italic"/>
                 <a:cs typeface="PFDinTextCompPro-Italic"/>
               </a:rPr>
-              <a:t>A:  Statistically; </a:t>
-            </a:r>
-            <a:r>
-              <a:rPr lang="en-US" sz="3000" dirty="0" smtClean="0">
-                <a:latin typeface="PFDinTextCompPro-Italic"/>
-                <a:cs typeface="PFDinTextCompPro-Italic"/>
-              </a:rPr>
-              <a:t>e.g., </a:t>
-            </a:r>
-            <a:r>
-              <a:rPr lang="en-US" sz="3000" dirty="0" smtClean="0">
-                <a:latin typeface="PFDinTextCompPro-Italic"/>
-                <a:cs typeface="PFDinTextCompPro-Italic"/>
-              </a:rPr>
-              <a:t>by computing frequency distributions for these metrics (over several runs of the algorithm) and determining statistical significance.</a:t>
+              <a:t>A:  Statistically; e.g., by computing frequency distributions for these metrics (over several runs of the algorithm) and determining statistical significance.</a:t>
             </a:r>
           </a:p>
         </p:txBody>

--- a/18-clustering/slides.pptx
+++ b/18-clustering/slides.pptx
@@ -6,7 +6,7 @@
     <p:sldMasterId id="2147483649" r:id="rId2"/>
   </p:sldMasterIdLst>
   <p:notesMasterIdLst>
-    <p:notesMasterId r:id="rId94"/>
+    <p:notesMasterId r:id="rId91"/>
   </p:notesMasterIdLst>
   <p:sldIdLst>
     <p:sldId id="258" r:id="rId3"/>
@@ -63,43 +63,40 @@
     <p:sldId id="755" r:id="rId54"/>
     <p:sldId id="759" r:id="rId55"/>
     <p:sldId id="807" r:id="rId56"/>
-    <p:sldId id="760" r:id="rId57"/>
-    <p:sldId id="762" r:id="rId58"/>
-    <p:sldId id="808" r:id="rId59"/>
-    <p:sldId id="758" r:id="rId60"/>
-    <p:sldId id="772" r:id="rId61"/>
-    <p:sldId id="771" r:id="rId62"/>
-    <p:sldId id="764" r:id="rId63"/>
-    <p:sldId id="765" r:id="rId64"/>
-    <p:sldId id="773" r:id="rId65"/>
-    <p:sldId id="774" r:id="rId66"/>
-    <p:sldId id="775" r:id="rId67"/>
-    <p:sldId id="776" r:id="rId68"/>
-    <p:sldId id="656" r:id="rId69"/>
-    <p:sldId id="777" r:id="rId70"/>
-    <p:sldId id="783" r:id="rId71"/>
-    <p:sldId id="781" r:id="rId72"/>
-    <p:sldId id="782" r:id="rId73"/>
-    <p:sldId id="809" r:id="rId74"/>
-    <p:sldId id="810" r:id="rId75"/>
-    <p:sldId id="660" r:id="rId76"/>
-    <p:sldId id="786" r:id="rId77"/>
-    <p:sldId id="789" r:id="rId78"/>
-    <p:sldId id="788" r:id="rId79"/>
-    <p:sldId id="787" r:id="rId80"/>
-    <p:sldId id="791" r:id="rId81"/>
-    <p:sldId id="790" r:id="rId82"/>
-    <p:sldId id="649" r:id="rId83"/>
-    <p:sldId id="793" r:id="rId84"/>
-    <p:sldId id="794" r:id="rId85"/>
-    <p:sldId id="795" r:id="rId86"/>
-    <p:sldId id="796" r:id="rId87"/>
-    <p:sldId id="797" r:id="rId88"/>
-    <p:sldId id="677" r:id="rId89"/>
-    <p:sldId id="679" r:id="rId90"/>
-    <p:sldId id="798" r:id="rId91"/>
-    <p:sldId id="799" r:id="rId92"/>
-    <p:sldId id="504" r:id="rId93"/>
+    <p:sldId id="758" r:id="rId57"/>
+    <p:sldId id="772" r:id="rId58"/>
+    <p:sldId id="771" r:id="rId59"/>
+    <p:sldId id="764" r:id="rId60"/>
+    <p:sldId id="765" r:id="rId61"/>
+    <p:sldId id="773" r:id="rId62"/>
+    <p:sldId id="774" r:id="rId63"/>
+    <p:sldId id="775" r:id="rId64"/>
+    <p:sldId id="776" r:id="rId65"/>
+    <p:sldId id="656" r:id="rId66"/>
+    <p:sldId id="777" r:id="rId67"/>
+    <p:sldId id="783" r:id="rId68"/>
+    <p:sldId id="781" r:id="rId69"/>
+    <p:sldId id="782" r:id="rId70"/>
+    <p:sldId id="809" r:id="rId71"/>
+    <p:sldId id="810" r:id="rId72"/>
+    <p:sldId id="660" r:id="rId73"/>
+    <p:sldId id="786" r:id="rId74"/>
+    <p:sldId id="789" r:id="rId75"/>
+    <p:sldId id="788" r:id="rId76"/>
+    <p:sldId id="787" r:id="rId77"/>
+    <p:sldId id="791" r:id="rId78"/>
+    <p:sldId id="790" r:id="rId79"/>
+    <p:sldId id="649" r:id="rId80"/>
+    <p:sldId id="793" r:id="rId81"/>
+    <p:sldId id="794" r:id="rId82"/>
+    <p:sldId id="795" r:id="rId83"/>
+    <p:sldId id="796" r:id="rId84"/>
+    <p:sldId id="797" r:id="rId85"/>
+    <p:sldId id="677" r:id="rId86"/>
+    <p:sldId id="679" r:id="rId87"/>
+    <p:sldId id="798" r:id="rId88"/>
+    <p:sldId id="799" r:id="rId89"/>
+    <p:sldId id="504" r:id="rId90"/>
   </p:sldIdLst>
   <p:sldSz cx="9363075" cy="5257800"/>
   <p:notesSz cx="6858000" cy="9144000"/>
@@ -322,7 +319,7 @@
           <a:p>
             <a:fld id="{DB92F479-4B50-F243-9713-1B12EC2B4BDB}" type="datetimeFigureOut">
               <a:rPr lang="en-US" smtClean="0"/>
-              <a:t>5/4/14</a:t>
+              <a:t>5/7/14</a:t>
             </a:fld>
             <a:endParaRPr lang="en-US"/>
           </a:p>
@@ -6504,7 +6501,7 @@
                 <a:latin typeface="ArialMT"/>
                 <a:sym typeface="Wingdings"/>
               </a:rPr>
-              <a:t> </a:t>
+              <a:t>Results should be pretty consistent for various choices of metric.</a:t>
             </a:r>
           </a:p>
         </p:txBody>
@@ -6614,7 +6611,7 @@
                 <a:latin typeface="ArialMT"/>
                 <a:sym typeface="Wingdings"/>
               </a:rPr>
-              <a:t> </a:t>
+              <a:t>Results should be pretty consistent for various choices of metric.</a:t>
             </a:r>
           </a:p>
         </p:txBody>
@@ -6724,7 +6721,7 @@
                 <a:latin typeface="ArialMT"/>
                 <a:sym typeface="Wingdings"/>
               </a:rPr>
-              <a:t> </a:t>
+              <a:t>Results should be pretty consistent for various choices of metric.</a:t>
             </a:r>
           </a:p>
         </p:txBody>
@@ -6834,7 +6831,7 @@
                 <a:latin typeface="ArialMT"/>
                 <a:sym typeface="Wingdings"/>
               </a:rPr>
-              <a:t>Results should be pretty consistent for various choices of metric.</a:t>
+              <a:t> </a:t>
             </a:r>
           </a:p>
         </p:txBody>
@@ -6944,7 +6941,7 @@
                 <a:latin typeface="ArialMT"/>
                 <a:sym typeface="Wingdings"/>
               </a:rPr>
-              <a:t>Results should be pretty consistent for various choices of metric.</a:t>
+              <a:t> </a:t>
             </a:r>
           </a:p>
         </p:txBody>
@@ -7164,7 +7161,7 @@
                 <a:latin typeface="ArialMT"/>
                 <a:sym typeface="Wingdings"/>
               </a:rPr>
-              <a:t>Results should be pretty consistent for various choices of metric.</a:t>
+              <a:t>4 or 5 steps is usual</a:t>
             </a:r>
           </a:p>
         </p:txBody>
@@ -7469,33 +7466,11 @@
           <a:bodyPr/>
           <a:lstStyle/>
           <a:p>
-            <a:pPr marL="0" marR="0" indent="0" algn="l" defTabSz="457200" rtl="0" eaLnBrk="1" fontAlgn="auto" latinLnBrk="0" hangingPunct="1">
-              <a:lnSpc>
-                <a:spcPct val="100000"/>
-              </a:lnSpc>
-              <a:spcBef>
-                <a:spcPts val="0"/>
-              </a:spcBef>
-              <a:spcAft>
-                <a:spcPts val="0"/>
-              </a:spcAft>
-              <a:buClrTx/>
-              <a:buSzTx/>
-              <a:buFontTx/>
-              <a:buNone/>
-              <a:tabLst/>
-              <a:defRPr/>
-            </a:pPr>
-            <a:r>
-              <a:rPr lang="en-US" sz="1200" baseline="0" dirty="0" smtClean="0">
-                <a:solidFill>
-                  <a:prstClr val="black"/>
-                </a:solidFill>
-                <a:latin typeface="ArialMT"/>
-                <a:sym typeface="Wingdings"/>
-              </a:rPr>
-              <a:t>4 or 5 steps is usual</a:t>
-            </a:r>
+            <a:r>
+              <a:rPr lang="en-US" dirty="0" smtClean="0"/>
+              <a:t>  </a:t>
+            </a:r>
+            <a:endParaRPr lang="en-US" dirty="0"/>
           </a:p>
         </p:txBody>
       </p:sp>
@@ -7525,7 +7500,7 @@
     </p:spTree>
     <p:extLst>
       <p:ext uri="{BB962C8B-B14F-4D97-AF65-F5344CB8AC3E}">
-        <p14:creationId xmlns:p14="http://schemas.microsoft.com/office/powerpoint/2010/main" val="645762702"/>
+        <p14:creationId xmlns:p14="http://schemas.microsoft.com/office/powerpoint/2010/main" val="158773868"/>
       </p:ext>
     </p:extLst>
   </p:cSld>
@@ -7714,8 +7689,74 @@
                 <a:latin typeface="ArialMT"/>
                 <a:sym typeface="Wingdings"/>
               </a:rPr>
-              <a:t> </a:t>
-            </a:r>
+              <a:t>Note: these are unsupervised validation metrics (don’t depend on external info)</a:t>
+            </a:r>
+          </a:p>
+          <a:p>
+            <a:pPr marL="0" marR="0" indent="0" algn="l" defTabSz="457200" rtl="0" eaLnBrk="1" fontAlgn="auto" latinLnBrk="0" hangingPunct="1">
+              <a:lnSpc>
+                <a:spcPct val="100000"/>
+              </a:lnSpc>
+              <a:spcBef>
+                <a:spcPts val="0"/>
+              </a:spcBef>
+              <a:spcAft>
+                <a:spcPts val="0"/>
+              </a:spcAft>
+              <a:buClrTx/>
+              <a:buSzTx/>
+              <a:buFontTx/>
+              <a:buNone/>
+              <a:tabLst/>
+              <a:defRPr/>
+            </a:pPr>
+            <a:r>
+              <a:rPr lang="en-US" sz="1200" baseline="0" dirty="0" smtClean="0">
+                <a:solidFill>
+                  <a:prstClr val="black"/>
+                </a:solidFill>
+                <a:latin typeface="ArialMT"/>
+                <a:sym typeface="Wingdings"/>
+              </a:rPr>
+              <a:t>There is a duality between </a:t>
+            </a:r>
+            <a:r>
+              <a:rPr lang="en-US" sz="1200" baseline="0" dirty="0" err="1" smtClean="0">
+                <a:solidFill>
+                  <a:prstClr val="black"/>
+                </a:solidFill>
+                <a:latin typeface="ArialMT"/>
+                <a:sym typeface="Wingdings"/>
+              </a:rPr>
+              <a:t>unsup</a:t>
+            </a:r>
+            <a:r>
+              <a:rPr lang="en-US" sz="1200" baseline="0" dirty="0" smtClean="0">
+                <a:solidFill>
+                  <a:prstClr val="black"/>
+                </a:solidFill>
+                <a:latin typeface="ArialMT"/>
+                <a:sym typeface="Wingdings"/>
+              </a:rPr>
+              <a:t> validation metrics &amp; objective </a:t>
+            </a:r>
+            <a:r>
+              <a:rPr lang="en-US" sz="1200" baseline="0" dirty="0" err="1" smtClean="0">
+                <a:solidFill>
+                  <a:prstClr val="black"/>
+                </a:solidFill>
+                <a:latin typeface="ArialMT"/>
+                <a:sym typeface="Wingdings"/>
+              </a:rPr>
+              <a:t>funcs</a:t>
+            </a:r>
+            <a:endParaRPr lang="en-US" sz="1200" baseline="0" dirty="0" smtClean="0">
+              <a:solidFill>
+                <a:prstClr val="black"/>
+              </a:solidFill>
+              <a:latin typeface="ArialMT"/>
+              <a:sym typeface="Wingdings"/>
+            </a:endParaRPr>
           </a:p>
         </p:txBody>
       </p:sp>
@@ -7799,11 +7840,50 @@
           <a:bodyPr/>
           <a:lstStyle/>
           <a:p>
-            <a:r>
-              <a:rPr lang="en-US" dirty="0" smtClean="0"/>
-              <a:t>  </a:t>
-            </a:r>
-            <a:endParaRPr lang="en-US" dirty="0"/>
+            <a:pPr marL="0" marR="0" indent="0" algn="l" defTabSz="457200" rtl="0" eaLnBrk="1" fontAlgn="auto" latinLnBrk="0" hangingPunct="1">
+              <a:lnSpc>
+                <a:spcPct val="100000"/>
+              </a:lnSpc>
+              <a:spcBef>
+                <a:spcPts val="0"/>
+              </a:spcBef>
+              <a:spcAft>
+                <a:spcPts val="0"/>
+              </a:spcAft>
+              <a:buClrTx/>
+              <a:buSzTx/>
+              <a:buFontTx/>
+              <a:buNone/>
+              <a:tabLst/>
+              <a:defRPr/>
+            </a:pPr>
+            <a:r>
+              <a:rPr lang="en-US" sz="1200" baseline="0" dirty="0" smtClean="0">
+                <a:solidFill>
+                  <a:prstClr val="black"/>
+                </a:solidFill>
+                <a:latin typeface="ArialMT"/>
+                <a:sym typeface="Wingdings"/>
+              </a:rPr>
+              <a:t>Sum of inter-cluster distances to </a:t>
+            </a:r>
+            <a:r>
+              <a:rPr lang="en-US" sz="1200" baseline="0" dirty="0" err="1" smtClean="0">
+                <a:solidFill>
+                  <a:prstClr val="black"/>
+                </a:solidFill>
+                <a:latin typeface="ArialMT"/>
+                <a:sym typeface="Wingdings"/>
+              </a:rPr>
+              <a:t>centriod</a:t>
+            </a:r>
+            <a:endParaRPr lang="en-US" sz="1200" baseline="0" dirty="0" smtClean="0">
+              <a:solidFill>
+                <a:prstClr val="black"/>
+              </a:solidFill>
+              <a:latin typeface="ArialMT"/>
+              <a:sym typeface="Wingdings"/>
+            </a:endParaRPr>
           </a:p>
         </p:txBody>
       </p:sp>
@@ -7833,7 +7913,7 @@
     </p:spTree>
     <p:extLst>
       <p:ext uri="{BB962C8B-B14F-4D97-AF65-F5344CB8AC3E}">
-        <p14:creationId xmlns:p14="http://schemas.microsoft.com/office/powerpoint/2010/main" val="158773868"/>
+        <p14:creationId xmlns:p14="http://schemas.microsoft.com/office/powerpoint/2010/main" val="645762702"/>
       </p:ext>
     </p:extLst>
   </p:cSld>
@@ -7912,7 +7992,7 @@
                 <a:latin typeface="ArialMT"/>
                 <a:sym typeface="Wingdings"/>
               </a:rPr>
-              <a:t> </a:t>
+              <a:t>Distance between centroids in different clusters</a:t>
             </a:r>
           </a:p>
         </p:txBody>
@@ -8022,74 +8102,8 @@
                 <a:latin typeface="ArialMT"/>
                 <a:sym typeface="Wingdings"/>
               </a:rPr>
-              <a:t>Note: these are unsupervised validation metrics (don’t depend on external info)</a:t>
-            </a:r>
-          </a:p>
-          <a:p>
-            <a:pPr marL="0" marR="0" indent="0" algn="l" defTabSz="457200" rtl="0" eaLnBrk="1" fontAlgn="auto" latinLnBrk="0" hangingPunct="1">
-              <a:lnSpc>
-                <a:spcPct val="100000"/>
-              </a:lnSpc>
-              <a:spcBef>
-                <a:spcPts val="0"/>
-              </a:spcBef>
-              <a:spcAft>
-                <a:spcPts val="0"/>
-              </a:spcAft>
-              <a:buClrTx/>
-              <a:buSzTx/>
-              <a:buFontTx/>
-              <a:buNone/>
-              <a:tabLst/>
-              <a:defRPr/>
-            </a:pPr>
-            <a:r>
-              <a:rPr lang="en-US" sz="1200" baseline="0" dirty="0" smtClean="0">
-                <a:solidFill>
-                  <a:prstClr val="black"/>
-                </a:solidFill>
-                <a:latin typeface="ArialMT"/>
-                <a:sym typeface="Wingdings"/>
-              </a:rPr>
-              <a:t>There is a duality between </a:t>
-            </a:r>
-            <a:r>
-              <a:rPr lang="en-US" sz="1200" baseline="0" dirty="0" err="1" smtClean="0">
-                <a:solidFill>
-                  <a:prstClr val="black"/>
-                </a:solidFill>
-                <a:latin typeface="ArialMT"/>
-                <a:sym typeface="Wingdings"/>
-              </a:rPr>
-              <a:t>unsup</a:t>
-            </a:r>
-            <a:r>
-              <a:rPr lang="en-US" sz="1200" baseline="0" dirty="0" smtClean="0">
-                <a:solidFill>
-                  <a:prstClr val="black"/>
-                </a:solidFill>
-                <a:latin typeface="ArialMT"/>
-                <a:sym typeface="Wingdings"/>
-              </a:rPr>
-              <a:t> validation metrics &amp; objective </a:t>
-            </a:r>
-            <a:r>
-              <a:rPr lang="en-US" sz="1200" baseline="0" dirty="0" err="1" smtClean="0">
-                <a:solidFill>
-                  <a:prstClr val="black"/>
-                </a:solidFill>
-                <a:latin typeface="ArialMT"/>
-                <a:sym typeface="Wingdings"/>
-              </a:rPr>
-              <a:t>funcs</a:t>
-            </a:r>
-            <a:endParaRPr lang="en-US" sz="1200" baseline="0" dirty="0" smtClean="0">
-              <a:solidFill>
-                <a:prstClr val="black"/>
-              </a:solidFill>
-              <a:latin typeface="ArialMT"/>
-              <a:sym typeface="Wingdings"/>
-            </a:endParaRPr>
+              <a:t>In general, want cohesion to be low &amp; separation to be high</a:t>
+            </a:r>
           </a:p>
         </p:txBody>
       </p:sp>
@@ -8198,25 +8212,8 @@
                 <a:latin typeface="ArialMT"/>
                 <a:sym typeface="Wingdings"/>
               </a:rPr>
-              <a:t>Sum of inter-cluster distances to </a:t>
-            </a:r>
-            <a:r>
-              <a:rPr lang="en-US" sz="1200" baseline="0" dirty="0" err="1" smtClean="0">
-                <a:solidFill>
-                  <a:prstClr val="black"/>
-                </a:solidFill>
-                <a:latin typeface="ArialMT"/>
-                <a:sym typeface="Wingdings"/>
-              </a:rPr>
-              <a:t>centriod</a:t>
-            </a:r>
-            <a:endParaRPr lang="en-US" sz="1200" baseline="0" dirty="0" smtClean="0">
-              <a:solidFill>
-                <a:prstClr val="black"/>
-              </a:solidFill>
-              <a:latin typeface="ArialMT"/>
-              <a:sym typeface="Wingdings"/>
-            </a:endParaRPr>
+              <a:t> </a:t>
+            </a:r>
           </a:p>
         </p:txBody>
       </p:sp>
@@ -8435,7 +8432,7 @@
                 <a:latin typeface="ArialMT"/>
                 <a:sym typeface="Wingdings"/>
               </a:rPr>
-              <a:t>Distance between centroids in different clusters</a:t>
+              <a:t> </a:t>
             </a:r>
           </a:p>
         </p:txBody>
@@ -8545,7 +8542,7 @@
                 <a:latin typeface="ArialMT"/>
                 <a:sym typeface="Wingdings"/>
               </a:rPr>
-              <a:t>In general, want cohesion to be low &amp; separation to be high</a:t>
+              <a:t> </a:t>
             </a:r>
           </a:p>
         </p:txBody>
@@ -8655,7 +8652,46 @@
                 <a:latin typeface="ArialMT"/>
                 <a:sym typeface="Wingdings"/>
               </a:rPr>
-              <a:t> </a:t>
+              <a:t>numerator = daylight between clusters</a:t>
+            </a:r>
+          </a:p>
+          <a:p>
+            <a:pPr marL="0" marR="0" indent="0" algn="l" defTabSz="457200" rtl="0" eaLnBrk="1" fontAlgn="auto" latinLnBrk="0" hangingPunct="1">
+              <a:lnSpc>
+                <a:spcPct val="100000"/>
+              </a:lnSpc>
+              <a:spcBef>
+                <a:spcPts val="0"/>
+              </a:spcBef>
+              <a:spcAft>
+                <a:spcPts val="0"/>
+              </a:spcAft>
+              <a:buClrTx/>
+              <a:buSzTx/>
+              <a:buFontTx/>
+              <a:buNone/>
+              <a:tabLst/>
+              <a:defRPr/>
+            </a:pPr>
+            <a:r>
+              <a:rPr lang="en-US" sz="1200" baseline="0" dirty="0" err="1" smtClean="0">
+                <a:solidFill>
+                  <a:prstClr val="black"/>
+                </a:solidFill>
+                <a:latin typeface="ArialMT"/>
+                <a:sym typeface="Wingdings"/>
+              </a:rPr>
+              <a:t>denom</a:t>
+            </a:r>
+            <a:r>
+              <a:rPr lang="en-US" sz="1200" baseline="0" dirty="0" smtClean="0">
+                <a:solidFill>
+                  <a:prstClr val="black"/>
+                </a:solidFill>
+                <a:latin typeface="ArialMT"/>
+                <a:sym typeface="Wingdings"/>
+              </a:rPr>
+              <a:t> = largest length scale</a:t>
             </a:r>
           </a:p>
         </p:txBody>
@@ -8765,7 +8801,27 @@
                 <a:latin typeface="ArialMT"/>
                 <a:sym typeface="Wingdings"/>
               </a:rPr>
-              <a:t> </a:t>
+              <a:t>(in k-means, this is pathological…overlapping clusters means </a:t>
+            </a:r>
+            <a:r>
+              <a:rPr lang="en-US" sz="1200" baseline="0" dirty="0" err="1" smtClean="0">
+                <a:solidFill>
+                  <a:prstClr val="black"/>
+                </a:solidFill>
+                <a:latin typeface="ArialMT"/>
+                <a:sym typeface="Wingdings"/>
+              </a:rPr>
+              <a:t>pts</a:t>
+            </a:r>
+            <a:r>
+              <a:rPr lang="en-US" sz="1200" baseline="0" dirty="0" smtClean="0">
+                <a:solidFill>
+                  <a:prstClr val="black"/>
+                </a:solidFill>
+                <a:latin typeface="ArialMT"/>
+                <a:sym typeface="Wingdings"/>
+              </a:rPr>
+              <a:t> are not assigned to nearest centroids!)</a:t>
             </a:r>
           </a:p>
         </p:txBody>
@@ -8875,7 +8931,7 @@
                 <a:latin typeface="ArialMT"/>
                 <a:sym typeface="Wingdings"/>
               </a:rPr>
-              <a:t> </a:t>
+              <a:t>Note cohesion-separation tradeoff</a:t>
             </a:r>
           </a:p>
         </p:txBody>
@@ -9134,8 +9190,27 @@
                 <a:latin typeface="ArialMT"/>
                 <a:sym typeface="Wingdings"/>
               </a:rPr>
-              <a:t>(in k-means, this is pathological…overlapping clusters means </a:t>
-            </a:r>
+              <a:t>numerator = daylight between clusters</a:t>
+            </a:r>
+          </a:p>
+          <a:p>
+            <a:pPr marL="0" marR="0" indent="0" algn="l" defTabSz="457200" rtl="0" eaLnBrk="1" fontAlgn="auto" latinLnBrk="0" hangingPunct="1">
+              <a:lnSpc>
+                <a:spcPct val="100000"/>
+              </a:lnSpc>
+              <a:spcBef>
+                <a:spcPts val="0"/>
+              </a:spcBef>
+              <a:spcAft>
+                <a:spcPts val="0"/>
+              </a:spcAft>
+              <a:buClrTx/>
+              <a:buSzTx/>
+              <a:buFontTx/>
+              <a:buNone/>
+              <a:tabLst/>
+              <a:defRPr/>
+            </a:pPr>
             <a:r>
               <a:rPr lang="en-US" sz="1200" baseline="0" dirty="0" err="1" smtClean="0">
                 <a:solidFill>
@@ -9144,7 +9219,7 @@
                 <a:latin typeface="ArialMT"/>
                 <a:sym typeface="Wingdings"/>
               </a:rPr>
-              <a:t>pts</a:t>
+              <a:t>denom</a:t>
             </a:r>
             <a:r>
               <a:rPr lang="en-US" sz="1200" baseline="0" dirty="0" smtClean="0">
@@ -9154,7 +9229,7 @@
                 <a:latin typeface="ArialMT"/>
                 <a:sym typeface="Wingdings"/>
               </a:rPr>
-              <a:t> are not assigned to nearest centroids!)</a:t>
+              <a:t> = largest length scale</a:t>
             </a:r>
           </a:p>
         </p:txBody>
@@ -9264,7 +9339,46 @@
                 <a:latin typeface="ArialMT"/>
                 <a:sym typeface="Wingdings"/>
               </a:rPr>
-              <a:t>Note cohesion-separation tradeoff</a:t>
+              <a:t>numerator = daylight between clusters</a:t>
+            </a:r>
+          </a:p>
+          <a:p>
+            <a:pPr marL="0" marR="0" indent="0" algn="l" defTabSz="457200" rtl="0" eaLnBrk="1" fontAlgn="auto" latinLnBrk="0" hangingPunct="1">
+              <a:lnSpc>
+                <a:spcPct val="100000"/>
+              </a:lnSpc>
+              <a:spcBef>
+                <a:spcPts val="0"/>
+              </a:spcBef>
+              <a:spcAft>
+                <a:spcPts val="0"/>
+              </a:spcAft>
+              <a:buClrTx/>
+              <a:buSzTx/>
+              <a:buFontTx/>
+              <a:buNone/>
+              <a:tabLst/>
+              <a:defRPr/>
+            </a:pPr>
+            <a:r>
+              <a:rPr lang="en-US" sz="1200" baseline="0" dirty="0" err="1" smtClean="0">
+                <a:solidFill>
+                  <a:prstClr val="black"/>
+                </a:solidFill>
+                <a:latin typeface="ArialMT"/>
+                <a:sym typeface="Wingdings"/>
+              </a:rPr>
+              <a:t>denom</a:t>
+            </a:r>
+            <a:r>
+              <a:rPr lang="en-US" sz="1200" baseline="0" dirty="0" smtClean="0">
+                <a:solidFill>
+                  <a:prstClr val="black"/>
+                </a:solidFill>
+                <a:latin typeface="ArialMT"/>
+                <a:sym typeface="Wingdings"/>
+              </a:rPr>
+              <a:t> = largest length scale</a:t>
             </a:r>
           </a:p>
         </p:txBody>
@@ -9374,46 +9488,7 @@
                 <a:latin typeface="ArialMT"/>
                 <a:sym typeface="Wingdings"/>
               </a:rPr>
-              <a:t>numerator = daylight between clusters</a:t>
-            </a:r>
-          </a:p>
-          <a:p>
-            <a:pPr marL="0" marR="0" indent="0" algn="l" defTabSz="457200" rtl="0" eaLnBrk="1" fontAlgn="auto" latinLnBrk="0" hangingPunct="1">
-              <a:lnSpc>
-                <a:spcPct val="100000"/>
-              </a:lnSpc>
-              <a:spcBef>
-                <a:spcPts val="0"/>
-              </a:spcBef>
-              <a:spcAft>
-                <a:spcPts val="0"/>
-              </a:spcAft>
-              <a:buClrTx/>
-              <a:buSzTx/>
-              <a:buFontTx/>
-              <a:buNone/>
-              <a:tabLst/>
-              <a:defRPr/>
-            </a:pPr>
-            <a:r>
-              <a:rPr lang="en-US" sz="1200" baseline="0" dirty="0" err="1" smtClean="0">
-                <a:solidFill>
-                  <a:prstClr val="black"/>
-                </a:solidFill>
-                <a:latin typeface="ArialMT"/>
-                <a:sym typeface="Wingdings"/>
-              </a:rPr>
-              <a:t>denom</a:t>
-            </a:r>
-            <a:r>
-              <a:rPr lang="en-US" sz="1200" baseline="0" dirty="0" smtClean="0">
-                <a:solidFill>
-                  <a:prstClr val="black"/>
-                </a:solidFill>
-                <a:latin typeface="ArialMT"/>
-                <a:sym typeface="Wingdings"/>
-              </a:rPr>
-              <a:t> = largest length scale</a:t>
+              <a:t> </a:t>
             </a:r>
           </a:p>
         </p:txBody>
@@ -9523,46 +9598,7 @@
                 <a:latin typeface="ArialMT"/>
                 <a:sym typeface="Wingdings"/>
               </a:rPr>
-              <a:t>numerator = daylight between clusters</a:t>
-            </a:r>
-          </a:p>
-          <a:p>
-            <a:pPr marL="0" marR="0" indent="0" algn="l" defTabSz="457200" rtl="0" eaLnBrk="1" fontAlgn="auto" latinLnBrk="0" hangingPunct="1">
-              <a:lnSpc>
-                <a:spcPct val="100000"/>
-              </a:lnSpc>
-              <a:spcBef>
-                <a:spcPts val="0"/>
-              </a:spcBef>
-              <a:spcAft>
-                <a:spcPts val="0"/>
-              </a:spcAft>
-              <a:buClrTx/>
-              <a:buSzTx/>
-              <a:buFontTx/>
-              <a:buNone/>
-              <a:tabLst/>
-              <a:defRPr/>
-            </a:pPr>
-            <a:r>
-              <a:rPr lang="en-US" sz="1200" baseline="0" dirty="0" err="1" smtClean="0">
-                <a:solidFill>
-                  <a:prstClr val="black"/>
-                </a:solidFill>
-                <a:latin typeface="ArialMT"/>
-                <a:sym typeface="Wingdings"/>
-              </a:rPr>
-              <a:t>denom</a:t>
-            </a:r>
-            <a:r>
-              <a:rPr lang="en-US" sz="1200" baseline="0" dirty="0" smtClean="0">
-                <a:solidFill>
-                  <a:prstClr val="black"/>
-                </a:solidFill>
-                <a:latin typeface="ArialMT"/>
-                <a:sym typeface="Wingdings"/>
-              </a:rPr>
-              <a:t> = largest length scale</a:t>
+              <a:t> </a:t>
             </a:r>
           </a:p>
         </p:txBody>
@@ -9782,46 +9818,7 @@
                 <a:latin typeface="ArialMT"/>
                 <a:sym typeface="Wingdings"/>
               </a:rPr>
-              <a:t>numerator = daylight between clusters</a:t>
-            </a:r>
-          </a:p>
-          <a:p>
-            <a:pPr marL="0" marR="0" indent="0" algn="l" defTabSz="457200" rtl="0" eaLnBrk="1" fontAlgn="auto" latinLnBrk="0" hangingPunct="1">
-              <a:lnSpc>
-                <a:spcPct val="100000"/>
-              </a:lnSpc>
-              <a:spcBef>
-                <a:spcPts val="0"/>
-              </a:spcBef>
-              <a:spcAft>
-                <a:spcPts val="0"/>
-              </a:spcAft>
-              <a:buClrTx/>
-              <a:buSzTx/>
-              <a:buFontTx/>
-              <a:buNone/>
-              <a:tabLst/>
-              <a:defRPr/>
-            </a:pPr>
-            <a:r>
-              <a:rPr lang="en-US" sz="1200" baseline="0" dirty="0" err="1" smtClean="0">
-                <a:solidFill>
-                  <a:prstClr val="black"/>
-                </a:solidFill>
-                <a:latin typeface="ArialMT"/>
-                <a:sym typeface="Wingdings"/>
-              </a:rPr>
-              <a:t>denom</a:t>
-            </a:r>
-            <a:r>
-              <a:rPr lang="en-US" sz="1200" baseline="0" dirty="0" smtClean="0">
-                <a:solidFill>
-                  <a:prstClr val="black"/>
-                </a:solidFill>
-                <a:latin typeface="ArialMT"/>
-                <a:sym typeface="Wingdings"/>
-              </a:rPr>
-              <a:t> = largest length scale</a:t>
+              <a:t>Graphical example</a:t>
             </a:r>
           </a:p>
         </p:txBody>
@@ -10151,7 +10148,7 @@
                 <a:latin typeface="ArialMT"/>
                 <a:sym typeface="Wingdings"/>
               </a:rPr>
-              <a:t>Graphical example</a:t>
+              <a:t> </a:t>
             </a:r>
           </a:p>
         </p:txBody>
@@ -10261,7 +10258,7 @@
                 <a:latin typeface="ArialMT"/>
                 <a:sym typeface="Wingdings"/>
               </a:rPr>
-              <a:t> </a:t>
+              <a:t>Notice behavior at k=10 in both graphs.</a:t>
             </a:r>
           </a:p>
         </p:txBody>
@@ -10371,7 +10368,7 @@
                 <a:latin typeface="ArialMT"/>
                 <a:sym typeface="Wingdings"/>
               </a:rPr>
-              <a:t> </a:t>
+              <a:t>Note: can do some sampling stuff to improve clustering results, if necessary</a:t>
             </a:r>
           </a:p>
         </p:txBody>
@@ -10481,7 +10478,7 @@
                 <a:latin typeface="ArialMT"/>
                 <a:sym typeface="Wingdings"/>
               </a:rPr>
-              <a:t> </a:t>
+              <a:t>Note: can do some sampling stuff to improve clustering results, if necessary</a:t>
             </a:r>
           </a:p>
         </p:txBody>
@@ -10591,7 +10588,7 @@
                 <a:latin typeface="ArialMT"/>
                 <a:sym typeface="Wingdings"/>
               </a:rPr>
-              <a:t>Notice behavior at k=10 in both graphs.</a:t>
+              <a:t> </a:t>
             </a:r>
           </a:p>
         </p:txBody>
@@ -10676,32 +10673,9 @@
           <a:bodyPr/>
           <a:lstStyle/>
           <a:p>
-            <a:pPr marL="0" marR="0" indent="0" algn="l" defTabSz="457200" rtl="0" eaLnBrk="1" fontAlgn="auto" latinLnBrk="0" hangingPunct="1">
-              <a:lnSpc>
-                <a:spcPct val="100000"/>
-              </a:lnSpc>
-              <a:spcBef>
-                <a:spcPts val="0"/>
-              </a:spcBef>
-              <a:spcAft>
-                <a:spcPts val="0"/>
-              </a:spcAft>
-              <a:buClrTx/>
-              <a:buSzTx/>
-              <a:buFontTx/>
-              <a:buNone/>
-              <a:tabLst/>
-              <a:defRPr/>
-            </a:pPr>
-            <a:r>
-              <a:rPr lang="en-US" sz="1200" baseline="0" dirty="0" smtClean="0">
-                <a:solidFill>
-                  <a:prstClr val="black"/>
-                </a:solidFill>
-                <a:latin typeface="ArialMT"/>
-                <a:sym typeface="Wingdings"/>
-              </a:rPr>
-              <a:t>Note: can do some sampling stuff to improve clustering results, if necessary</a:t>
+            <a:r>
+              <a:rPr lang="en-US" baseline="0" dirty="0" smtClean="0"/>
+              <a:t> </a:t>
             </a:r>
           </a:p>
         </p:txBody>
@@ -10732,117 +10706,7 @@
     </p:spTree>
     <p:extLst>
       <p:ext uri="{BB962C8B-B14F-4D97-AF65-F5344CB8AC3E}">
-        <p14:creationId xmlns:p14="http://schemas.microsoft.com/office/powerpoint/2010/main" val="645762702"/>
-      </p:ext>
-    </p:extLst>
-  </p:cSld>
-  <p:clrMapOvr>
-    <a:masterClrMapping/>
-  </p:clrMapOvr>
-</p:notes>
-</file>
-
-<file path=ppt/notesSlides/notesSlide89.xml><?xml version="1.0" encoding="utf-8"?>
-<p:notes xmlns:a="http://schemas.openxmlformats.org/drawingml/2006/main" xmlns:r="http://schemas.openxmlformats.org/officeDocument/2006/relationships" xmlns:p="http://schemas.openxmlformats.org/presentationml/2006/main">
-  <p:cSld>
-    <p:spTree>
-      <p:nvGrpSpPr>
-        <p:cNvPr id="1" name=""/>
-        <p:cNvGrpSpPr/>
-        <p:nvPr/>
-      </p:nvGrpSpPr>
-      <p:grpSpPr>
-        <a:xfrm>
-          <a:off x="0" y="0"/>
-          <a:ext cx="0" cy="0"/>
-          <a:chOff x="0" y="0"/>
-          <a:chExt cx="0" cy="0"/>
-        </a:xfrm>
-      </p:grpSpPr>
-      <p:sp>
-        <p:nvSpPr>
-          <p:cNvPr id="2" name="Slide Image Placeholder 1"/>
-          <p:cNvSpPr>
-            <a:spLocks noGrp="1" noRot="1" noChangeAspect="1"/>
-          </p:cNvSpPr>
-          <p:nvPr>
-            <p:ph type="sldImg"/>
-          </p:nvPr>
-        </p:nvSpPr>
-        <p:spPr/>
-      </p:sp>
-      <p:sp>
-        <p:nvSpPr>
-          <p:cNvPr id="3" name="Notes Placeholder 2"/>
-          <p:cNvSpPr>
-            <a:spLocks noGrp="1"/>
-          </p:cNvSpPr>
-          <p:nvPr>
-            <p:ph type="body" idx="1"/>
-          </p:nvPr>
-        </p:nvSpPr>
-        <p:spPr/>
-        <p:txBody>
-          <a:bodyPr/>
-          <a:lstStyle/>
-          <a:p>
-            <a:pPr marL="0" marR="0" indent="0" algn="l" defTabSz="457200" rtl="0" eaLnBrk="1" fontAlgn="auto" latinLnBrk="0" hangingPunct="1">
-              <a:lnSpc>
-                <a:spcPct val="100000"/>
-              </a:lnSpc>
-              <a:spcBef>
-                <a:spcPts val="0"/>
-              </a:spcBef>
-              <a:spcAft>
-                <a:spcPts val="0"/>
-              </a:spcAft>
-              <a:buClrTx/>
-              <a:buSzTx/>
-              <a:buFontTx/>
-              <a:buNone/>
-              <a:tabLst/>
-              <a:defRPr/>
-            </a:pPr>
-            <a:r>
-              <a:rPr lang="en-US" sz="1200" baseline="0" dirty="0" smtClean="0">
-                <a:solidFill>
-                  <a:prstClr val="black"/>
-                </a:solidFill>
-                <a:latin typeface="ArialMT"/>
-                <a:sym typeface="Wingdings"/>
-              </a:rPr>
-              <a:t>Note: can do some sampling stuff to improve clustering results, if necessary</a:t>
-            </a:r>
-          </a:p>
-        </p:txBody>
-      </p:sp>
-      <p:sp>
-        <p:nvSpPr>
-          <p:cNvPr id="4" name="Slide Number Placeholder 3"/>
-          <p:cNvSpPr>
-            <a:spLocks noGrp="1"/>
-          </p:cNvSpPr>
-          <p:nvPr>
-            <p:ph type="sldNum" sz="quarter" idx="10"/>
-          </p:nvPr>
-        </p:nvSpPr>
-        <p:spPr/>
-        <p:txBody>
-          <a:bodyPr/>
-          <a:lstStyle/>
-          <a:p>
-            <a:fld id="{ADD4B5B7-85EF-4E48-AC80-2380FACD9C23}" type="slidenum">
-              <a:rPr lang="en-US" smtClean="0"/>
-              <a:t>89</a:t>
-            </a:fld>
-            <a:endParaRPr lang="en-US"/>
-          </a:p>
-        </p:txBody>
-      </p:sp>
-    </p:spTree>
-    <p:extLst>
-      <p:ext uri="{BB962C8B-B14F-4D97-AF65-F5344CB8AC3E}">
-        <p14:creationId xmlns:p14="http://schemas.microsoft.com/office/powerpoint/2010/main" val="645762702"/>
+        <p14:creationId xmlns:p14="http://schemas.microsoft.com/office/powerpoint/2010/main" val="158773868"/>
       </p:ext>
     </p:extLst>
   </p:cSld>
@@ -10953,203 +10817,6 @@
     <p:extLst>
       <p:ext uri="{BB962C8B-B14F-4D97-AF65-F5344CB8AC3E}">
         <p14:creationId xmlns:p14="http://schemas.microsoft.com/office/powerpoint/2010/main" val="645762702"/>
-      </p:ext>
-    </p:extLst>
-  </p:cSld>
-  <p:clrMapOvr>
-    <a:masterClrMapping/>
-  </p:clrMapOvr>
-</p:notes>
-</file>
-
-<file path=ppt/notesSlides/notesSlide90.xml><?xml version="1.0" encoding="utf-8"?>
-<p:notes xmlns:a="http://schemas.openxmlformats.org/drawingml/2006/main" xmlns:r="http://schemas.openxmlformats.org/officeDocument/2006/relationships" xmlns:p="http://schemas.openxmlformats.org/presentationml/2006/main">
-  <p:cSld>
-    <p:spTree>
-      <p:nvGrpSpPr>
-        <p:cNvPr id="1" name=""/>
-        <p:cNvGrpSpPr/>
-        <p:nvPr/>
-      </p:nvGrpSpPr>
-      <p:grpSpPr>
-        <a:xfrm>
-          <a:off x="0" y="0"/>
-          <a:ext cx="0" cy="0"/>
-          <a:chOff x="0" y="0"/>
-          <a:chExt cx="0" cy="0"/>
-        </a:xfrm>
-      </p:grpSpPr>
-      <p:sp>
-        <p:nvSpPr>
-          <p:cNvPr id="2" name="Slide Image Placeholder 1"/>
-          <p:cNvSpPr>
-            <a:spLocks noGrp="1" noRot="1" noChangeAspect="1"/>
-          </p:cNvSpPr>
-          <p:nvPr>
-            <p:ph type="sldImg"/>
-          </p:nvPr>
-        </p:nvSpPr>
-        <p:spPr/>
-      </p:sp>
-      <p:sp>
-        <p:nvSpPr>
-          <p:cNvPr id="3" name="Notes Placeholder 2"/>
-          <p:cNvSpPr>
-            <a:spLocks noGrp="1"/>
-          </p:cNvSpPr>
-          <p:nvPr>
-            <p:ph type="body" idx="1"/>
-          </p:nvPr>
-        </p:nvSpPr>
-        <p:spPr/>
-        <p:txBody>
-          <a:bodyPr/>
-          <a:lstStyle/>
-          <a:p>
-            <a:pPr marL="0" marR="0" indent="0" algn="l" defTabSz="457200" rtl="0" eaLnBrk="1" fontAlgn="auto" latinLnBrk="0" hangingPunct="1">
-              <a:lnSpc>
-                <a:spcPct val="100000"/>
-              </a:lnSpc>
-              <a:spcBef>
-                <a:spcPts val="0"/>
-              </a:spcBef>
-              <a:spcAft>
-                <a:spcPts val="0"/>
-              </a:spcAft>
-              <a:buClrTx/>
-              <a:buSzTx/>
-              <a:buFontTx/>
-              <a:buNone/>
-              <a:tabLst/>
-              <a:defRPr/>
-            </a:pPr>
-            <a:r>
-              <a:rPr lang="en-US" sz="1200" baseline="0" dirty="0" smtClean="0">
-                <a:solidFill>
-                  <a:prstClr val="black"/>
-                </a:solidFill>
-                <a:latin typeface="ArialMT"/>
-                <a:sym typeface="Wingdings"/>
-              </a:rPr>
-              <a:t> </a:t>
-            </a:r>
-          </a:p>
-        </p:txBody>
-      </p:sp>
-      <p:sp>
-        <p:nvSpPr>
-          <p:cNvPr id="4" name="Slide Number Placeholder 3"/>
-          <p:cNvSpPr>
-            <a:spLocks noGrp="1"/>
-          </p:cNvSpPr>
-          <p:nvPr>
-            <p:ph type="sldNum" sz="quarter" idx="10"/>
-          </p:nvPr>
-        </p:nvSpPr>
-        <p:spPr/>
-        <p:txBody>
-          <a:bodyPr/>
-          <a:lstStyle/>
-          <a:p>
-            <a:fld id="{ADD4B5B7-85EF-4E48-AC80-2380FACD9C23}" type="slidenum">
-              <a:rPr lang="en-US" smtClean="0"/>
-              <a:t>90</a:t>
-            </a:fld>
-            <a:endParaRPr lang="en-US"/>
-          </a:p>
-        </p:txBody>
-      </p:sp>
-    </p:spTree>
-    <p:extLst>
-      <p:ext uri="{BB962C8B-B14F-4D97-AF65-F5344CB8AC3E}">
-        <p14:creationId xmlns:p14="http://schemas.microsoft.com/office/powerpoint/2010/main" val="645762702"/>
-      </p:ext>
-    </p:extLst>
-  </p:cSld>
-  <p:clrMapOvr>
-    <a:masterClrMapping/>
-  </p:clrMapOvr>
-</p:notes>
-</file>
-
-<file path=ppt/notesSlides/notesSlide91.xml><?xml version="1.0" encoding="utf-8"?>
-<p:notes xmlns:a="http://schemas.openxmlformats.org/drawingml/2006/main" xmlns:r="http://schemas.openxmlformats.org/officeDocument/2006/relationships" xmlns:p="http://schemas.openxmlformats.org/presentationml/2006/main">
-  <p:cSld>
-    <p:spTree>
-      <p:nvGrpSpPr>
-        <p:cNvPr id="1" name=""/>
-        <p:cNvGrpSpPr/>
-        <p:nvPr/>
-      </p:nvGrpSpPr>
-      <p:grpSpPr>
-        <a:xfrm>
-          <a:off x="0" y="0"/>
-          <a:ext cx="0" cy="0"/>
-          <a:chOff x="0" y="0"/>
-          <a:chExt cx="0" cy="0"/>
-        </a:xfrm>
-      </p:grpSpPr>
-      <p:sp>
-        <p:nvSpPr>
-          <p:cNvPr id="2" name="Slide Image Placeholder 1"/>
-          <p:cNvSpPr>
-            <a:spLocks noGrp="1" noRot="1" noChangeAspect="1"/>
-          </p:cNvSpPr>
-          <p:nvPr>
-            <p:ph type="sldImg"/>
-          </p:nvPr>
-        </p:nvSpPr>
-        <p:spPr/>
-      </p:sp>
-      <p:sp>
-        <p:nvSpPr>
-          <p:cNvPr id="3" name="Notes Placeholder 2"/>
-          <p:cNvSpPr>
-            <a:spLocks noGrp="1"/>
-          </p:cNvSpPr>
-          <p:nvPr>
-            <p:ph type="body" idx="1"/>
-          </p:nvPr>
-        </p:nvSpPr>
-        <p:spPr/>
-        <p:txBody>
-          <a:bodyPr/>
-          <a:lstStyle/>
-          <a:p>
-            <a:r>
-              <a:rPr lang="en-US" baseline="0" dirty="0" smtClean="0"/>
-              <a:t> </a:t>
-            </a:r>
-          </a:p>
-        </p:txBody>
-      </p:sp>
-      <p:sp>
-        <p:nvSpPr>
-          <p:cNvPr id="4" name="Slide Number Placeholder 3"/>
-          <p:cNvSpPr>
-            <a:spLocks noGrp="1"/>
-          </p:cNvSpPr>
-          <p:nvPr>
-            <p:ph type="sldNum" sz="quarter" idx="10"/>
-          </p:nvPr>
-        </p:nvSpPr>
-        <p:spPr/>
-        <p:txBody>
-          <a:bodyPr/>
-          <a:lstStyle/>
-          <a:p>
-            <a:fld id="{ADD4B5B7-85EF-4E48-AC80-2380FACD9C23}" type="slidenum">
-              <a:rPr lang="en-US" smtClean="0"/>
-              <a:t>91</a:t>
-            </a:fld>
-            <a:endParaRPr lang="en-US"/>
-          </a:p>
-        </p:txBody>
-      </p:sp>
-    </p:spTree>
-    <p:extLst>
-      <p:ext uri="{BB962C8B-B14F-4D97-AF65-F5344CB8AC3E}">
-        <p14:creationId xmlns:p14="http://schemas.microsoft.com/office/powerpoint/2010/main" val="158773868"/>
       </p:ext>
     </p:extLst>
   </p:cSld>
@@ -22763,19 +22430,8 @@
                 <a:latin typeface="PFDinTextCompPro-Italic"/>
                 <a:cs typeface="PFDinTextCompPro-Italic"/>
               </a:rPr>
-              <a:t>K-means is algorithmically pretty </a:t>
-            </a:r>
-            <a:r>
-              <a:rPr lang="en-US" sz="3000" dirty="0" smtClean="0">
-                <a:latin typeface="PFDinTextCompPro-Italic"/>
-                <a:cs typeface="PFDinTextCompPro-Italic"/>
-              </a:rPr>
-              <a:t>elegant, and has performance linear in the number of data points in practice.</a:t>
-            </a:r>
-            <a:endParaRPr lang="en-US" sz="3000" dirty="0" smtClean="0">
-              <a:latin typeface="PFDinTextCompPro-Italic"/>
-              <a:cs typeface="PFDinTextCompPro-Italic"/>
-            </a:endParaRPr>
+              <a:t>K-means is algorithmically pretty elegant, and has performance linear in the number of data points in practice.</a:t>
+            </a:r>
           </a:p>
         </p:txBody>
       </p:sp>
@@ -27729,7 +27385,7 @@
             </a:r>
             <a:r>
               <a:rPr lang="en-US" dirty="0" smtClean="0"/>
-              <a:t>2 </a:t>
+              <a:t>3 </a:t>
             </a:r>
             <a:r>
               <a:rPr lang="en-US" dirty="0"/>
@@ -27737,7 +27393,7 @@
             </a:r>
             <a:r>
               <a:rPr lang="en-US" dirty="0" smtClean="0"/>
-              <a:t>Similarity measures</a:t>
+              <a:t>objective function</a:t>
             </a:r>
             <a:endParaRPr lang="en-US" dirty="0"/>
           </a:p>
@@ -27780,7 +27436,7 @@
         </p:nvSpPr>
         <p:spPr>
           <a:xfrm>
-            <a:off x="576896" y="1028700"/>
+            <a:off x="576896" y="952500"/>
             <a:ext cx="8382000" cy="1015663"/>
           </a:xfrm>
           <a:prstGeom prst="rect">
@@ -27800,84 +27456,21 @@
                 <a:latin typeface="PFDinTextCompPro-Italic"/>
                 <a:cs typeface="PFDinTextCompPro-Italic"/>
               </a:rPr>
-              <a:t>The matrix whose entries </a:t>
-            </a:r>
-            <a:r>
-              <a:rPr lang="en-US" sz="2500" i="1" dirty="0" err="1" smtClean="0">
-                <a:latin typeface="+mn-lt"/>
+              <a:t>Q:  How do we </a:t>
+            </a:r>
+            <a:r>
+              <a:rPr lang="en-US" sz="3000" dirty="0" err="1" smtClean="0">
+                <a:latin typeface="PFDinTextCompPro-Italic"/>
                 <a:cs typeface="PFDinTextCompPro-Italic"/>
               </a:rPr>
-              <a:t>D</a:t>
-            </a:r>
-            <a:r>
-              <a:rPr lang="en-US" sz="2500" i="1" baseline="-25000" dirty="0" err="1" smtClean="0">
-                <a:latin typeface="+mn-lt"/>
-                <a:cs typeface="PFDinTextCompPro-Italic"/>
-              </a:rPr>
-              <a:t>ij</a:t>
+              <a:t>recompute</a:t>
             </a:r>
             <a:r>
               <a:rPr lang="en-US" sz="3000" dirty="0" smtClean="0">
                 <a:latin typeface="PFDinTextCompPro-Italic"/>
                 <a:cs typeface="PFDinTextCompPro-Italic"/>
               </a:rPr>
-              <a:t> contain the values </a:t>
-            </a:r>
-            <a:r>
-              <a:rPr lang="en-US" sz="2500" i="1" dirty="0" smtClean="0">
-                <a:latin typeface="+mn-lt"/>
-                <a:cs typeface="PFDinTextCompPro-Italic"/>
-              </a:rPr>
-              <a:t>d(x, y)</a:t>
-            </a:r>
-            <a:r>
-              <a:rPr lang="en-US" sz="3000" dirty="0" smtClean="0">
-                <a:latin typeface="PFDinTextCompPro-Italic"/>
-                <a:cs typeface="PFDinTextCompPro-Italic"/>
-              </a:rPr>
-              <a:t> for all </a:t>
-            </a:r>
-            <a:r>
-              <a:rPr lang="en-US" sz="2500" i="1" dirty="0" smtClean="0">
-                <a:latin typeface="+mn-lt"/>
-                <a:cs typeface="PFDinTextCompPro-Italic"/>
-              </a:rPr>
-              <a:t>x</a:t>
-            </a:r>
-            <a:r>
-              <a:rPr lang="en-US" sz="3000" dirty="0" smtClean="0">
-                <a:latin typeface="PFDinTextCompPro-Italic"/>
-                <a:cs typeface="PFDinTextCompPro-Italic"/>
-              </a:rPr>
-              <a:t> and </a:t>
-            </a:r>
-            <a:r>
-              <a:rPr lang="en-US" sz="2500" i="1" dirty="0" smtClean="0">
-                <a:latin typeface="+mn-lt"/>
-                <a:cs typeface="PFDinTextCompPro-Italic"/>
-              </a:rPr>
-              <a:t>y</a:t>
-            </a:r>
-            <a:r>
-              <a:rPr lang="en-US" sz="3000" dirty="0" smtClean="0">
-                <a:latin typeface="PFDinTextCompPro-Italic"/>
-                <a:cs typeface="PFDinTextCompPro-Italic"/>
-              </a:rPr>
-              <a:t> is called the </a:t>
-            </a:r>
-            <a:r>
-              <a:rPr lang="en-US" sz="3000" dirty="0" smtClean="0">
-                <a:latin typeface="PFDinTextCompPro-Medium"/>
-                <a:cs typeface="PFDinTextCompPro-Medium"/>
-              </a:rPr>
-              <a:t>distance matrix</a:t>
-            </a:r>
-            <a:r>
-              <a:rPr lang="en-US" sz="3000" dirty="0" smtClean="0">
-                <a:latin typeface="PFDinTextCompPro-Italic"/>
-                <a:cs typeface="PFDinTextCompPro-Italic"/>
-              </a:rPr>
-              <a:t>.</a:t>
+              <a:t> the positions of the centroids at each iteration of the algorithm?</a:t>
             </a:r>
           </a:p>
         </p:txBody>
@@ -27885,7 +27478,7 @@
     </p:spTree>
     <p:extLst>
       <p:ext uri="{BB962C8B-B14F-4D97-AF65-F5344CB8AC3E}">
-        <p14:creationId xmlns:p14="http://schemas.microsoft.com/office/powerpoint/2010/main" val="857486347"/>
+        <p14:creationId xmlns:p14="http://schemas.microsoft.com/office/powerpoint/2010/main" val="2046008057"/>
       </p:ext>
     </p:extLst>
   </p:cSld>
@@ -27952,7 +27545,7 @@
             </a:r>
             <a:r>
               <a:rPr lang="en-US" dirty="0" smtClean="0"/>
-              <a:t>2 </a:t>
+              <a:t>3 </a:t>
             </a:r>
             <a:r>
               <a:rPr lang="en-US" dirty="0"/>
@@ -27960,7 +27553,7 @@
             </a:r>
             <a:r>
               <a:rPr lang="en-US" dirty="0" smtClean="0"/>
-              <a:t>Similarity measures</a:t>
+              <a:t>objective function</a:t>
             </a:r>
             <a:endParaRPr lang="en-US" dirty="0"/>
           </a:p>
@@ -28003,7 +27596,7 @@
         </p:nvSpPr>
         <p:spPr>
           <a:xfrm>
-            <a:off x="576896" y="1028700"/>
+            <a:off x="576896" y="952500"/>
             <a:ext cx="8382000" cy="2400657"/>
           </a:xfrm>
           <a:prstGeom prst="rect">
@@ -28023,84 +27616,21 @@
                 <a:latin typeface="PFDinTextCompPro-Italic"/>
                 <a:cs typeface="PFDinTextCompPro-Italic"/>
               </a:rPr>
-              <a:t>The matrix whose entries </a:t>
-            </a:r>
-            <a:r>
-              <a:rPr lang="en-US" sz="2500" i="1" dirty="0" err="1" smtClean="0">
-                <a:latin typeface="+mn-lt"/>
+              <a:t>Q:  How do we </a:t>
+            </a:r>
+            <a:r>
+              <a:rPr lang="en-US" sz="3000" dirty="0" err="1" smtClean="0">
+                <a:latin typeface="PFDinTextCompPro-Italic"/>
                 <a:cs typeface="PFDinTextCompPro-Italic"/>
               </a:rPr>
-              <a:t>D</a:t>
-            </a:r>
-            <a:r>
-              <a:rPr lang="en-US" sz="2500" i="1" baseline="-25000" dirty="0" err="1" smtClean="0">
-                <a:latin typeface="+mn-lt"/>
-                <a:cs typeface="PFDinTextCompPro-Italic"/>
-              </a:rPr>
-              <a:t>ij</a:t>
+              <a:t>recompute</a:t>
             </a:r>
             <a:r>
               <a:rPr lang="en-US" sz="3000" dirty="0" smtClean="0">
                 <a:latin typeface="PFDinTextCompPro-Italic"/>
                 <a:cs typeface="PFDinTextCompPro-Italic"/>
               </a:rPr>
-              <a:t> contain the values </a:t>
-            </a:r>
-            <a:r>
-              <a:rPr lang="en-US" sz="2500" i="1" dirty="0" smtClean="0">
-                <a:latin typeface="+mn-lt"/>
-                <a:cs typeface="PFDinTextCompPro-Italic"/>
-              </a:rPr>
-              <a:t>d(x, y)</a:t>
-            </a:r>
-            <a:r>
-              <a:rPr lang="en-US" sz="3000" dirty="0" smtClean="0">
-                <a:latin typeface="PFDinTextCompPro-Italic"/>
-                <a:cs typeface="PFDinTextCompPro-Italic"/>
-              </a:rPr>
-              <a:t> for all </a:t>
-            </a:r>
-            <a:r>
-              <a:rPr lang="en-US" sz="2500" i="1" dirty="0" smtClean="0">
-                <a:latin typeface="+mn-lt"/>
-                <a:cs typeface="PFDinTextCompPro-Italic"/>
-              </a:rPr>
-              <a:t>x</a:t>
-            </a:r>
-            <a:r>
-              <a:rPr lang="en-US" sz="3000" dirty="0" smtClean="0">
-                <a:latin typeface="PFDinTextCompPro-Italic"/>
-                <a:cs typeface="PFDinTextCompPro-Italic"/>
-              </a:rPr>
-              <a:t> and </a:t>
-            </a:r>
-            <a:r>
-              <a:rPr lang="en-US" sz="2500" i="1" dirty="0" smtClean="0">
-                <a:latin typeface="+mn-lt"/>
-                <a:cs typeface="PFDinTextCompPro-Italic"/>
-              </a:rPr>
-              <a:t>y</a:t>
-            </a:r>
-            <a:r>
-              <a:rPr lang="en-US" sz="3000" dirty="0" smtClean="0">
-                <a:latin typeface="PFDinTextCompPro-Italic"/>
-                <a:cs typeface="PFDinTextCompPro-Italic"/>
-              </a:rPr>
-              <a:t> is called the </a:t>
-            </a:r>
-            <a:r>
-              <a:rPr lang="en-US" sz="3000" dirty="0" smtClean="0">
-                <a:latin typeface="PFDinTextCompPro-Medium"/>
-                <a:cs typeface="PFDinTextCompPro-Medium"/>
-              </a:rPr>
-              <a:t>distance matrix</a:t>
-            </a:r>
-            <a:r>
-              <a:rPr lang="en-US" sz="3000" dirty="0" smtClean="0">
-                <a:latin typeface="PFDinTextCompPro-Italic"/>
-                <a:cs typeface="PFDinTextCompPro-Italic"/>
-              </a:rPr>
-              <a:t>.</a:t>
+              <a:t> the positions of the centroids at each iteration of the algorithm?</a:t>
             </a:r>
           </a:p>
           <a:p>
@@ -28117,21 +27647,28 @@
                 <a:latin typeface="PFDinTextCompPro-Italic"/>
                 <a:cs typeface="PFDinTextCompPro-Italic"/>
               </a:rPr>
-              <a:t>The distance matrix contains </a:t>
-            </a:r>
-            <a:r>
-              <a:rPr lang="en-US" sz="3000" i="1" dirty="0" smtClean="0">
+              <a:t>A:  By optimizing an </a:t>
+            </a:r>
+            <a:r>
+              <a:rPr lang="en-US" sz="3000" dirty="0" smtClean="0">
+                <a:latin typeface="PFDinTextCompPro-Medium"/>
+                <a:cs typeface="PFDinTextCompPro-Medium"/>
+              </a:rPr>
+              <a:t>objective function</a:t>
+            </a:r>
+            <a:r>
+              <a:rPr lang="en-US" sz="3000" dirty="0">
                 <a:latin typeface="PFDinTextCompPro-Italic"/>
                 <a:cs typeface="PFDinTextCompPro-Italic"/>
               </a:rPr>
-              <a:t>all of the information</a:t>
+              <a:t> </a:t>
             </a:r>
             <a:r>
               <a:rPr lang="en-US" sz="3000" dirty="0" smtClean="0">
                 <a:latin typeface="PFDinTextCompPro-Italic"/>
                 <a:cs typeface="PFDinTextCompPro-Italic"/>
               </a:rPr>
-              <a:t> we know about the dataset as far as clustering is concerned.</a:t>
+              <a:t>that tells us how “good” the clustering is.</a:t>
             </a:r>
           </a:p>
         </p:txBody>
@@ -28139,7 +27676,7 @@
     </p:spTree>
     <p:extLst>
       <p:ext uri="{BB962C8B-B14F-4D97-AF65-F5344CB8AC3E}">
-        <p14:creationId xmlns:p14="http://schemas.microsoft.com/office/powerpoint/2010/main" val="3420146907"/>
+        <p14:creationId xmlns:p14="http://schemas.microsoft.com/office/powerpoint/2010/main" val="2535780723"/>
       </p:ext>
     </p:extLst>
   </p:cSld>
@@ -28206,7 +27743,7 @@
             </a:r>
             <a:r>
               <a:rPr lang="en-US" dirty="0" smtClean="0"/>
-              <a:t>2 </a:t>
+              <a:t>3 </a:t>
             </a:r>
             <a:r>
               <a:rPr lang="en-US" dirty="0"/>
@@ -28214,7 +27751,7 @@
             </a:r>
             <a:r>
               <a:rPr lang="en-US" dirty="0" smtClean="0"/>
-              <a:t>Similarity measures</a:t>
+              <a:t>objective function</a:t>
             </a:r>
             <a:endParaRPr lang="en-US" dirty="0"/>
           </a:p>
@@ -28257,8 +27794,8 @@
         </p:nvSpPr>
         <p:spPr>
           <a:xfrm>
-            <a:off x="576896" y="1028700"/>
-            <a:ext cx="8382000" cy="3785652"/>
+            <a:off x="576896" y="952500"/>
+            <a:ext cx="8382000" cy="4247317"/>
           </a:xfrm>
           <a:prstGeom prst="rect">
             <a:avLst/>
@@ -28277,84 +27814,21 @@
                 <a:latin typeface="PFDinTextCompPro-Italic"/>
                 <a:cs typeface="PFDinTextCompPro-Italic"/>
               </a:rPr>
-              <a:t>The matrix whose entries </a:t>
-            </a:r>
-            <a:r>
-              <a:rPr lang="en-US" sz="2500" i="1" dirty="0" err="1" smtClean="0">
-                <a:latin typeface="+mn-lt"/>
+              <a:t>Q:  How do we </a:t>
+            </a:r>
+            <a:r>
+              <a:rPr lang="en-US" sz="3000" dirty="0" err="1" smtClean="0">
+                <a:latin typeface="PFDinTextCompPro-Italic"/>
                 <a:cs typeface="PFDinTextCompPro-Italic"/>
               </a:rPr>
-              <a:t>D</a:t>
-            </a:r>
-            <a:r>
-              <a:rPr lang="en-US" sz="2500" i="1" baseline="-25000" dirty="0" err="1" smtClean="0">
-                <a:latin typeface="+mn-lt"/>
-                <a:cs typeface="PFDinTextCompPro-Italic"/>
-              </a:rPr>
-              <a:t>ij</a:t>
+              <a:t>recompute</a:t>
             </a:r>
             <a:r>
               <a:rPr lang="en-US" sz="3000" dirty="0" smtClean="0">
                 <a:latin typeface="PFDinTextCompPro-Italic"/>
                 <a:cs typeface="PFDinTextCompPro-Italic"/>
               </a:rPr>
-              <a:t> contain the values </a:t>
-            </a:r>
-            <a:r>
-              <a:rPr lang="en-US" sz="2500" i="1" dirty="0" smtClean="0">
-                <a:latin typeface="+mn-lt"/>
-                <a:cs typeface="PFDinTextCompPro-Italic"/>
-              </a:rPr>
-              <a:t>d(x, y)</a:t>
-            </a:r>
-            <a:r>
-              <a:rPr lang="en-US" sz="3000" dirty="0" smtClean="0">
-                <a:latin typeface="PFDinTextCompPro-Italic"/>
-                <a:cs typeface="PFDinTextCompPro-Italic"/>
-              </a:rPr>
-              <a:t> for all </a:t>
-            </a:r>
-            <a:r>
-              <a:rPr lang="en-US" sz="2500" i="1" dirty="0" smtClean="0">
-                <a:latin typeface="+mn-lt"/>
-                <a:cs typeface="PFDinTextCompPro-Italic"/>
-              </a:rPr>
-              <a:t>x</a:t>
-            </a:r>
-            <a:r>
-              <a:rPr lang="en-US" sz="3000" dirty="0" smtClean="0">
-                <a:latin typeface="PFDinTextCompPro-Italic"/>
-                <a:cs typeface="PFDinTextCompPro-Italic"/>
-              </a:rPr>
-              <a:t> and </a:t>
-            </a:r>
-            <a:r>
-              <a:rPr lang="en-US" sz="2500" i="1" dirty="0" smtClean="0">
-                <a:latin typeface="+mn-lt"/>
-                <a:cs typeface="PFDinTextCompPro-Italic"/>
-              </a:rPr>
-              <a:t>y</a:t>
-            </a:r>
-            <a:r>
-              <a:rPr lang="en-US" sz="3000" dirty="0" smtClean="0">
-                <a:latin typeface="PFDinTextCompPro-Italic"/>
-                <a:cs typeface="PFDinTextCompPro-Italic"/>
-              </a:rPr>
-              <a:t> is called the </a:t>
-            </a:r>
-            <a:r>
-              <a:rPr lang="en-US" sz="3000" dirty="0" smtClean="0">
-                <a:latin typeface="PFDinTextCompPro-Medium"/>
-                <a:cs typeface="PFDinTextCompPro-Medium"/>
-              </a:rPr>
-              <a:t>distance matrix</a:t>
-            </a:r>
-            <a:r>
-              <a:rPr lang="en-US" sz="3000" dirty="0" smtClean="0">
-                <a:latin typeface="PFDinTextCompPro-Italic"/>
-                <a:cs typeface="PFDinTextCompPro-Italic"/>
-              </a:rPr>
-              <a:t>.</a:t>
+              <a:t> the positions of the centroids at each iteration of the algorithm?</a:t>
             </a:r>
           </a:p>
           <a:p>
@@ -28371,21 +27845,28 @@
                 <a:latin typeface="PFDinTextCompPro-Italic"/>
                 <a:cs typeface="PFDinTextCompPro-Italic"/>
               </a:rPr>
-              <a:t>The distance matrix contains </a:t>
-            </a:r>
-            <a:r>
-              <a:rPr lang="en-US" sz="3000" i="1" dirty="0" smtClean="0">
+              <a:t>A:  By optimizing an </a:t>
+            </a:r>
+            <a:r>
+              <a:rPr lang="en-US" sz="3000" dirty="0" smtClean="0">
+                <a:latin typeface="PFDinTextCompPro-Medium"/>
+                <a:cs typeface="PFDinTextCompPro-Medium"/>
+              </a:rPr>
+              <a:t>objective function</a:t>
+            </a:r>
+            <a:r>
+              <a:rPr lang="en-US" sz="3000" dirty="0">
                 <a:latin typeface="PFDinTextCompPro-Italic"/>
                 <a:cs typeface="PFDinTextCompPro-Italic"/>
               </a:rPr>
-              <a:t>all of the information</a:t>
+              <a:t> </a:t>
             </a:r>
             <a:r>
               <a:rPr lang="en-US" sz="3000" dirty="0" smtClean="0">
                 <a:latin typeface="PFDinTextCompPro-Italic"/>
                 <a:cs typeface="PFDinTextCompPro-Italic"/>
               </a:rPr>
-              <a:t> we know about the dataset as far as clustering is concerned.</a:t>
+              <a:t>that tells us how “good” the clustering is.</a:t>
             </a:r>
           </a:p>
           <a:p>
@@ -28402,7 +27883,21 @@
                 <a:latin typeface="PFDinTextCompPro-Italic"/>
                 <a:cs typeface="PFDinTextCompPro-Italic"/>
               </a:rPr>
-              <a:t>For this reason, it’s really the choice of metric that determines the definition of a cluster.</a:t>
+              <a:t>The iterative part of the algorithm (</a:t>
+            </a:r>
+            <a:r>
+              <a:rPr lang="en-US" sz="3000" dirty="0" err="1" smtClean="0">
+                <a:latin typeface="PFDinTextCompPro-Italic"/>
+                <a:cs typeface="PFDinTextCompPro-Italic"/>
+              </a:rPr>
+              <a:t>recomputing</a:t>
+            </a:r>
+            <a:r>
+              <a:rPr lang="en-US" sz="3000" dirty="0" smtClean="0">
+                <a:latin typeface="PFDinTextCompPro-Italic"/>
+                <a:cs typeface="PFDinTextCompPro-Italic"/>
+              </a:rPr>
+              <a:t> centroids and reassigning points to clusters) explicitly tries to minimize this objective function.</a:t>
             </a:r>
           </a:p>
         </p:txBody>
@@ -28410,7 +27905,7 @@
     </p:spTree>
     <p:extLst>
       <p:ext uri="{BB962C8B-B14F-4D97-AF65-F5344CB8AC3E}">
-        <p14:creationId xmlns:p14="http://schemas.microsoft.com/office/powerpoint/2010/main" val="4030092770"/>
+        <p14:creationId xmlns:p14="http://schemas.microsoft.com/office/powerpoint/2010/main" val="2436705153"/>
       </p:ext>
     </p:extLst>
   </p:cSld>
@@ -28515,727 +28010,6 @@
                 <a:defRPr/>
               </a:pPr>
               <a:t>58</a:t>
-            </a:fld>
-            <a:endParaRPr lang="en-US"/>
-          </a:p>
-        </p:txBody>
-      </p:sp>
-      <p:sp>
-        <p:nvSpPr>
-          <p:cNvPr id="9" name="TextBox 8"/>
-          <p:cNvSpPr txBox="1"/>
-          <p:nvPr/>
-        </p:nvSpPr>
-        <p:spPr>
-          <a:xfrm>
-            <a:off x="576896" y="952500"/>
-            <a:ext cx="8382000" cy="1015663"/>
-          </a:xfrm>
-          <a:prstGeom prst="rect">
-            <a:avLst/>
-          </a:prstGeom>
-          <a:noFill/>
-        </p:spPr>
-        <p:txBody>
-          <a:bodyPr wrap="square" rtlCol="0">
-            <a:spAutoFit/>
-          </a:bodyPr>
-          <a:lstStyle/>
-          <a:p>
-            <a:pPr algn="l"/>
-            <a:r>
-              <a:rPr lang="en-US" sz="3000" dirty="0" smtClean="0">
-                <a:latin typeface="PFDinTextCompPro-Italic"/>
-                <a:cs typeface="PFDinTextCompPro-Italic"/>
-              </a:rPr>
-              <a:t>Q:  How do we </a:t>
-            </a:r>
-            <a:r>
-              <a:rPr lang="en-US" sz="3000" dirty="0" err="1" smtClean="0">
-                <a:latin typeface="PFDinTextCompPro-Italic"/>
-                <a:cs typeface="PFDinTextCompPro-Italic"/>
-              </a:rPr>
-              <a:t>recompute</a:t>
-            </a:r>
-            <a:r>
-              <a:rPr lang="en-US" sz="3000" dirty="0" smtClean="0">
-                <a:latin typeface="PFDinTextCompPro-Italic"/>
-                <a:cs typeface="PFDinTextCompPro-Italic"/>
-              </a:rPr>
-              <a:t> the positions of the centroids at each iteration of the algorithm?</a:t>
-            </a:r>
-          </a:p>
-        </p:txBody>
-      </p:sp>
-    </p:spTree>
-    <p:extLst>
-      <p:ext uri="{BB962C8B-B14F-4D97-AF65-F5344CB8AC3E}">
-        <p14:creationId xmlns:p14="http://schemas.microsoft.com/office/powerpoint/2010/main" val="2046008057"/>
-      </p:ext>
-    </p:extLst>
-  </p:cSld>
-  <p:clrMapOvr>
-    <a:masterClrMapping/>
-  </p:clrMapOvr>
-  <p:transition xmlns:p14="http://schemas.microsoft.com/office/powerpoint/2010/main"/>
-  <p:timing>
-    <p:tnLst>
-      <p:par>
-        <p:cTn xmlns:p14="http://schemas.microsoft.com/office/powerpoint/2010/main" id="1" dur="indefinite" restart="never" nodeType="tmRoot"/>
-      </p:par>
-    </p:tnLst>
-  </p:timing>
-</p:sld>
-</file>
-
-<file path=ppt/slides/slide59.xml><?xml version="1.0" encoding="utf-8"?>
-<p:sld xmlns:a="http://schemas.openxmlformats.org/drawingml/2006/main" xmlns:r="http://schemas.openxmlformats.org/officeDocument/2006/relationships" xmlns:p="http://schemas.openxmlformats.org/presentationml/2006/main">
-  <p:cSld>
-    <p:spTree>
-      <p:nvGrpSpPr>
-        <p:cNvPr id="1" name=""/>
-        <p:cNvGrpSpPr/>
-        <p:nvPr/>
-      </p:nvGrpSpPr>
-      <p:grpSpPr>
-        <a:xfrm>
-          <a:off x="0" y="0"/>
-          <a:ext cx="0" cy="0"/>
-          <a:chOff x="0" y="0"/>
-          <a:chExt cx="0" cy="0"/>
-        </a:xfrm>
-      </p:grpSpPr>
-      <p:sp>
-        <p:nvSpPr>
-          <p:cNvPr id="4" name="Content Placeholder 3"/>
-          <p:cNvSpPr>
-            <a:spLocks noGrp="1"/>
-          </p:cNvSpPr>
-          <p:nvPr>
-            <p:ph sz="quarter" idx="11"/>
-          </p:nvPr>
-        </p:nvSpPr>
-        <p:spPr>
-          <a:xfrm>
-            <a:off x="414337" y="495300"/>
-            <a:ext cx="6400800" cy="304800"/>
-          </a:xfrm>
-        </p:spPr>
-        <p:txBody>
-          <a:bodyPr/>
-          <a:lstStyle/>
-          <a:p>
-            <a:pPr eaLnBrk="1" hangingPunct="1">
-              <a:lnSpc>
-                <a:spcPts val="2448"/>
-              </a:lnSpc>
-              <a:defRPr/>
-            </a:pPr>
-            <a:r>
-              <a:rPr lang="en-US" dirty="0"/>
-              <a:t>Step </a:t>
-            </a:r>
-            <a:r>
-              <a:rPr lang="en-US" dirty="0" smtClean="0"/>
-              <a:t>3 </a:t>
-            </a:r>
-            <a:r>
-              <a:rPr lang="en-US" dirty="0"/>
-              <a:t>– </a:t>
-            </a:r>
-            <a:r>
-              <a:rPr lang="en-US" dirty="0" smtClean="0"/>
-              <a:t>objective function</a:t>
-            </a:r>
-            <a:endParaRPr lang="en-US" dirty="0"/>
-          </a:p>
-        </p:txBody>
-      </p:sp>
-      <p:sp>
-        <p:nvSpPr>
-          <p:cNvPr id="8" name="Slide Number Placeholder 3"/>
-          <p:cNvSpPr>
-            <a:spLocks noGrp="1"/>
-          </p:cNvSpPr>
-          <p:nvPr>
-            <p:ph type="sldNum" sz="quarter" idx="13"/>
-          </p:nvPr>
-        </p:nvSpPr>
-        <p:spPr/>
-        <p:txBody>
-          <a:bodyPr/>
-          <a:lstStyle/>
-          <a:p>
-            <a:pPr>
-              <a:defRPr/>
-            </a:pPr>
-            <a:fld id="{BD5AD749-DAD1-6A4A-A2AA-CB20EAD0AEB7}" type="slidenum">
-              <a:rPr lang="en-US"/>
-              <a:pPr>
-                <a:defRPr/>
-              </a:pPr>
-              <a:t>59</a:t>
-            </a:fld>
-            <a:endParaRPr lang="en-US"/>
-          </a:p>
-        </p:txBody>
-      </p:sp>
-      <p:sp>
-        <p:nvSpPr>
-          <p:cNvPr id="9" name="TextBox 8"/>
-          <p:cNvSpPr txBox="1"/>
-          <p:nvPr/>
-        </p:nvSpPr>
-        <p:spPr>
-          <a:xfrm>
-            <a:off x="576896" y="952500"/>
-            <a:ext cx="8382000" cy="2400657"/>
-          </a:xfrm>
-          <a:prstGeom prst="rect">
-            <a:avLst/>
-          </a:prstGeom>
-          <a:noFill/>
-        </p:spPr>
-        <p:txBody>
-          <a:bodyPr wrap="square" rtlCol="0">
-            <a:spAutoFit/>
-          </a:bodyPr>
-          <a:lstStyle/>
-          <a:p>
-            <a:pPr algn="l"/>
-            <a:r>
-              <a:rPr lang="en-US" sz="3000" dirty="0" smtClean="0">
-                <a:latin typeface="PFDinTextCompPro-Italic"/>
-                <a:cs typeface="PFDinTextCompPro-Italic"/>
-              </a:rPr>
-              <a:t>Q:  How do we </a:t>
-            </a:r>
-            <a:r>
-              <a:rPr lang="en-US" sz="3000" dirty="0" err="1" smtClean="0">
-                <a:latin typeface="PFDinTextCompPro-Italic"/>
-                <a:cs typeface="PFDinTextCompPro-Italic"/>
-              </a:rPr>
-              <a:t>recompute</a:t>
-            </a:r>
-            <a:r>
-              <a:rPr lang="en-US" sz="3000" dirty="0" smtClean="0">
-                <a:latin typeface="PFDinTextCompPro-Italic"/>
-                <a:cs typeface="PFDinTextCompPro-Italic"/>
-              </a:rPr>
-              <a:t> the positions of the centroids at each iteration of the algorithm?</a:t>
-            </a:r>
-          </a:p>
-          <a:p>
-            <a:pPr algn="l"/>
-            <a:endParaRPr lang="en-US" sz="3000" dirty="0">
-              <a:latin typeface="PFDinTextCompPro-Italic"/>
-              <a:cs typeface="PFDinTextCompPro-Italic"/>
-            </a:endParaRPr>
-          </a:p>
-          <a:p>
-            <a:pPr algn="l"/>
-            <a:r>
-              <a:rPr lang="en-US" sz="3000" dirty="0" smtClean="0">
-                <a:latin typeface="PFDinTextCompPro-Italic"/>
-                <a:cs typeface="PFDinTextCompPro-Italic"/>
-              </a:rPr>
-              <a:t>A:  By optimizing an </a:t>
-            </a:r>
-            <a:r>
-              <a:rPr lang="en-US" sz="3000" dirty="0" smtClean="0">
-                <a:latin typeface="PFDinTextCompPro-Medium"/>
-                <a:cs typeface="PFDinTextCompPro-Medium"/>
-              </a:rPr>
-              <a:t>objective function</a:t>
-            </a:r>
-            <a:r>
-              <a:rPr lang="en-US" sz="3000" dirty="0">
-                <a:latin typeface="PFDinTextCompPro-Italic"/>
-                <a:cs typeface="PFDinTextCompPro-Italic"/>
-              </a:rPr>
-              <a:t> </a:t>
-            </a:r>
-            <a:r>
-              <a:rPr lang="en-US" sz="3000" dirty="0" smtClean="0">
-                <a:latin typeface="PFDinTextCompPro-Italic"/>
-                <a:cs typeface="PFDinTextCompPro-Italic"/>
-              </a:rPr>
-              <a:t>that tells us how “good” the clustering is.</a:t>
-            </a:r>
-          </a:p>
-        </p:txBody>
-      </p:sp>
-    </p:spTree>
-    <p:extLst>
-      <p:ext uri="{BB962C8B-B14F-4D97-AF65-F5344CB8AC3E}">
-        <p14:creationId xmlns:p14="http://schemas.microsoft.com/office/powerpoint/2010/main" val="2535780723"/>
-      </p:ext>
-    </p:extLst>
-  </p:cSld>
-  <p:clrMapOvr>
-    <a:masterClrMapping/>
-  </p:clrMapOvr>
-  <p:transition xmlns:p14="http://schemas.microsoft.com/office/powerpoint/2010/main"/>
-  <p:timing>
-    <p:tnLst>
-      <p:par>
-        <p:cTn xmlns:p14="http://schemas.microsoft.com/office/powerpoint/2010/main" id="1" dur="indefinite" restart="never" nodeType="tmRoot"/>
-      </p:par>
-    </p:tnLst>
-  </p:timing>
-</p:sld>
-</file>
-
-<file path=ppt/slides/slide6.xml><?xml version="1.0" encoding="utf-8"?>
-<p:sld xmlns:a="http://schemas.openxmlformats.org/drawingml/2006/main" xmlns:r="http://schemas.openxmlformats.org/officeDocument/2006/relationships" xmlns:p="http://schemas.openxmlformats.org/presentationml/2006/main">
-  <p:cSld>
-    <p:spTree>
-      <p:nvGrpSpPr>
-        <p:cNvPr id="1" name=""/>
-        <p:cNvGrpSpPr/>
-        <p:nvPr/>
-      </p:nvGrpSpPr>
-      <p:grpSpPr>
-        <a:xfrm>
-          <a:off x="0" y="0"/>
-          <a:ext cx="0" cy="0"/>
-          <a:chOff x="0" y="0"/>
-          <a:chExt cx="0" cy="0"/>
-        </a:xfrm>
-      </p:grpSpPr>
-      <p:sp>
-        <p:nvSpPr>
-          <p:cNvPr id="4" name="Content Placeholder 3"/>
-          <p:cNvSpPr>
-            <a:spLocks noGrp="1"/>
-          </p:cNvSpPr>
-          <p:nvPr>
-            <p:ph sz="quarter" idx="11"/>
-          </p:nvPr>
-        </p:nvSpPr>
-        <p:spPr>
-          <a:xfrm>
-            <a:off x="414337" y="495300"/>
-            <a:ext cx="6400800" cy="304800"/>
-          </a:xfrm>
-        </p:spPr>
-        <p:txBody>
-          <a:bodyPr/>
-          <a:lstStyle/>
-          <a:p>
-            <a:pPr eaLnBrk="1" hangingPunct="1">
-              <a:lnSpc>
-                <a:spcPts val="2448"/>
-              </a:lnSpc>
-              <a:defRPr/>
-            </a:pPr>
-            <a:r>
-              <a:rPr lang="en-US" dirty="0" smtClean="0"/>
-              <a:t>Cluster analysis</a:t>
-            </a:r>
-            <a:endParaRPr lang="en-US" dirty="0"/>
-          </a:p>
-        </p:txBody>
-      </p:sp>
-      <p:sp>
-        <p:nvSpPr>
-          <p:cNvPr id="8" name="Slide Number Placeholder 3"/>
-          <p:cNvSpPr>
-            <a:spLocks noGrp="1"/>
-          </p:cNvSpPr>
-          <p:nvPr>
-            <p:ph type="sldNum" sz="quarter" idx="13"/>
-          </p:nvPr>
-        </p:nvSpPr>
-        <p:spPr/>
-        <p:txBody>
-          <a:bodyPr/>
-          <a:lstStyle/>
-          <a:p>
-            <a:pPr>
-              <a:defRPr/>
-            </a:pPr>
-            <a:fld id="{BD5AD749-DAD1-6A4A-A2AA-CB20EAD0AEB7}" type="slidenum">
-              <a:rPr lang="en-US"/>
-              <a:pPr>
-                <a:defRPr/>
-              </a:pPr>
-              <a:t>6</a:t>
-            </a:fld>
-            <a:endParaRPr lang="en-US"/>
-          </a:p>
-        </p:txBody>
-      </p:sp>
-      <p:sp>
-        <p:nvSpPr>
-          <p:cNvPr id="9" name="TextBox 8"/>
-          <p:cNvSpPr txBox="1"/>
-          <p:nvPr/>
-        </p:nvSpPr>
-        <p:spPr>
-          <a:xfrm>
-            <a:off x="566737" y="1104900"/>
-            <a:ext cx="8382000" cy="553998"/>
-          </a:xfrm>
-          <a:prstGeom prst="rect">
-            <a:avLst/>
-          </a:prstGeom>
-          <a:noFill/>
-        </p:spPr>
-        <p:txBody>
-          <a:bodyPr wrap="square" rtlCol="0">
-            <a:spAutoFit/>
-          </a:bodyPr>
-          <a:lstStyle/>
-          <a:p>
-            <a:pPr algn="l"/>
-            <a:r>
-              <a:rPr lang="en-US" sz="3000" dirty="0" smtClean="0">
-                <a:latin typeface="PFDinTextCompPro-Italic"/>
-                <a:cs typeface="PFDinTextCompPro-Italic"/>
-              </a:rPr>
-              <a:t>Q:  What is a cluster?</a:t>
-            </a:r>
-          </a:p>
-        </p:txBody>
-      </p:sp>
-    </p:spTree>
-    <p:extLst>
-      <p:ext uri="{BB962C8B-B14F-4D97-AF65-F5344CB8AC3E}">
-        <p14:creationId xmlns:p14="http://schemas.microsoft.com/office/powerpoint/2010/main" val="3278142496"/>
-      </p:ext>
-    </p:extLst>
-  </p:cSld>
-  <p:clrMapOvr>
-    <a:masterClrMapping/>
-  </p:clrMapOvr>
-  <p:transition xmlns:p14="http://schemas.microsoft.com/office/powerpoint/2010/main"/>
-  <p:timing>
-    <p:tnLst>
-      <p:par>
-        <p:cTn xmlns:p14="http://schemas.microsoft.com/office/powerpoint/2010/main" id="1" dur="indefinite" restart="never" nodeType="tmRoot"/>
-      </p:par>
-    </p:tnLst>
-  </p:timing>
-</p:sld>
-</file>
-
-<file path=ppt/slides/slide60.xml><?xml version="1.0" encoding="utf-8"?>
-<p:sld xmlns:a="http://schemas.openxmlformats.org/drawingml/2006/main" xmlns:r="http://schemas.openxmlformats.org/officeDocument/2006/relationships" xmlns:p="http://schemas.openxmlformats.org/presentationml/2006/main">
-  <p:cSld>
-    <p:spTree>
-      <p:nvGrpSpPr>
-        <p:cNvPr id="1" name=""/>
-        <p:cNvGrpSpPr/>
-        <p:nvPr/>
-      </p:nvGrpSpPr>
-      <p:grpSpPr>
-        <a:xfrm>
-          <a:off x="0" y="0"/>
-          <a:ext cx="0" cy="0"/>
-          <a:chOff x="0" y="0"/>
-          <a:chExt cx="0" cy="0"/>
-        </a:xfrm>
-      </p:grpSpPr>
-      <p:sp>
-        <p:nvSpPr>
-          <p:cNvPr id="4" name="Content Placeholder 3"/>
-          <p:cNvSpPr>
-            <a:spLocks noGrp="1"/>
-          </p:cNvSpPr>
-          <p:nvPr>
-            <p:ph sz="quarter" idx="11"/>
-          </p:nvPr>
-        </p:nvSpPr>
-        <p:spPr>
-          <a:xfrm>
-            <a:off x="414337" y="495300"/>
-            <a:ext cx="6400800" cy="304800"/>
-          </a:xfrm>
-        </p:spPr>
-        <p:txBody>
-          <a:bodyPr/>
-          <a:lstStyle/>
-          <a:p>
-            <a:pPr eaLnBrk="1" hangingPunct="1">
-              <a:lnSpc>
-                <a:spcPts val="2448"/>
-              </a:lnSpc>
-              <a:defRPr/>
-            </a:pPr>
-            <a:r>
-              <a:rPr lang="en-US" dirty="0"/>
-              <a:t>Step </a:t>
-            </a:r>
-            <a:r>
-              <a:rPr lang="en-US" dirty="0" smtClean="0"/>
-              <a:t>3 </a:t>
-            </a:r>
-            <a:r>
-              <a:rPr lang="en-US" dirty="0"/>
-              <a:t>– </a:t>
-            </a:r>
-            <a:r>
-              <a:rPr lang="en-US" dirty="0" smtClean="0"/>
-              <a:t>objective function</a:t>
-            </a:r>
-            <a:endParaRPr lang="en-US" dirty="0"/>
-          </a:p>
-        </p:txBody>
-      </p:sp>
-      <p:sp>
-        <p:nvSpPr>
-          <p:cNvPr id="8" name="Slide Number Placeholder 3"/>
-          <p:cNvSpPr>
-            <a:spLocks noGrp="1"/>
-          </p:cNvSpPr>
-          <p:nvPr>
-            <p:ph type="sldNum" sz="quarter" idx="13"/>
-          </p:nvPr>
-        </p:nvSpPr>
-        <p:spPr/>
-        <p:txBody>
-          <a:bodyPr/>
-          <a:lstStyle/>
-          <a:p>
-            <a:pPr>
-              <a:defRPr/>
-            </a:pPr>
-            <a:fld id="{BD5AD749-DAD1-6A4A-A2AA-CB20EAD0AEB7}" type="slidenum">
-              <a:rPr lang="en-US"/>
-              <a:pPr>
-                <a:defRPr/>
-              </a:pPr>
-              <a:t>60</a:t>
-            </a:fld>
-            <a:endParaRPr lang="en-US"/>
-          </a:p>
-        </p:txBody>
-      </p:sp>
-      <p:sp>
-        <p:nvSpPr>
-          <p:cNvPr id="9" name="TextBox 8"/>
-          <p:cNvSpPr txBox="1"/>
-          <p:nvPr/>
-        </p:nvSpPr>
-        <p:spPr>
-          <a:xfrm>
-            <a:off x="576896" y="952500"/>
-            <a:ext cx="8382000" cy="4247317"/>
-          </a:xfrm>
-          <a:prstGeom prst="rect">
-            <a:avLst/>
-          </a:prstGeom>
-          <a:noFill/>
-        </p:spPr>
-        <p:txBody>
-          <a:bodyPr wrap="square" rtlCol="0">
-            <a:spAutoFit/>
-          </a:bodyPr>
-          <a:lstStyle/>
-          <a:p>
-            <a:pPr algn="l"/>
-            <a:r>
-              <a:rPr lang="en-US" sz="3000" dirty="0" smtClean="0">
-                <a:latin typeface="PFDinTextCompPro-Italic"/>
-                <a:cs typeface="PFDinTextCompPro-Italic"/>
-              </a:rPr>
-              <a:t>Q:  How do we </a:t>
-            </a:r>
-            <a:r>
-              <a:rPr lang="en-US" sz="3000" dirty="0" err="1" smtClean="0">
-                <a:latin typeface="PFDinTextCompPro-Italic"/>
-                <a:cs typeface="PFDinTextCompPro-Italic"/>
-              </a:rPr>
-              <a:t>recompute</a:t>
-            </a:r>
-            <a:r>
-              <a:rPr lang="en-US" sz="3000" dirty="0" smtClean="0">
-                <a:latin typeface="PFDinTextCompPro-Italic"/>
-                <a:cs typeface="PFDinTextCompPro-Italic"/>
-              </a:rPr>
-              <a:t> the positions of the centroids at each iteration of the algorithm?</a:t>
-            </a:r>
-          </a:p>
-          <a:p>
-            <a:pPr algn="l"/>
-            <a:endParaRPr lang="en-US" sz="3000" dirty="0">
-              <a:latin typeface="PFDinTextCompPro-Italic"/>
-              <a:cs typeface="PFDinTextCompPro-Italic"/>
-            </a:endParaRPr>
-          </a:p>
-          <a:p>
-            <a:pPr algn="l"/>
-            <a:r>
-              <a:rPr lang="en-US" sz="3000" dirty="0" smtClean="0">
-                <a:latin typeface="PFDinTextCompPro-Italic"/>
-                <a:cs typeface="PFDinTextCompPro-Italic"/>
-              </a:rPr>
-              <a:t>A:  By optimizing an </a:t>
-            </a:r>
-            <a:r>
-              <a:rPr lang="en-US" sz="3000" dirty="0" smtClean="0">
-                <a:latin typeface="PFDinTextCompPro-Medium"/>
-                <a:cs typeface="PFDinTextCompPro-Medium"/>
-              </a:rPr>
-              <a:t>objective function</a:t>
-            </a:r>
-            <a:r>
-              <a:rPr lang="en-US" sz="3000" dirty="0">
-                <a:latin typeface="PFDinTextCompPro-Italic"/>
-                <a:cs typeface="PFDinTextCompPro-Italic"/>
-              </a:rPr>
-              <a:t> </a:t>
-            </a:r>
-            <a:r>
-              <a:rPr lang="en-US" sz="3000" dirty="0" smtClean="0">
-                <a:latin typeface="PFDinTextCompPro-Italic"/>
-                <a:cs typeface="PFDinTextCompPro-Italic"/>
-              </a:rPr>
-              <a:t>that tells us how “good” the clustering is.</a:t>
-            </a:r>
-          </a:p>
-          <a:p>
-            <a:pPr algn="l"/>
-            <a:endParaRPr lang="en-US" sz="3000" dirty="0">
-              <a:latin typeface="PFDinTextCompPro-Italic"/>
-              <a:cs typeface="PFDinTextCompPro-Italic"/>
-            </a:endParaRPr>
-          </a:p>
-          <a:p>
-            <a:pPr algn="l"/>
-            <a:r>
-              <a:rPr lang="en-US" sz="3000" dirty="0" smtClean="0">
-                <a:latin typeface="PFDinTextCompPro-Italic"/>
-                <a:cs typeface="PFDinTextCompPro-Italic"/>
-              </a:rPr>
-              <a:t>The iterative part of the algorithm (</a:t>
-            </a:r>
-            <a:r>
-              <a:rPr lang="en-US" sz="3000" dirty="0" err="1" smtClean="0">
-                <a:latin typeface="PFDinTextCompPro-Italic"/>
-                <a:cs typeface="PFDinTextCompPro-Italic"/>
-              </a:rPr>
-              <a:t>recomputing</a:t>
-            </a:r>
-            <a:r>
-              <a:rPr lang="en-US" sz="3000" dirty="0" smtClean="0">
-                <a:latin typeface="PFDinTextCompPro-Italic"/>
-                <a:cs typeface="PFDinTextCompPro-Italic"/>
-              </a:rPr>
-              <a:t> centroids and reassigning points to clusters) explicitly tries to minimize this objective function.</a:t>
-            </a:r>
-          </a:p>
-        </p:txBody>
-      </p:sp>
-    </p:spTree>
-    <p:extLst>
-      <p:ext uri="{BB962C8B-B14F-4D97-AF65-F5344CB8AC3E}">
-        <p14:creationId xmlns:p14="http://schemas.microsoft.com/office/powerpoint/2010/main" val="2436705153"/>
-      </p:ext>
-    </p:extLst>
-  </p:cSld>
-  <p:clrMapOvr>
-    <a:masterClrMapping/>
-  </p:clrMapOvr>
-  <p:transition xmlns:p14="http://schemas.microsoft.com/office/powerpoint/2010/main"/>
-  <p:timing>
-    <p:tnLst>
-      <p:par>
-        <p:cTn xmlns:p14="http://schemas.microsoft.com/office/powerpoint/2010/main" id="1" dur="indefinite" restart="never" nodeType="tmRoot"/>
-      </p:par>
-    </p:tnLst>
-  </p:timing>
-</p:sld>
-</file>
-
-<file path=ppt/slides/slide61.xml><?xml version="1.0" encoding="utf-8"?>
-<p:sld xmlns:a="http://schemas.openxmlformats.org/drawingml/2006/main" xmlns:r="http://schemas.openxmlformats.org/officeDocument/2006/relationships" xmlns:p="http://schemas.openxmlformats.org/presentationml/2006/main">
-  <p:cSld>
-    <p:spTree>
-      <p:nvGrpSpPr>
-        <p:cNvPr id="1" name=""/>
-        <p:cNvGrpSpPr/>
-        <p:nvPr/>
-      </p:nvGrpSpPr>
-      <p:grpSpPr>
-        <a:xfrm>
-          <a:off x="0" y="0"/>
-          <a:ext cx="0" cy="0"/>
-          <a:chOff x="0" y="0"/>
-          <a:chExt cx="0" cy="0"/>
-        </a:xfrm>
-      </p:grpSpPr>
-      <p:sp>
-        <p:nvSpPr>
-          <p:cNvPr id="4" name="Content Placeholder 3"/>
-          <p:cNvSpPr>
-            <a:spLocks noGrp="1"/>
-          </p:cNvSpPr>
-          <p:nvPr>
-            <p:ph sz="quarter" idx="11"/>
-          </p:nvPr>
-        </p:nvSpPr>
-        <p:spPr>
-          <a:xfrm>
-            <a:off x="414337" y="495300"/>
-            <a:ext cx="6400800" cy="304800"/>
-          </a:xfrm>
-        </p:spPr>
-        <p:txBody>
-          <a:bodyPr/>
-          <a:lstStyle/>
-          <a:p>
-            <a:pPr eaLnBrk="1" hangingPunct="1">
-              <a:lnSpc>
-                <a:spcPts val="2448"/>
-              </a:lnSpc>
-              <a:defRPr/>
-            </a:pPr>
-            <a:r>
-              <a:rPr lang="en-US" dirty="0"/>
-              <a:t>Step </a:t>
-            </a:r>
-            <a:r>
-              <a:rPr lang="en-US" dirty="0" smtClean="0"/>
-              <a:t>3 </a:t>
-            </a:r>
-            <a:r>
-              <a:rPr lang="en-US" dirty="0"/>
-              <a:t>– </a:t>
-            </a:r>
-            <a:r>
-              <a:rPr lang="en-US" dirty="0" smtClean="0"/>
-              <a:t>objective function</a:t>
-            </a:r>
-            <a:endParaRPr lang="en-US" dirty="0"/>
-          </a:p>
-        </p:txBody>
-      </p:sp>
-      <p:sp>
-        <p:nvSpPr>
-          <p:cNvPr id="8" name="Slide Number Placeholder 3"/>
-          <p:cNvSpPr>
-            <a:spLocks noGrp="1"/>
-          </p:cNvSpPr>
-          <p:nvPr>
-            <p:ph type="sldNum" sz="quarter" idx="13"/>
-          </p:nvPr>
-        </p:nvSpPr>
-        <p:spPr/>
-        <p:txBody>
-          <a:bodyPr/>
-          <a:lstStyle/>
-          <a:p>
-            <a:pPr>
-              <a:defRPr/>
-            </a:pPr>
-            <a:fld id="{BD5AD749-DAD1-6A4A-A2AA-CB20EAD0AEB7}" type="slidenum">
-              <a:rPr lang="en-US"/>
-              <a:pPr>
-                <a:defRPr/>
-              </a:pPr>
-              <a:t>61</a:t>
             </a:fld>
             <a:endParaRPr lang="en-US"/>
           </a:p>
@@ -29368,7 +28142,7 @@
 </p:sld>
 </file>
 
-<file path=ppt/slides/slide62.xml><?xml version="1.0" encoding="utf-8"?>
+<file path=ppt/slides/slide59.xml><?xml version="1.0" encoding="utf-8"?>
 <p:sld xmlns:a="http://schemas.openxmlformats.org/drawingml/2006/main" xmlns:r="http://schemas.openxmlformats.org/officeDocument/2006/relationships" xmlns:p="http://schemas.openxmlformats.org/presentationml/2006/main">
   <p:cSld>
     <p:spTree>
@@ -29454,7 +28228,7 @@
               <a:pPr>
                 <a:defRPr/>
               </a:pPr>
-              <a:t>62</a:t>
+              <a:t>59</a:t>
             </a:fld>
             <a:endParaRPr lang="en-US"/>
           </a:p>
@@ -29632,6 +28406,741 @@
 </p:sld>
 </file>
 
+<file path=ppt/slides/slide6.xml><?xml version="1.0" encoding="utf-8"?>
+<p:sld xmlns:a="http://schemas.openxmlformats.org/drawingml/2006/main" xmlns:r="http://schemas.openxmlformats.org/officeDocument/2006/relationships" xmlns:p="http://schemas.openxmlformats.org/presentationml/2006/main">
+  <p:cSld>
+    <p:spTree>
+      <p:nvGrpSpPr>
+        <p:cNvPr id="1" name=""/>
+        <p:cNvGrpSpPr/>
+        <p:nvPr/>
+      </p:nvGrpSpPr>
+      <p:grpSpPr>
+        <a:xfrm>
+          <a:off x="0" y="0"/>
+          <a:ext cx="0" cy="0"/>
+          <a:chOff x="0" y="0"/>
+          <a:chExt cx="0" cy="0"/>
+        </a:xfrm>
+      </p:grpSpPr>
+      <p:sp>
+        <p:nvSpPr>
+          <p:cNvPr id="4" name="Content Placeholder 3"/>
+          <p:cNvSpPr>
+            <a:spLocks noGrp="1"/>
+          </p:cNvSpPr>
+          <p:nvPr>
+            <p:ph sz="quarter" idx="11"/>
+          </p:nvPr>
+        </p:nvSpPr>
+        <p:spPr>
+          <a:xfrm>
+            <a:off x="414337" y="495300"/>
+            <a:ext cx="6400800" cy="304800"/>
+          </a:xfrm>
+        </p:spPr>
+        <p:txBody>
+          <a:bodyPr/>
+          <a:lstStyle/>
+          <a:p>
+            <a:pPr eaLnBrk="1" hangingPunct="1">
+              <a:lnSpc>
+                <a:spcPts val="2448"/>
+              </a:lnSpc>
+              <a:defRPr/>
+            </a:pPr>
+            <a:r>
+              <a:rPr lang="en-US" dirty="0" smtClean="0"/>
+              <a:t>Cluster analysis</a:t>
+            </a:r>
+            <a:endParaRPr lang="en-US" dirty="0"/>
+          </a:p>
+        </p:txBody>
+      </p:sp>
+      <p:sp>
+        <p:nvSpPr>
+          <p:cNvPr id="8" name="Slide Number Placeholder 3"/>
+          <p:cNvSpPr>
+            <a:spLocks noGrp="1"/>
+          </p:cNvSpPr>
+          <p:nvPr>
+            <p:ph type="sldNum" sz="quarter" idx="13"/>
+          </p:nvPr>
+        </p:nvSpPr>
+        <p:spPr/>
+        <p:txBody>
+          <a:bodyPr/>
+          <a:lstStyle/>
+          <a:p>
+            <a:pPr>
+              <a:defRPr/>
+            </a:pPr>
+            <a:fld id="{BD5AD749-DAD1-6A4A-A2AA-CB20EAD0AEB7}" type="slidenum">
+              <a:rPr lang="en-US"/>
+              <a:pPr>
+                <a:defRPr/>
+              </a:pPr>
+              <a:t>6</a:t>
+            </a:fld>
+            <a:endParaRPr lang="en-US"/>
+          </a:p>
+        </p:txBody>
+      </p:sp>
+      <p:sp>
+        <p:nvSpPr>
+          <p:cNvPr id="9" name="TextBox 8"/>
+          <p:cNvSpPr txBox="1"/>
+          <p:nvPr/>
+        </p:nvSpPr>
+        <p:spPr>
+          <a:xfrm>
+            <a:off x="566737" y="1104900"/>
+            <a:ext cx="8382000" cy="553998"/>
+          </a:xfrm>
+          <a:prstGeom prst="rect">
+            <a:avLst/>
+          </a:prstGeom>
+          <a:noFill/>
+        </p:spPr>
+        <p:txBody>
+          <a:bodyPr wrap="square" rtlCol="0">
+            <a:spAutoFit/>
+          </a:bodyPr>
+          <a:lstStyle/>
+          <a:p>
+            <a:pPr algn="l"/>
+            <a:r>
+              <a:rPr lang="en-US" sz="3000" dirty="0" smtClean="0">
+                <a:latin typeface="PFDinTextCompPro-Italic"/>
+                <a:cs typeface="PFDinTextCompPro-Italic"/>
+              </a:rPr>
+              <a:t>Q:  What is a cluster?</a:t>
+            </a:r>
+          </a:p>
+        </p:txBody>
+      </p:sp>
+    </p:spTree>
+    <p:extLst>
+      <p:ext uri="{BB962C8B-B14F-4D97-AF65-F5344CB8AC3E}">
+        <p14:creationId xmlns:p14="http://schemas.microsoft.com/office/powerpoint/2010/main" val="3278142496"/>
+      </p:ext>
+    </p:extLst>
+  </p:cSld>
+  <p:clrMapOvr>
+    <a:masterClrMapping/>
+  </p:clrMapOvr>
+  <p:transition xmlns:p14="http://schemas.microsoft.com/office/powerpoint/2010/main"/>
+  <p:timing>
+    <p:tnLst>
+      <p:par>
+        <p:cTn xmlns:p14="http://schemas.microsoft.com/office/powerpoint/2010/main" id="1" dur="indefinite" restart="never" nodeType="tmRoot"/>
+      </p:par>
+    </p:tnLst>
+  </p:timing>
+</p:sld>
+</file>
+
+<file path=ppt/slides/slide60.xml><?xml version="1.0" encoding="utf-8"?>
+<p:sld xmlns:a="http://schemas.openxmlformats.org/drawingml/2006/main" xmlns:r="http://schemas.openxmlformats.org/officeDocument/2006/relationships" xmlns:p="http://schemas.openxmlformats.org/presentationml/2006/main">
+  <p:cSld>
+    <p:spTree>
+      <p:nvGrpSpPr>
+        <p:cNvPr id="1" name=""/>
+        <p:cNvGrpSpPr/>
+        <p:nvPr/>
+      </p:nvGrpSpPr>
+      <p:grpSpPr>
+        <a:xfrm>
+          <a:off x="0" y="0"/>
+          <a:ext cx="0" cy="0"/>
+          <a:chOff x="0" y="0"/>
+          <a:chExt cx="0" cy="0"/>
+        </a:xfrm>
+      </p:grpSpPr>
+      <p:sp>
+        <p:nvSpPr>
+          <p:cNvPr id="4" name="Content Placeholder 3"/>
+          <p:cNvSpPr>
+            <a:spLocks noGrp="1"/>
+          </p:cNvSpPr>
+          <p:nvPr>
+            <p:ph sz="quarter" idx="11"/>
+          </p:nvPr>
+        </p:nvSpPr>
+        <p:spPr>
+          <a:xfrm>
+            <a:off x="414337" y="495300"/>
+            <a:ext cx="6400800" cy="304800"/>
+          </a:xfrm>
+        </p:spPr>
+        <p:txBody>
+          <a:bodyPr/>
+          <a:lstStyle/>
+          <a:p>
+            <a:pPr eaLnBrk="1" hangingPunct="1">
+              <a:lnSpc>
+                <a:spcPts val="2448"/>
+              </a:lnSpc>
+              <a:defRPr/>
+            </a:pPr>
+            <a:r>
+              <a:rPr lang="en-US" dirty="0"/>
+              <a:t>Step </a:t>
+            </a:r>
+            <a:r>
+              <a:rPr lang="en-US" dirty="0" smtClean="0"/>
+              <a:t>4 </a:t>
+            </a:r>
+            <a:r>
+              <a:rPr lang="en-US" dirty="0"/>
+              <a:t>– </a:t>
+            </a:r>
+            <a:r>
+              <a:rPr lang="en-US" dirty="0" smtClean="0"/>
+              <a:t>convergence</a:t>
+            </a:r>
+            <a:endParaRPr lang="en-US" dirty="0"/>
+          </a:p>
+        </p:txBody>
+      </p:sp>
+      <p:sp>
+        <p:nvSpPr>
+          <p:cNvPr id="8" name="Slide Number Placeholder 3"/>
+          <p:cNvSpPr>
+            <a:spLocks noGrp="1"/>
+          </p:cNvSpPr>
+          <p:nvPr>
+            <p:ph type="sldNum" sz="quarter" idx="13"/>
+          </p:nvPr>
+        </p:nvSpPr>
+        <p:spPr/>
+        <p:txBody>
+          <a:bodyPr/>
+          <a:lstStyle/>
+          <a:p>
+            <a:pPr>
+              <a:defRPr/>
+            </a:pPr>
+            <a:fld id="{BD5AD749-DAD1-6A4A-A2AA-CB20EAD0AEB7}" type="slidenum">
+              <a:rPr lang="en-US"/>
+              <a:pPr>
+                <a:defRPr/>
+              </a:pPr>
+              <a:t>60</a:t>
+            </a:fld>
+            <a:endParaRPr lang="en-US"/>
+          </a:p>
+        </p:txBody>
+      </p:sp>
+      <p:sp>
+        <p:nvSpPr>
+          <p:cNvPr id="9" name="TextBox 8"/>
+          <p:cNvSpPr txBox="1"/>
+          <p:nvPr/>
+        </p:nvSpPr>
+        <p:spPr>
+          <a:xfrm>
+            <a:off x="576896" y="952500"/>
+            <a:ext cx="8382000" cy="1015663"/>
+          </a:xfrm>
+          <a:prstGeom prst="rect">
+            <a:avLst/>
+          </a:prstGeom>
+          <a:noFill/>
+        </p:spPr>
+        <p:txBody>
+          <a:bodyPr wrap="square" rtlCol="0">
+            <a:spAutoFit/>
+          </a:bodyPr>
+          <a:lstStyle/>
+          <a:p>
+            <a:pPr algn="l"/>
+            <a:r>
+              <a:rPr lang="en-US" sz="3000" dirty="0" smtClean="0">
+                <a:latin typeface="PFDinTextCompPro-Italic"/>
+                <a:cs typeface="PFDinTextCompPro-Italic"/>
+              </a:rPr>
+              <a:t>We iterate until some stopping criteria are met; in general, suitable convergence is achieved in a small number of steps.</a:t>
+            </a:r>
+          </a:p>
+        </p:txBody>
+      </p:sp>
+    </p:spTree>
+    <p:extLst>
+      <p:ext uri="{BB962C8B-B14F-4D97-AF65-F5344CB8AC3E}">
+        <p14:creationId xmlns:p14="http://schemas.microsoft.com/office/powerpoint/2010/main" val="1196709643"/>
+      </p:ext>
+    </p:extLst>
+  </p:cSld>
+  <p:clrMapOvr>
+    <a:masterClrMapping/>
+  </p:clrMapOvr>
+  <p:transition xmlns:p14="http://schemas.microsoft.com/office/powerpoint/2010/main"/>
+  <p:timing>
+    <p:tnLst>
+      <p:par>
+        <p:cTn xmlns:p14="http://schemas.microsoft.com/office/powerpoint/2010/main" id="1" dur="indefinite" restart="never" nodeType="tmRoot"/>
+      </p:par>
+    </p:tnLst>
+  </p:timing>
+</p:sld>
+</file>
+
+<file path=ppt/slides/slide61.xml><?xml version="1.0" encoding="utf-8"?>
+<p:sld xmlns:a="http://schemas.openxmlformats.org/drawingml/2006/main" xmlns:r="http://schemas.openxmlformats.org/officeDocument/2006/relationships" xmlns:p="http://schemas.openxmlformats.org/presentationml/2006/main">
+  <p:cSld>
+    <p:spTree>
+      <p:nvGrpSpPr>
+        <p:cNvPr id="1" name=""/>
+        <p:cNvGrpSpPr/>
+        <p:nvPr/>
+      </p:nvGrpSpPr>
+      <p:grpSpPr>
+        <a:xfrm>
+          <a:off x="0" y="0"/>
+          <a:ext cx="0" cy="0"/>
+          <a:chOff x="0" y="0"/>
+          <a:chExt cx="0" cy="0"/>
+        </a:xfrm>
+      </p:grpSpPr>
+      <p:sp>
+        <p:nvSpPr>
+          <p:cNvPr id="4" name="Content Placeholder 3"/>
+          <p:cNvSpPr>
+            <a:spLocks noGrp="1"/>
+          </p:cNvSpPr>
+          <p:nvPr>
+            <p:ph sz="quarter" idx="11"/>
+          </p:nvPr>
+        </p:nvSpPr>
+        <p:spPr>
+          <a:xfrm>
+            <a:off x="414337" y="495300"/>
+            <a:ext cx="6400800" cy="304800"/>
+          </a:xfrm>
+        </p:spPr>
+        <p:txBody>
+          <a:bodyPr/>
+          <a:lstStyle/>
+          <a:p>
+            <a:pPr eaLnBrk="1" hangingPunct="1">
+              <a:lnSpc>
+                <a:spcPts val="2448"/>
+              </a:lnSpc>
+              <a:defRPr/>
+            </a:pPr>
+            <a:r>
+              <a:rPr lang="en-US" dirty="0"/>
+              <a:t>Step </a:t>
+            </a:r>
+            <a:r>
+              <a:rPr lang="en-US" dirty="0" smtClean="0"/>
+              <a:t>4 </a:t>
+            </a:r>
+            <a:r>
+              <a:rPr lang="en-US" dirty="0"/>
+              <a:t>– </a:t>
+            </a:r>
+            <a:r>
+              <a:rPr lang="en-US" dirty="0" smtClean="0"/>
+              <a:t>convergence</a:t>
+            </a:r>
+            <a:endParaRPr lang="en-US" dirty="0"/>
+          </a:p>
+        </p:txBody>
+      </p:sp>
+      <p:sp>
+        <p:nvSpPr>
+          <p:cNvPr id="8" name="Slide Number Placeholder 3"/>
+          <p:cNvSpPr>
+            <a:spLocks noGrp="1"/>
+          </p:cNvSpPr>
+          <p:nvPr>
+            <p:ph type="sldNum" sz="quarter" idx="13"/>
+          </p:nvPr>
+        </p:nvSpPr>
+        <p:spPr/>
+        <p:txBody>
+          <a:bodyPr/>
+          <a:lstStyle/>
+          <a:p>
+            <a:pPr>
+              <a:defRPr/>
+            </a:pPr>
+            <a:fld id="{BD5AD749-DAD1-6A4A-A2AA-CB20EAD0AEB7}" type="slidenum">
+              <a:rPr lang="en-US"/>
+              <a:pPr>
+                <a:defRPr/>
+              </a:pPr>
+              <a:t>61</a:t>
+            </a:fld>
+            <a:endParaRPr lang="en-US"/>
+          </a:p>
+        </p:txBody>
+      </p:sp>
+      <p:sp>
+        <p:nvSpPr>
+          <p:cNvPr id="9" name="TextBox 8"/>
+          <p:cNvSpPr txBox="1"/>
+          <p:nvPr/>
+        </p:nvSpPr>
+        <p:spPr>
+          <a:xfrm>
+            <a:off x="576896" y="952500"/>
+            <a:ext cx="8382000" cy="2862322"/>
+          </a:xfrm>
+          <a:prstGeom prst="rect">
+            <a:avLst/>
+          </a:prstGeom>
+          <a:noFill/>
+        </p:spPr>
+        <p:txBody>
+          <a:bodyPr wrap="square" rtlCol="0">
+            <a:spAutoFit/>
+          </a:bodyPr>
+          <a:lstStyle/>
+          <a:p>
+            <a:pPr algn="l"/>
+            <a:r>
+              <a:rPr lang="en-US" sz="3000" dirty="0" smtClean="0">
+                <a:latin typeface="PFDinTextCompPro-Italic"/>
+                <a:cs typeface="PFDinTextCompPro-Italic"/>
+              </a:rPr>
+              <a:t>We iterate until some stopping criteria are met; in general, suitable convergence is achieved in a small number of steps.</a:t>
+            </a:r>
+          </a:p>
+          <a:p>
+            <a:pPr algn="l"/>
+            <a:endParaRPr lang="en-US" sz="3000" dirty="0">
+              <a:latin typeface="PFDinTextCompPro-Italic"/>
+              <a:cs typeface="PFDinTextCompPro-Italic"/>
+            </a:endParaRPr>
+          </a:p>
+          <a:p>
+            <a:pPr algn="l"/>
+            <a:r>
+              <a:rPr lang="en-US" sz="3000" dirty="0" smtClean="0">
+                <a:latin typeface="PFDinTextCompPro-Italic"/>
+                <a:cs typeface="PFDinTextCompPro-Italic"/>
+              </a:rPr>
+              <a:t>Stopping criteria can be based on the centroids (</a:t>
+            </a:r>
+            <a:r>
+              <a:rPr lang="en-US" sz="3000" dirty="0" err="1" smtClean="0">
+                <a:latin typeface="PFDinTextCompPro-Italic"/>
+                <a:cs typeface="PFDinTextCompPro-Italic"/>
+              </a:rPr>
+              <a:t>eg</a:t>
+            </a:r>
+            <a:r>
+              <a:rPr lang="en-US" sz="3000" dirty="0" smtClean="0">
+                <a:latin typeface="PFDinTextCompPro-Italic"/>
+                <a:cs typeface="PFDinTextCompPro-Italic"/>
+              </a:rPr>
+              <a:t>, if positions change by no more than </a:t>
+            </a:r>
+            <a:r>
+              <a:rPr lang="en-US" sz="3000" i="1" dirty="0" smtClean="0">
+                <a:latin typeface="Symbol" charset="2"/>
+                <a:cs typeface="Symbol" charset="2"/>
+              </a:rPr>
+              <a:t>e</a:t>
+            </a:r>
+            <a:r>
+              <a:rPr lang="en-US" sz="3000" dirty="0" smtClean="0">
+                <a:latin typeface="PFDinTextCompPro-Italic"/>
+                <a:cs typeface="PFDinTextCompPro-Italic"/>
+              </a:rPr>
+              <a:t>) or on the points (</a:t>
+            </a:r>
+            <a:r>
+              <a:rPr lang="en-US" sz="3000" dirty="0" err="1" smtClean="0">
+                <a:latin typeface="PFDinTextCompPro-Italic"/>
+                <a:cs typeface="PFDinTextCompPro-Italic"/>
+              </a:rPr>
+              <a:t>eg</a:t>
+            </a:r>
+            <a:r>
+              <a:rPr lang="en-US" sz="3000" dirty="0" smtClean="0">
+                <a:latin typeface="PFDinTextCompPro-Italic"/>
+                <a:cs typeface="PFDinTextCompPro-Italic"/>
+              </a:rPr>
+              <a:t>, if no more than </a:t>
+            </a:r>
+            <a:r>
+              <a:rPr lang="en-US" sz="2500" i="1" dirty="0" smtClean="0">
+                <a:latin typeface="+mn-lt"/>
+                <a:cs typeface="PFDinTextCompPro-Italic"/>
+              </a:rPr>
+              <a:t>x%</a:t>
+            </a:r>
+            <a:r>
+              <a:rPr lang="en-US" sz="3000" dirty="0" smtClean="0">
+                <a:latin typeface="PFDinTextCompPro-Italic"/>
+                <a:cs typeface="PFDinTextCompPro-Italic"/>
+              </a:rPr>
+              <a:t> change clusters between iterations).</a:t>
+            </a:r>
+          </a:p>
+        </p:txBody>
+      </p:sp>
+    </p:spTree>
+    <p:extLst>
+      <p:ext uri="{BB962C8B-B14F-4D97-AF65-F5344CB8AC3E}">
+        <p14:creationId xmlns:p14="http://schemas.microsoft.com/office/powerpoint/2010/main" val="4016500532"/>
+      </p:ext>
+    </p:extLst>
+  </p:cSld>
+  <p:clrMapOvr>
+    <a:masterClrMapping/>
+  </p:clrMapOvr>
+  <p:transition xmlns:p14="http://schemas.microsoft.com/office/powerpoint/2010/main"/>
+  <p:timing>
+    <p:tnLst>
+      <p:par>
+        <p:cTn xmlns:p14="http://schemas.microsoft.com/office/powerpoint/2010/main" id="1" dur="indefinite" restart="never" nodeType="tmRoot"/>
+      </p:par>
+    </p:tnLst>
+  </p:timing>
+</p:sld>
+</file>
+
+<file path=ppt/slides/slide62.xml><?xml version="1.0" encoding="utf-8"?>
+<p:sld xmlns:a="http://schemas.openxmlformats.org/drawingml/2006/main" xmlns:r="http://schemas.openxmlformats.org/officeDocument/2006/relationships" xmlns:p="http://schemas.openxmlformats.org/presentationml/2006/main">
+  <p:cSld>
+    <p:spTree>
+      <p:nvGrpSpPr>
+        <p:cNvPr id="1" name=""/>
+        <p:cNvGrpSpPr/>
+        <p:nvPr/>
+      </p:nvGrpSpPr>
+      <p:grpSpPr>
+        <a:xfrm>
+          <a:off x="0" y="0"/>
+          <a:ext cx="0" cy="0"/>
+          <a:chOff x="0" y="0"/>
+          <a:chExt cx="0" cy="0"/>
+        </a:xfrm>
+      </p:grpSpPr>
+      <p:sp>
+        <p:nvSpPr>
+          <p:cNvPr id="4" name="Content Placeholder 3"/>
+          <p:cNvSpPr>
+            <a:spLocks noGrp="1"/>
+          </p:cNvSpPr>
+          <p:nvPr>
+            <p:ph sz="quarter" idx="11"/>
+          </p:nvPr>
+        </p:nvSpPr>
+        <p:spPr>
+          <a:xfrm>
+            <a:off x="414337" y="495300"/>
+            <a:ext cx="6400800" cy="304800"/>
+          </a:xfrm>
+        </p:spPr>
+        <p:txBody>
+          <a:bodyPr/>
+          <a:lstStyle/>
+          <a:p>
+            <a:pPr eaLnBrk="1" hangingPunct="1">
+              <a:lnSpc>
+                <a:spcPts val="2448"/>
+              </a:lnSpc>
+              <a:defRPr/>
+            </a:pPr>
+            <a:r>
+              <a:rPr lang="en-US" dirty="0"/>
+              <a:t>Step </a:t>
+            </a:r>
+            <a:r>
+              <a:rPr lang="en-US" dirty="0" smtClean="0"/>
+              <a:t>4 </a:t>
+            </a:r>
+            <a:r>
+              <a:rPr lang="en-US" dirty="0"/>
+              <a:t>– </a:t>
+            </a:r>
+            <a:r>
+              <a:rPr lang="en-US" dirty="0" smtClean="0"/>
+              <a:t>convergence</a:t>
+            </a:r>
+            <a:endParaRPr lang="en-US" dirty="0"/>
+          </a:p>
+        </p:txBody>
+      </p:sp>
+      <p:sp>
+        <p:nvSpPr>
+          <p:cNvPr id="8" name="Slide Number Placeholder 3"/>
+          <p:cNvSpPr>
+            <a:spLocks noGrp="1"/>
+          </p:cNvSpPr>
+          <p:nvPr>
+            <p:ph type="sldNum" sz="quarter" idx="13"/>
+          </p:nvPr>
+        </p:nvSpPr>
+        <p:spPr/>
+        <p:txBody>
+          <a:bodyPr/>
+          <a:lstStyle/>
+          <a:p>
+            <a:pPr>
+              <a:defRPr/>
+            </a:pPr>
+            <a:fld id="{BD5AD749-DAD1-6A4A-A2AA-CB20EAD0AEB7}" type="slidenum">
+              <a:rPr lang="en-US"/>
+              <a:pPr>
+                <a:defRPr/>
+              </a:pPr>
+              <a:t>62</a:t>
+            </a:fld>
+            <a:endParaRPr lang="en-US"/>
+          </a:p>
+        </p:txBody>
+      </p:sp>
+      <p:sp>
+        <p:nvSpPr>
+          <p:cNvPr id="9" name="TextBox 8"/>
+          <p:cNvSpPr txBox="1"/>
+          <p:nvPr/>
+        </p:nvSpPr>
+        <p:spPr>
+          <a:xfrm>
+            <a:off x="576896" y="952500"/>
+            <a:ext cx="8382000" cy="4247317"/>
+          </a:xfrm>
+          <a:prstGeom prst="rect">
+            <a:avLst/>
+          </a:prstGeom>
+          <a:noFill/>
+        </p:spPr>
+        <p:txBody>
+          <a:bodyPr wrap="square" rtlCol="0">
+            <a:spAutoFit/>
+          </a:bodyPr>
+          <a:lstStyle/>
+          <a:p>
+            <a:pPr algn="l"/>
+            <a:r>
+              <a:rPr lang="en-US" sz="3000" dirty="0" smtClean="0">
+                <a:latin typeface="PFDinTextCompPro-Italic"/>
+                <a:cs typeface="PFDinTextCompPro-Italic"/>
+              </a:rPr>
+              <a:t>We iterate until some stopping criteria are met; in general, suitable convergence is achieved in a small number of steps.</a:t>
+            </a:r>
+          </a:p>
+          <a:p>
+            <a:pPr algn="l"/>
+            <a:endParaRPr lang="en-US" sz="3000" dirty="0">
+              <a:latin typeface="PFDinTextCompPro-Italic"/>
+              <a:cs typeface="PFDinTextCompPro-Italic"/>
+            </a:endParaRPr>
+          </a:p>
+          <a:p>
+            <a:pPr algn="l"/>
+            <a:r>
+              <a:rPr lang="en-US" sz="3000" dirty="0" smtClean="0">
+                <a:latin typeface="PFDinTextCompPro-Italic"/>
+                <a:cs typeface="PFDinTextCompPro-Italic"/>
+              </a:rPr>
+              <a:t>Stopping criteria can be based on the centroids (</a:t>
+            </a:r>
+            <a:r>
+              <a:rPr lang="en-US" sz="3000" dirty="0" err="1" smtClean="0">
+                <a:latin typeface="PFDinTextCompPro-Italic"/>
+                <a:cs typeface="PFDinTextCompPro-Italic"/>
+              </a:rPr>
+              <a:t>eg</a:t>
+            </a:r>
+            <a:r>
+              <a:rPr lang="en-US" sz="3000" dirty="0" smtClean="0">
+                <a:latin typeface="PFDinTextCompPro-Italic"/>
+                <a:cs typeface="PFDinTextCompPro-Italic"/>
+              </a:rPr>
+              <a:t>, if positions change by no more than </a:t>
+            </a:r>
+            <a:r>
+              <a:rPr lang="en-US" sz="3000" i="1" dirty="0" smtClean="0">
+                <a:latin typeface="Symbol" charset="2"/>
+                <a:cs typeface="Symbol" charset="2"/>
+              </a:rPr>
+              <a:t>e</a:t>
+            </a:r>
+            <a:r>
+              <a:rPr lang="en-US" sz="3000" dirty="0" smtClean="0">
+                <a:latin typeface="PFDinTextCompPro-Italic"/>
+                <a:cs typeface="PFDinTextCompPro-Italic"/>
+              </a:rPr>
+              <a:t>) or on the points (</a:t>
+            </a:r>
+            <a:r>
+              <a:rPr lang="en-US" sz="3000" dirty="0" err="1" smtClean="0">
+                <a:latin typeface="PFDinTextCompPro-Italic"/>
+                <a:cs typeface="PFDinTextCompPro-Italic"/>
+              </a:rPr>
+              <a:t>eg</a:t>
+            </a:r>
+            <a:r>
+              <a:rPr lang="en-US" sz="3000" dirty="0" smtClean="0">
+                <a:latin typeface="PFDinTextCompPro-Italic"/>
+                <a:cs typeface="PFDinTextCompPro-Italic"/>
+              </a:rPr>
+              <a:t>, if no more than </a:t>
+            </a:r>
+            <a:r>
+              <a:rPr lang="en-US" sz="2500" i="1" dirty="0" smtClean="0">
+                <a:latin typeface="+mn-lt"/>
+                <a:cs typeface="PFDinTextCompPro-Italic"/>
+              </a:rPr>
+              <a:t>x%</a:t>
+            </a:r>
+            <a:r>
+              <a:rPr lang="en-US" sz="3000" dirty="0" smtClean="0">
+                <a:latin typeface="PFDinTextCompPro-Italic"/>
+                <a:cs typeface="PFDinTextCompPro-Italic"/>
+              </a:rPr>
+              <a:t> change clusters between iterations).</a:t>
+            </a:r>
+          </a:p>
+          <a:p>
+            <a:pPr algn="l"/>
+            <a:endParaRPr lang="en-US" sz="3000" dirty="0">
+              <a:latin typeface="PFDinTextCompPro-Italic"/>
+              <a:cs typeface="PFDinTextCompPro-Italic"/>
+            </a:endParaRPr>
+          </a:p>
+          <a:p>
+            <a:pPr algn="l"/>
+            <a:r>
+              <a:rPr lang="en-US" sz="3000" dirty="0" smtClean="0">
+                <a:latin typeface="PFDinTextCompPro-Italic"/>
+                <a:cs typeface="PFDinTextCompPro-Italic"/>
+              </a:rPr>
+              <a:t>Recall that, in general, different runs of the algorithm will converge to different local optima (centroid configurations).</a:t>
+            </a:r>
+          </a:p>
+        </p:txBody>
+      </p:sp>
+    </p:spTree>
+    <p:extLst>
+      <p:ext uri="{BB962C8B-B14F-4D97-AF65-F5344CB8AC3E}">
+        <p14:creationId xmlns:p14="http://schemas.microsoft.com/office/powerpoint/2010/main" val="4016500532"/>
+      </p:ext>
+    </p:extLst>
+  </p:cSld>
+  <p:clrMapOvr>
+    <a:masterClrMapping/>
+  </p:clrMapOvr>
+  <p:transition xmlns:p14="http://schemas.microsoft.com/office/powerpoint/2010/main"/>
+  <p:timing>
+    <p:tnLst>
+      <p:par>
+        <p:cTn xmlns:p14="http://schemas.microsoft.com/office/powerpoint/2010/main" id="1" dur="indefinite" restart="never" nodeType="tmRoot"/>
+      </p:par>
+    </p:tnLst>
+  </p:timing>
+</p:sld>
+</file>
+
 <file path=ppt/slides/slide63.xml><?xml version="1.0" encoding="utf-8"?>
 <p:sld xmlns:a="http://schemas.openxmlformats.org/drawingml/2006/main" xmlns:r="http://schemas.openxmlformats.org/officeDocument/2006/relationships" xmlns:p="http://schemas.openxmlformats.org/presentationml/2006/main">
   <p:cSld>
@@ -29651,116 +29160,87 @@
       </p:grpSpPr>
       <p:sp>
         <p:nvSpPr>
-          <p:cNvPr id="4" name="Content Placeholder 3"/>
-          <p:cNvSpPr>
-            <a:spLocks noGrp="1"/>
-          </p:cNvSpPr>
-          <p:nvPr>
-            <p:ph sz="quarter" idx="11"/>
+          <p:cNvPr id="2" name="Title 1"/>
+          <p:cNvSpPr>
+            <a:spLocks noGrp="1"/>
+          </p:cNvSpPr>
+          <p:nvPr>
+            <p:ph type="title"/>
           </p:nvPr>
         </p:nvSpPr>
         <p:spPr>
           <a:xfrm>
-            <a:off x="414337" y="495300"/>
+            <a:off x="347663" y="3238500"/>
+            <a:ext cx="8426450" cy="1828800"/>
+          </a:xfrm>
+        </p:spPr>
+        <p:txBody>
+          <a:bodyPr/>
+          <a:lstStyle/>
+          <a:p>
+            <a:pPr>
+              <a:defRPr/>
+            </a:pPr>
+            <a:r>
+              <a:rPr lang="en-US" sz="7500" dirty="0" smtClean="0"/>
+              <a:t/>
+            </a:r>
+            <a:br>
+              <a:rPr lang="en-US" sz="7500" dirty="0" smtClean="0"/>
+            </a:br>
+            <a:r>
+              <a:rPr lang="en-US" sz="7500" dirty="0" smtClean="0"/>
+              <a:t>III. Cluster validation</a:t>
+            </a:r>
+            <a:endParaRPr lang="en-US" sz="7500" dirty="0"/>
+          </a:p>
+        </p:txBody>
+      </p:sp>
+      <p:sp>
+        <p:nvSpPr>
+          <p:cNvPr id="4" name="Content Placeholder 3"/>
+          <p:cNvSpPr>
+            <a:spLocks noGrp="1"/>
+          </p:cNvSpPr>
+          <p:nvPr>
+            <p:ph sz="quarter" idx="11"/>
+          </p:nvPr>
+        </p:nvSpPr>
+        <p:spPr>
+          <a:xfrm>
+            <a:off x="371475" y="495300"/>
             <a:ext cx="6400800" cy="304800"/>
           </a:xfrm>
         </p:spPr>
         <p:txBody>
-          <a:bodyPr/>
-          <a:lstStyle/>
-          <a:p>
-            <a:pPr eaLnBrk="1" hangingPunct="1">
-              <a:lnSpc>
-                <a:spcPts val="2448"/>
-              </a:lnSpc>
-              <a:defRPr/>
-            </a:pPr>
-            <a:r>
-              <a:rPr lang="en-US" dirty="0"/>
-              <a:t>Step </a:t>
-            </a:r>
-            <a:r>
-              <a:rPr lang="en-US" dirty="0" smtClean="0"/>
-              <a:t>4 </a:t>
-            </a:r>
-            <a:r>
-              <a:rPr lang="en-US" dirty="0"/>
-              <a:t>– </a:t>
-            </a:r>
-            <a:r>
-              <a:rPr lang="en-US" dirty="0" smtClean="0"/>
-              <a:t>convergence</a:t>
-            </a:r>
-            <a:endParaRPr lang="en-US" dirty="0"/>
-          </a:p>
-        </p:txBody>
-      </p:sp>
-      <p:sp>
-        <p:nvSpPr>
-          <p:cNvPr id="8" name="Slide Number Placeholder 3"/>
-          <p:cNvSpPr>
-            <a:spLocks noGrp="1"/>
-          </p:cNvSpPr>
-          <p:nvPr>
-            <p:ph type="sldNum" sz="quarter" idx="13"/>
-          </p:nvPr>
-        </p:nvSpPr>
-        <p:spPr/>
-        <p:txBody>
-          <a:bodyPr/>
-          <a:lstStyle/>
-          <a:p>
-            <a:pPr>
-              <a:defRPr/>
-            </a:pPr>
-            <a:fld id="{BD5AD749-DAD1-6A4A-A2AA-CB20EAD0AEB7}" type="slidenum">
-              <a:rPr lang="en-US"/>
-              <a:pPr>
-                <a:defRPr/>
-              </a:pPr>
-              <a:t>63</a:t>
-            </a:fld>
-            <a:endParaRPr lang="en-US"/>
-          </a:p>
-        </p:txBody>
-      </p:sp>
-      <p:sp>
-        <p:nvSpPr>
-          <p:cNvPr id="9" name="TextBox 8"/>
-          <p:cNvSpPr txBox="1"/>
-          <p:nvPr/>
-        </p:nvSpPr>
-        <p:spPr>
-          <a:xfrm>
-            <a:off x="576896" y="952500"/>
-            <a:ext cx="8382000" cy="1015663"/>
-          </a:xfrm>
-          <a:prstGeom prst="rect">
-            <a:avLst/>
-          </a:prstGeom>
-          <a:noFill/>
-        </p:spPr>
-        <p:txBody>
-          <a:bodyPr wrap="square" rtlCol="0">
-            <a:spAutoFit/>
+          <a:bodyPr wrap="square" lIns="91440" tIns="45720" rIns="91440" bIns="45720" numCol="1" anchor="t" anchorCtr="0" compatLnSpc="1">
+            <a:prstTxWarp prst="textNoShape">
+              <a:avLst/>
+            </a:prstTxWarp>
           </a:bodyPr>
           <a:lstStyle/>
           <a:p>
-            <a:pPr algn="l"/>
-            <a:r>
-              <a:rPr lang="en-US" sz="3000" dirty="0" smtClean="0">
-                <a:latin typeface="PFDinTextCompPro-Italic"/>
-                <a:cs typeface="PFDinTextCompPro-Italic"/>
-              </a:rPr>
-              <a:t>We iterate until some stopping criteria are met; in general, suitable convergence is achieved in a small number of steps.</a:t>
-            </a:r>
+            <a:pPr marL="0" indent="0"/>
+            <a:r>
+              <a:rPr lang="en-US" cap="none" dirty="0" smtClean="0">
+                <a:latin typeface="PFDinTextCompPro-Bold" charset="0"/>
+                <a:ea typeface="ヒラギノ角ゴ ProN W3" charset="0"/>
+                <a:cs typeface="ヒラギノ角ゴ ProN W3" charset="0"/>
+              </a:rPr>
+              <a:t>INTRO TO DATA SCIENCE</a:t>
+            </a:r>
+            <a:endParaRPr lang="en-US" cap="none" dirty="0">
+              <a:latin typeface="PFDinTextCompPro-Bold" charset="0"/>
+              <a:ea typeface="ヒラギノ角ゴ ProN W3" charset="0"/>
+              <a:cs typeface="ヒラギノ角ゴ ProN W3" charset="0"/>
+            </a:endParaRPr>
           </a:p>
         </p:txBody>
       </p:sp>
     </p:spTree>
     <p:extLst>
       <p:ext uri="{BB962C8B-B14F-4D97-AF65-F5344CB8AC3E}">
-        <p14:creationId xmlns:p14="http://schemas.microsoft.com/office/powerpoint/2010/main" val="1196709643"/>
+        <p14:creationId xmlns:p14="http://schemas.microsoft.com/office/powerpoint/2010/main" val="1402273439"/>
       </p:ext>
     </p:extLst>
   </p:cSld>
@@ -29822,20 +29302,8 @@
               <a:defRPr/>
             </a:pPr>
             <a:r>
-              <a:rPr lang="en-US" dirty="0"/>
-              <a:t>Step </a:t>
-            </a:r>
-            <a:r>
               <a:rPr lang="en-US" dirty="0" smtClean="0"/>
-              <a:t>4 </a:t>
-            </a:r>
-            <a:r>
-              <a:rPr lang="en-US" dirty="0"/>
-              <a:t>– </a:t>
-            </a:r>
-            <a:r>
-              <a:rPr lang="en-US" dirty="0" smtClean="0"/>
-              <a:t>convergence</a:t>
+              <a:t>Cluster validation</a:t>
             </a:r>
             <a:endParaRPr lang="en-US" dirty="0"/>
           </a:p>
@@ -29878,8 +29346,8 @@
         </p:nvSpPr>
         <p:spPr>
           <a:xfrm>
-            <a:off x="576896" y="952500"/>
-            <a:ext cx="8382000" cy="2862322"/>
+            <a:off x="566737" y="1104900"/>
+            <a:ext cx="8382000" cy="1015663"/>
           </a:xfrm>
           <a:prstGeom prst="rect">
             <a:avLst/>
@@ -29898,80 +29366,7 @@
                 <a:latin typeface="PFDinTextCompPro-Italic"/>
                 <a:cs typeface="PFDinTextCompPro-Italic"/>
               </a:rPr>
-              <a:t>We iterate until some stopping criteria are met; in general, suitable convergence is achieved in a small number of steps.</a:t>
-            </a:r>
-          </a:p>
-          <a:p>
-            <a:pPr algn="l"/>
-            <a:endParaRPr lang="en-US" sz="3000" dirty="0">
-              <a:latin typeface="PFDinTextCompPro-Italic"/>
-              <a:cs typeface="PFDinTextCompPro-Italic"/>
-            </a:endParaRPr>
-          </a:p>
-          <a:p>
-            <a:pPr algn="l"/>
-            <a:r>
-              <a:rPr lang="en-US" sz="3000" dirty="0" smtClean="0">
-                <a:latin typeface="PFDinTextCompPro-Italic"/>
-                <a:cs typeface="PFDinTextCompPro-Italic"/>
-              </a:rPr>
-              <a:t>Stopping criteria can be based on the centroids (</a:t>
-            </a:r>
-            <a:r>
-              <a:rPr lang="en-US" sz="3000" dirty="0" err="1" smtClean="0">
-                <a:latin typeface="PFDinTextCompPro-Italic"/>
-                <a:cs typeface="PFDinTextCompPro-Italic"/>
-              </a:rPr>
-              <a:t>eg</a:t>
-            </a:r>
-            <a:r>
-              <a:rPr lang="en-US" sz="3000" dirty="0" smtClean="0">
-                <a:latin typeface="PFDinTextCompPro-Italic"/>
-                <a:cs typeface="PFDinTextCompPro-Italic"/>
-              </a:rPr>
-              <a:t>, if positions change by no more than </a:t>
-            </a:r>
-            <a:r>
-              <a:rPr lang="en-US" sz="3000" i="1" dirty="0" smtClean="0">
-                <a:latin typeface="Symbol" charset="2"/>
-                <a:cs typeface="Symbol" charset="2"/>
-              </a:rPr>
-              <a:t>e</a:t>
-            </a:r>
-            <a:r>
-              <a:rPr lang="en-US" sz="3000" dirty="0" smtClean="0">
-                <a:latin typeface="PFDinTextCompPro-Italic"/>
-                <a:cs typeface="PFDinTextCompPro-Italic"/>
-              </a:rPr>
-              <a:t>) or on the points (</a:t>
-            </a:r>
-            <a:r>
-              <a:rPr lang="en-US" sz="3000" dirty="0" err="1" smtClean="0">
-                <a:latin typeface="PFDinTextCompPro-Italic"/>
-                <a:cs typeface="PFDinTextCompPro-Italic"/>
-              </a:rPr>
-              <a:t>eg</a:t>
-            </a:r>
-            <a:r>
-              <a:rPr lang="en-US" sz="3000" dirty="0" smtClean="0">
-                <a:latin typeface="PFDinTextCompPro-Italic"/>
-                <a:cs typeface="PFDinTextCompPro-Italic"/>
-              </a:rPr>
-              <a:t>, if no more than </a:t>
-            </a:r>
-            <a:r>
-              <a:rPr lang="en-US" sz="2500" i="1" dirty="0" smtClean="0">
-                <a:latin typeface="+mn-lt"/>
-                <a:cs typeface="PFDinTextCompPro-Italic"/>
-              </a:rPr>
-              <a:t>x%</a:t>
-            </a:r>
-            <a:r>
-              <a:rPr lang="en-US" sz="3000" dirty="0" smtClean="0">
-                <a:latin typeface="PFDinTextCompPro-Italic"/>
-                <a:cs typeface="PFDinTextCompPro-Italic"/>
-              </a:rPr>
-              <a:t> change clusters between iterations).</a:t>
+              <a:t>In general, k-means will converge to a solution and return a partition of k clusters, even if no natural clusters exist in the data.</a:t>
             </a:r>
           </a:p>
         </p:txBody>
@@ -29979,7 +29374,7 @@
     </p:spTree>
     <p:extLst>
       <p:ext uri="{BB962C8B-B14F-4D97-AF65-F5344CB8AC3E}">
-        <p14:creationId xmlns:p14="http://schemas.microsoft.com/office/powerpoint/2010/main" val="4016500532"/>
+        <p14:creationId xmlns:p14="http://schemas.microsoft.com/office/powerpoint/2010/main" val="2253726726"/>
       </p:ext>
     </p:extLst>
   </p:cSld>
@@ -30041,20 +29436,8 @@
               <a:defRPr/>
             </a:pPr>
             <a:r>
-              <a:rPr lang="en-US" dirty="0"/>
-              <a:t>Step </a:t>
-            </a:r>
-            <a:r>
               <a:rPr lang="en-US" dirty="0" smtClean="0"/>
-              <a:t>4 </a:t>
-            </a:r>
-            <a:r>
-              <a:rPr lang="en-US" dirty="0"/>
-              <a:t>– </a:t>
-            </a:r>
-            <a:r>
-              <a:rPr lang="en-US" dirty="0" smtClean="0"/>
-              <a:t>convergence</a:t>
+              <a:t>Cluster validation</a:t>
             </a:r>
             <a:endParaRPr lang="en-US" dirty="0"/>
           </a:p>
@@ -30097,8 +29480,8 @@
         </p:nvSpPr>
         <p:spPr>
           <a:xfrm>
-            <a:off x="576896" y="952500"/>
-            <a:ext cx="8382000" cy="4247317"/>
+            <a:off x="566737" y="1104900"/>
+            <a:ext cx="8382000" cy="2400657"/>
           </a:xfrm>
           <a:prstGeom prst="rect">
             <a:avLst/>
@@ -30117,7 +29500,7 @@
                 <a:latin typeface="PFDinTextCompPro-Italic"/>
                 <a:cs typeface="PFDinTextCompPro-Italic"/>
               </a:rPr>
-              <a:t>We iterate until some stopping criteria are met; in general, suitable convergence is achieved in a small number of steps.</a:t>
+              <a:t>In general, k-means will converge to a solution and return a partition of k clusters, even if no natural clusters exist in the data.</a:t>
             </a:r>
           </a:p>
           <a:p>
@@ -30134,80 +29517,49 @@
                 <a:latin typeface="PFDinTextCompPro-Italic"/>
                 <a:cs typeface="PFDinTextCompPro-Italic"/>
               </a:rPr>
-              <a:t>Stopping criteria can be based on the centroids (</a:t>
+              <a:t>We will look at two validation metrics useful for </a:t>
             </a:r>
             <a:r>
               <a:rPr lang="en-US" sz="3000" dirty="0" err="1" smtClean="0">
                 <a:latin typeface="PFDinTextCompPro-Italic"/>
                 <a:cs typeface="PFDinTextCompPro-Italic"/>
               </a:rPr>
-              <a:t>eg</a:t>
+              <a:t>partitional</a:t>
             </a:r>
             <a:r>
               <a:rPr lang="en-US" sz="3000" dirty="0" smtClean="0">
                 <a:latin typeface="PFDinTextCompPro-Italic"/>
                 <a:cs typeface="PFDinTextCompPro-Italic"/>
               </a:rPr>
-              <a:t>, if positions change by no more than </a:t>
-            </a:r>
-            <a:r>
-              <a:rPr lang="en-US" sz="3000" i="1" dirty="0" smtClean="0">
-                <a:latin typeface="Symbol" charset="2"/>
-                <a:cs typeface="Symbol" charset="2"/>
-              </a:rPr>
-              <a:t>e</a:t>
+              <a:t> clustering, </a:t>
+            </a:r>
+            <a:r>
+              <a:rPr lang="en-US" sz="3000" dirty="0" smtClean="0">
+                <a:latin typeface="PFDinTextCompPro-Medium"/>
+                <a:cs typeface="PFDinTextCompPro-Medium"/>
+              </a:rPr>
+              <a:t>cohesion</a:t>
             </a:r>
             <a:r>
               <a:rPr lang="en-US" sz="3000" dirty="0" smtClean="0">
                 <a:latin typeface="PFDinTextCompPro-Italic"/>
                 <a:cs typeface="PFDinTextCompPro-Italic"/>
               </a:rPr>
-              <a:t>) or on the points (</a:t>
-            </a:r>
-            <a:r>
-              <a:rPr lang="en-US" sz="3000" dirty="0" err="1" smtClean="0">
-                <a:latin typeface="PFDinTextCompPro-Italic"/>
-                <a:cs typeface="PFDinTextCompPro-Italic"/>
-              </a:rPr>
-              <a:t>eg</a:t>
+              <a:t> and </a:t>
+            </a:r>
+            <a:r>
+              <a:rPr lang="en-US" sz="3000" dirty="0" smtClean="0">
+                <a:latin typeface="PFDinTextCompPro-Medium"/>
+                <a:cs typeface="PFDinTextCompPro-Medium"/>
+              </a:rPr>
+              <a:t>separation</a:t>
             </a:r>
             <a:r>
               <a:rPr lang="en-US" sz="3000" dirty="0" smtClean="0">
                 <a:latin typeface="PFDinTextCompPro-Italic"/>
                 <a:cs typeface="PFDinTextCompPro-Italic"/>
               </a:rPr>
-              <a:t>, if no more than </a:t>
-            </a:r>
-            <a:r>
-              <a:rPr lang="en-US" sz="2500" i="1" dirty="0" smtClean="0">
-                <a:latin typeface="+mn-lt"/>
-                <a:cs typeface="PFDinTextCompPro-Italic"/>
-              </a:rPr>
-              <a:t>x%</a:t>
-            </a:r>
-            <a:r>
-              <a:rPr lang="en-US" sz="3000" dirty="0" smtClean="0">
-                <a:latin typeface="PFDinTextCompPro-Italic"/>
-                <a:cs typeface="PFDinTextCompPro-Italic"/>
-              </a:rPr>
-              <a:t> change clusters between iterations).</a:t>
-            </a:r>
-          </a:p>
-          <a:p>
-            <a:pPr algn="l"/>
-            <a:endParaRPr lang="en-US" sz="3000" dirty="0">
-              <a:latin typeface="PFDinTextCompPro-Italic"/>
-              <a:cs typeface="PFDinTextCompPro-Italic"/>
-            </a:endParaRPr>
-          </a:p>
-          <a:p>
-            <a:pPr algn="l"/>
-            <a:r>
-              <a:rPr lang="en-US" sz="3000" dirty="0" smtClean="0">
-                <a:latin typeface="PFDinTextCompPro-Italic"/>
-                <a:cs typeface="PFDinTextCompPro-Italic"/>
-              </a:rPr>
-              <a:t>Recall that, in general, different runs of the algorithm will converge to different local optima (centroid configurations).</a:t>
+              <a:t>.</a:t>
             </a:r>
           </a:p>
         </p:txBody>
@@ -30215,7 +29567,7 @@
     </p:spTree>
     <p:extLst>
       <p:ext uri="{BB962C8B-B14F-4D97-AF65-F5344CB8AC3E}">
-        <p14:creationId xmlns:p14="http://schemas.microsoft.com/office/powerpoint/2010/main" val="4016500532"/>
+        <p14:creationId xmlns:p14="http://schemas.microsoft.com/office/powerpoint/2010/main" val="4038446520"/>
       </p:ext>
     </p:extLst>
   </p:cSld>
@@ -30252,123 +29604,6 @@
       </p:grpSpPr>
       <p:sp>
         <p:nvSpPr>
-          <p:cNvPr id="2" name="Title 1"/>
-          <p:cNvSpPr>
-            <a:spLocks noGrp="1"/>
-          </p:cNvSpPr>
-          <p:nvPr>
-            <p:ph type="title"/>
-          </p:nvPr>
-        </p:nvSpPr>
-        <p:spPr>
-          <a:xfrm>
-            <a:off x="347663" y="3238500"/>
-            <a:ext cx="8426450" cy="1828800"/>
-          </a:xfrm>
-        </p:spPr>
-        <p:txBody>
-          <a:bodyPr/>
-          <a:lstStyle/>
-          <a:p>
-            <a:pPr>
-              <a:defRPr/>
-            </a:pPr>
-            <a:r>
-              <a:rPr lang="en-US" sz="7500" dirty="0" smtClean="0"/>
-              <a:t/>
-            </a:r>
-            <a:br>
-              <a:rPr lang="en-US" sz="7500" dirty="0" smtClean="0"/>
-            </a:br>
-            <a:r>
-              <a:rPr lang="en-US" sz="7500" dirty="0" smtClean="0"/>
-              <a:t>III. Cluster validation</a:t>
-            </a:r>
-            <a:endParaRPr lang="en-US" sz="7500" dirty="0"/>
-          </a:p>
-        </p:txBody>
-      </p:sp>
-      <p:sp>
-        <p:nvSpPr>
-          <p:cNvPr id="4" name="Content Placeholder 3"/>
-          <p:cNvSpPr>
-            <a:spLocks noGrp="1"/>
-          </p:cNvSpPr>
-          <p:nvPr>
-            <p:ph sz="quarter" idx="11"/>
-          </p:nvPr>
-        </p:nvSpPr>
-        <p:spPr>
-          <a:xfrm>
-            <a:off x="371475" y="495300"/>
-            <a:ext cx="6400800" cy="304800"/>
-          </a:xfrm>
-        </p:spPr>
-        <p:txBody>
-          <a:bodyPr wrap="square" lIns="91440" tIns="45720" rIns="91440" bIns="45720" numCol="1" anchor="t" anchorCtr="0" compatLnSpc="1">
-            <a:prstTxWarp prst="textNoShape">
-              <a:avLst/>
-            </a:prstTxWarp>
-          </a:bodyPr>
-          <a:lstStyle/>
-          <a:p>
-            <a:pPr marL="0" indent="0"/>
-            <a:r>
-              <a:rPr lang="en-US" cap="none" dirty="0" smtClean="0">
-                <a:latin typeface="PFDinTextCompPro-Bold" charset="0"/>
-                <a:ea typeface="ヒラギノ角ゴ ProN W3" charset="0"/>
-                <a:cs typeface="ヒラギノ角ゴ ProN W3" charset="0"/>
-              </a:rPr>
-              <a:t>INTRO TO DATA SCIENCE</a:t>
-            </a:r>
-            <a:endParaRPr lang="en-US" cap="none" dirty="0">
-              <a:latin typeface="PFDinTextCompPro-Bold" charset="0"/>
-              <a:ea typeface="ヒラギノ角ゴ ProN W3" charset="0"/>
-              <a:cs typeface="ヒラギノ角ゴ ProN W3" charset="0"/>
-            </a:endParaRPr>
-          </a:p>
-        </p:txBody>
-      </p:sp>
-    </p:spTree>
-    <p:extLst>
-      <p:ext uri="{BB962C8B-B14F-4D97-AF65-F5344CB8AC3E}">
-        <p14:creationId xmlns:p14="http://schemas.microsoft.com/office/powerpoint/2010/main" val="1402273439"/>
-      </p:ext>
-    </p:extLst>
-  </p:cSld>
-  <p:clrMapOvr>
-    <a:masterClrMapping/>
-  </p:clrMapOvr>
-  <p:transition xmlns:p14="http://schemas.microsoft.com/office/powerpoint/2010/main"/>
-  <p:timing>
-    <p:tnLst>
-      <p:par>
-        <p:cTn xmlns:p14="http://schemas.microsoft.com/office/powerpoint/2010/main" id="1" dur="indefinite" restart="never" nodeType="tmRoot"/>
-      </p:par>
-    </p:tnLst>
-  </p:timing>
-</p:sld>
-</file>
-
-<file path=ppt/slides/slide67.xml><?xml version="1.0" encoding="utf-8"?>
-<p:sld xmlns:a="http://schemas.openxmlformats.org/drawingml/2006/main" xmlns:r="http://schemas.openxmlformats.org/officeDocument/2006/relationships" xmlns:p="http://schemas.openxmlformats.org/presentationml/2006/main">
-  <p:cSld>
-    <p:spTree>
-      <p:nvGrpSpPr>
-        <p:cNvPr id="1" name=""/>
-        <p:cNvGrpSpPr/>
-        <p:nvPr/>
-      </p:nvGrpSpPr>
-      <p:grpSpPr>
-        <a:xfrm>
-          <a:off x="0" y="0"/>
-          <a:ext cx="0" cy="0"/>
-          <a:chOff x="0" y="0"/>
-          <a:chExt cx="0" cy="0"/>
-        </a:xfrm>
-      </p:grpSpPr>
-      <p:sp>
-        <p:nvSpPr>
           <p:cNvPr id="4" name="Content Placeholder 3"/>
           <p:cNvSpPr>
             <a:spLocks noGrp="1"/>
@@ -30424,334 +29659,7 @@
               <a:pPr>
                 <a:defRPr/>
               </a:pPr>
-              <a:t>67</a:t>
-            </a:fld>
-            <a:endParaRPr lang="en-US"/>
-          </a:p>
-        </p:txBody>
-      </p:sp>
-      <p:sp>
-        <p:nvSpPr>
-          <p:cNvPr id="9" name="TextBox 8"/>
-          <p:cNvSpPr txBox="1"/>
-          <p:nvPr/>
-        </p:nvSpPr>
-        <p:spPr>
-          <a:xfrm>
-            <a:off x="566737" y="1104900"/>
-            <a:ext cx="8382000" cy="1015663"/>
-          </a:xfrm>
-          <a:prstGeom prst="rect">
-            <a:avLst/>
-          </a:prstGeom>
-          <a:noFill/>
-        </p:spPr>
-        <p:txBody>
-          <a:bodyPr wrap="square" rtlCol="0">
-            <a:spAutoFit/>
-          </a:bodyPr>
-          <a:lstStyle/>
-          <a:p>
-            <a:pPr algn="l"/>
-            <a:r>
-              <a:rPr lang="en-US" sz="3000" dirty="0" smtClean="0">
-                <a:latin typeface="PFDinTextCompPro-Italic"/>
-                <a:cs typeface="PFDinTextCompPro-Italic"/>
-              </a:rPr>
-              <a:t>In general, k-means will converge to a solution and return a partition of k clusters, even if no natural clusters exist in the data.</a:t>
-            </a:r>
-          </a:p>
-        </p:txBody>
-      </p:sp>
-    </p:spTree>
-    <p:extLst>
-      <p:ext uri="{BB962C8B-B14F-4D97-AF65-F5344CB8AC3E}">
-        <p14:creationId xmlns:p14="http://schemas.microsoft.com/office/powerpoint/2010/main" val="2253726726"/>
-      </p:ext>
-    </p:extLst>
-  </p:cSld>
-  <p:clrMapOvr>
-    <a:masterClrMapping/>
-  </p:clrMapOvr>
-  <p:transition xmlns:p14="http://schemas.microsoft.com/office/powerpoint/2010/main"/>
-  <p:timing>
-    <p:tnLst>
-      <p:par>
-        <p:cTn xmlns:p14="http://schemas.microsoft.com/office/powerpoint/2010/main" id="1" dur="indefinite" restart="never" nodeType="tmRoot"/>
-      </p:par>
-    </p:tnLst>
-  </p:timing>
-</p:sld>
-</file>
-
-<file path=ppt/slides/slide68.xml><?xml version="1.0" encoding="utf-8"?>
-<p:sld xmlns:a="http://schemas.openxmlformats.org/drawingml/2006/main" xmlns:r="http://schemas.openxmlformats.org/officeDocument/2006/relationships" xmlns:p="http://schemas.openxmlformats.org/presentationml/2006/main">
-  <p:cSld>
-    <p:spTree>
-      <p:nvGrpSpPr>
-        <p:cNvPr id="1" name=""/>
-        <p:cNvGrpSpPr/>
-        <p:nvPr/>
-      </p:nvGrpSpPr>
-      <p:grpSpPr>
-        <a:xfrm>
-          <a:off x="0" y="0"/>
-          <a:ext cx="0" cy="0"/>
-          <a:chOff x="0" y="0"/>
-          <a:chExt cx="0" cy="0"/>
-        </a:xfrm>
-      </p:grpSpPr>
-      <p:sp>
-        <p:nvSpPr>
-          <p:cNvPr id="4" name="Content Placeholder 3"/>
-          <p:cNvSpPr>
-            <a:spLocks noGrp="1"/>
-          </p:cNvSpPr>
-          <p:nvPr>
-            <p:ph sz="quarter" idx="11"/>
-          </p:nvPr>
-        </p:nvSpPr>
-        <p:spPr>
-          <a:xfrm>
-            <a:off x="414337" y="495300"/>
-            <a:ext cx="6400800" cy="304800"/>
-          </a:xfrm>
-        </p:spPr>
-        <p:txBody>
-          <a:bodyPr/>
-          <a:lstStyle/>
-          <a:p>
-            <a:pPr eaLnBrk="1" hangingPunct="1">
-              <a:lnSpc>
-                <a:spcPts val="2448"/>
-              </a:lnSpc>
-              <a:defRPr/>
-            </a:pPr>
-            <a:r>
-              <a:rPr lang="en-US" dirty="0" smtClean="0"/>
-              <a:t>Cluster validation</a:t>
-            </a:r>
-            <a:endParaRPr lang="en-US" dirty="0"/>
-          </a:p>
-        </p:txBody>
-      </p:sp>
-      <p:sp>
-        <p:nvSpPr>
-          <p:cNvPr id="8" name="Slide Number Placeholder 3"/>
-          <p:cNvSpPr>
-            <a:spLocks noGrp="1"/>
-          </p:cNvSpPr>
-          <p:nvPr>
-            <p:ph type="sldNum" sz="quarter" idx="13"/>
-          </p:nvPr>
-        </p:nvSpPr>
-        <p:spPr/>
-        <p:txBody>
-          <a:bodyPr/>
-          <a:lstStyle/>
-          <a:p>
-            <a:pPr>
-              <a:defRPr/>
-            </a:pPr>
-            <a:fld id="{BD5AD749-DAD1-6A4A-A2AA-CB20EAD0AEB7}" type="slidenum">
-              <a:rPr lang="en-US"/>
-              <a:pPr>
-                <a:defRPr/>
-              </a:pPr>
-              <a:t>68</a:t>
-            </a:fld>
-            <a:endParaRPr lang="en-US"/>
-          </a:p>
-        </p:txBody>
-      </p:sp>
-      <p:sp>
-        <p:nvSpPr>
-          <p:cNvPr id="9" name="TextBox 8"/>
-          <p:cNvSpPr txBox="1"/>
-          <p:nvPr/>
-        </p:nvSpPr>
-        <p:spPr>
-          <a:xfrm>
-            <a:off x="566737" y="1104900"/>
-            <a:ext cx="8382000" cy="2400657"/>
-          </a:xfrm>
-          <a:prstGeom prst="rect">
-            <a:avLst/>
-          </a:prstGeom>
-          <a:noFill/>
-        </p:spPr>
-        <p:txBody>
-          <a:bodyPr wrap="square" rtlCol="0">
-            <a:spAutoFit/>
-          </a:bodyPr>
-          <a:lstStyle/>
-          <a:p>
-            <a:pPr algn="l"/>
-            <a:r>
-              <a:rPr lang="en-US" sz="3000" dirty="0" smtClean="0">
-                <a:latin typeface="PFDinTextCompPro-Italic"/>
-                <a:cs typeface="PFDinTextCompPro-Italic"/>
-              </a:rPr>
-              <a:t>In general, k-means will converge to a solution and return a partition of k clusters, even if no natural clusters exist in the data.</a:t>
-            </a:r>
-          </a:p>
-          <a:p>
-            <a:pPr algn="l"/>
-            <a:endParaRPr lang="en-US" sz="3000" dirty="0">
-              <a:latin typeface="PFDinTextCompPro-Italic"/>
-              <a:cs typeface="PFDinTextCompPro-Italic"/>
-            </a:endParaRPr>
-          </a:p>
-          <a:p>
-            <a:pPr algn="l"/>
-            <a:r>
-              <a:rPr lang="en-US" sz="3000" dirty="0" smtClean="0">
-                <a:latin typeface="PFDinTextCompPro-Italic"/>
-                <a:cs typeface="PFDinTextCompPro-Italic"/>
-              </a:rPr>
-              <a:t>We will look at two validation metrics useful for </a:t>
-            </a:r>
-            <a:r>
-              <a:rPr lang="en-US" sz="3000" dirty="0" err="1" smtClean="0">
-                <a:latin typeface="PFDinTextCompPro-Italic"/>
-                <a:cs typeface="PFDinTextCompPro-Italic"/>
-              </a:rPr>
-              <a:t>partitional</a:t>
-            </a:r>
-            <a:r>
-              <a:rPr lang="en-US" sz="3000" dirty="0" smtClean="0">
-                <a:latin typeface="PFDinTextCompPro-Italic"/>
-                <a:cs typeface="PFDinTextCompPro-Italic"/>
-              </a:rPr>
-              <a:t> clustering, </a:t>
-            </a:r>
-            <a:r>
-              <a:rPr lang="en-US" sz="3000" dirty="0" smtClean="0">
-                <a:latin typeface="PFDinTextCompPro-Medium"/>
-                <a:cs typeface="PFDinTextCompPro-Medium"/>
-              </a:rPr>
-              <a:t>cohesion</a:t>
-            </a:r>
-            <a:r>
-              <a:rPr lang="en-US" sz="3000" dirty="0" smtClean="0">
-                <a:latin typeface="PFDinTextCompPro-Italic"/>
-                <a:cs typeface="PFDinTextCompPro-Italic"/>
-              </a:rPr>
-              <a:t> and </a:t>
-            </a:r>
-            <a:r>
-              <a:rPr lang="en-US" sz="3000" dirty="0" smtClean="0">
-                <a:latin typeface="PFDinTextCompPro-Medium"/>
-                <a:cs typeface="PFDinTextCompPro-Medium"/>
-              </a:rPr>
-              <a:t>separation</a:t>
-            </a:r>
-            <a:r>
-              <a:rPr lang="en-US" sz="3000" dirty="0" smtClean="0">
-                <a:latin typeface="PFDinTextCompPro-Italic"/>
-                <a:cs typeface="PFDinTextCompPro-Italic"/>
-              </a:rPr>
-              <a:t>.</a:t>
-            </a:r>
-          </a:p>
-        </p:txBody>
-      </p:sp>
-    </p:spTree>
-    <p:extLst>
-      <p:ext uri="{BB962C8B-B14F-4D97-AF65-F5344CB8AC3E}">
-        <p14:creationId xmlns:p14="http://schemas.microsoft.com/office/powerpoint/2010/main" val="4038446520"/>
-      </p:ext>
-    </p:extLst>
-  </p:cSld>
-  <p:clrMapOvr>
-    <a:masterClrMapping/>
-  </p:clrMapOvr>
-  <p:transition xmlns:p14="http://schemas.microsoft.com/office/powerpoint/2010/main"/>
-  <p:timing>
-    <p:tnLst>
-      <p:par>
-        <p:cTn xmlns:p14="http://schemas.microsoft.com/office/powerpoint/2010/main" id="1" dur="indefinite" restart="never" nodeType="tmRoot"/>
-      </p:par>
-    </p:tnLst>
-  </p:timing>
-</p:sld>
-</file>
-
-<file path=ppt/slides/slide69.xml><?xml version="1.0" encoding="utf-8"?>
-<p:sld xmlns:a="http://schemas.openxmlformats.org/drawingml/2006/main" xmlns:r="http://schemas.openxmlformats.org/officeDocument/2006/relationships" xmlns:p="http://schemas.openxmlformats.org/presentationml/2006/main">
-  <p:cSld>
-    <p:spTree>
-      <p:nvGrpSpPr>
-        <p:cNvPr id="1" name=""/>
-        <p:cNvGrpSpPr/>
-        <p:nvPr/>
-      </p:nvGrpSpPr>
-      <p:grpSpPr>
-        <a:xfrm>
-          <a:off x="0" y="0"/>
-          <a:ext cx="0" cy="0"/>
-          <a:chOff x="0" y="0"/>
-          <a:chExt cx="0" cy="0"/>
-        </a:xfrm>
-      </p:grpSpPr>
-      <p:sp>
-        <p:nvSpPr>
-          <p:cNvPr id="4" name="Content Placeholder 3"/>
-          <p:cNvSpPr>
-            <a:spLocks noGrp="1"/>
-          </p:cNvSpPr>
-          <p:nvPr>
-            <p:ph sz="quarter" idx="11"/>
-          </p:nvPr>
-        </p:nvSpPr>
-        <p:spPr>
-          <a:xfrm>
-            <a:off x="414337" y="495300"/>
-            <a:ext cx="6400800" cy="304800"/>
-          </a:xfrm>
-        </p:spPr>
-        <p:txBody>
-          <a:bodyPr/>
-          <a:lstStyle/>
-          <a:p>
-            <a:pPr eaLnBrk="1" hangingPunct="1">
-              <a:lnSpc>
-                <a:spcPts val="2448"/>
-              </a:lnSpc>
-              <a:defRPr/>
-            </a:pPr>
-            <a:r>
-              <a:rPr lang="en-US" dirty="0" smtClean="0"/>
-              <a:t>Cluster validation</a:t>
-            </a:r>
-            <a:endParaRPr lang="en-US" dirty="0"/>
-          </a:p>
-        </p:txBody>
-      </p:sp>
-      <p:sp>
-        <p:nvSpPr>
-          <p:cNvPr id="8" name="Slide Number Placeholder 3"/>
-          <p:cNvSpPr>
-            <a:spLocks noGrp="1"/>
-          </p:cNvSpPr>
-          <p:nvPr>
-            <p:ph type="sldNum" sz="quarter" idx="13"/>
-          </p:nvPr>
-        </p:nvSpPr>
-        <p:spPr/>
-        <p:txBody>
-          <a:bodyPr/>
-          <a:lstStyle/>
-          <a:p>
-            <a:pPr>
-              <a:defRPr/>
-            </a:pPr>
-            <a:fld id="{BD5AD749-DAD1-6A4A-A2AA-CB20EAD0AEB7}" type="slidenum">
-              <a:rPr lang="en-US"/>
-              <a:pPr>
-                <a:defRPr/>
-              </a:pPr>
-              <a:t>69</a:t>
+              <a:t>66</a:t>
             </a:fld>
             <a:endParaRPr lang="en-US"/>
           </a:p>
@@ -30863,7 +29771,7 @@
 </p:sld>
 </file>
 
-<file path=ppt/slides/slide7.xml><?xml version="1.0" encoding="utf-8"?>
+<file path=ppt/slides/slide67.xml><?xml version="1.0" encoding="utf-8"?>
 <p:sld xmlns:a="http://schemas.openxmlformats.org/drawingml/2006/main" xmlns:r="http://schemas.openxmlformats.org/officeDocument/2006/relationships" xmlns:p="http://schemas.openxmlformats.org/presentationml/2006/main">
   <p:cSld>
     <p:spTree>
@@ -30908,7 +29816,7 @@
             </a:pPr>
             <a:r>
               <a:rPr lang="en-US" dirty="0" smtClean="0"/>
-              <a:t>Cluster analysis</a:t>
+              <a:t>Cluster validation</a:t>
             </a:r>
             <a:endParaRPr lang="en-US" dirty="0"/>
           </a:p>
@@ -30937,172 +29845,7 @@
               <a:pPr>
                 <a:defRPr/>
               </a:pPr>
-              <a:t>7</a:t>
-            </a:fld>
-            <a:endParaRPr lang="en-US"/>
-          </a:p>
-        </p:txBody>
-      </p:sp>
-      <p:sp>
-        <p:nvSpPr>
-          <p:cNvPr id="9" name="TextBox 8"/>
-          <p:cNvSpPr txBox="1"/>
-          <p:nvPr/>
-        </p:nvSpPr>
-        <p:spPr>
-          <a:xfrm>
-            <a:off x="566737" y="1104900"/>
-            <a:ext cx="8382000" cy="1477328"/>
-          </a:xfrm>
-          <a:prstGeom prst="rect">
-            <a:avLst/>
-          </a:prstGeom>
-          <a:noFill/>
-        </p:spPr>
-        <p:txBody>
-          <a:bodyPr wrap="square" rtlCol="0">
-            <a:spAutoFit/>
-          </a:bodyPr>
-          <a:lstStyle/>
-          <a:p>
-            <a:pPr algn="l"/>
-            <a:r>
-              <a:rPr lang="en-US" sz="3000" dirty="0" smtClean="0">
-                <a:latin typeface="PFDinTextCompPro-Italic"/>
-                <a:cs typeface="PFDinTextCompPro-Italic"/>
-              </a:rPr>
-              <a:t>Q:  What is a cluster?</a:t>
-            </a:r>
-          </a:p>
-          <a:p>
-            <a:pPr algn="l"/>
-            <a:endParaRPr lang="en-US" sz="3000" dirty="0">
-              <a:latin typeface="PFDinTextCompPro-Italic"/>
-              <a:cs typeface="PFDinTextCompPro-Italic"/>
-            </a:endParaRPr>
-          </a:p>
-          <a:p>
-            <a:pPr algn="l"/>
-            <a:r>
-              <a:rPr lang="en-US" sz="3000" dirty="0" smtClean="0">
-                <a:latin typeface="PFDinTextCompPro-Italic"/>
-                <a:cs typeface="PFDinTextCompPro-Italic"/>
-              </a:rPr>
-              <a:t>A:  A group of </a:t>
-            </a:r>
-            <a:r>
-              <a:rPr lang="en-US" sz="3000" dirty="0" smtClean="0">
-                <a:latin typeface="PFDinTextCompPro-Medium"/>
-                <a:cs typeface="PFDinTextCompPro-Medium"/>
-              </a:rPr>
-              <a:t>similar</a:t>
-            </a:r>
-            <a:r>
-              <a:rPr lang="en-US" sz="3000" dirty="0" smtClean="0">
-                <a:latin typeface="PFDinTextCompPro-Italic"/>
-                <a:cs typeface="PFDinTextCompPro-Italic"/>
-              </a:rPr>
-              <a:t> data points.</a:t>
-            </a:r>
-          </a:p>
-        </p:txBody>
-      </p:sp>
-    </p:spTree>
-    <p:extLst>
-      <p:ext uri="{BB962C8B-B14F-4D97-AF65-F5344CB8AC3E}">
-        <p14:creationId xmlns:p14="http://schemas.microsoft.com/office/powerpoint/2010/main" val="3885389370"/>
-      </p:ext>
-    </p:extLst>
-  </p:cSld>
-  <p:clrMapOvr>
-    <a:masterClrMapping/>
-  </p:clrMapOvr>
-  <p:transition xmlns:p14="http://schemas.microsoft.com/office/powerpoint/2010/main"/>
-  <p:timing>
-    <p:tnLst>
-      <p:par>
-        <p:cTn xmlns:p14="http://schemas.microsoft.com/office/powerpoint/2010/main" id="1" dur="indefinite" restart="never" nodeType="tmRoot"/>
-      </p:par>
-    </p:tnLst>
-  </p:timing>
-</p:sld>
-</file>
-
-<file path=ppt/slides/slide70.xml><?xml version="1.0" encoding="utf-8"?>
-<p:sld xmlns:a="http://schemas.openxmlformats.org/drawingml/2006/main" xmlns:r="http://schemas.openxmlformats.org/officeDocument/2006/relationships" xmlns:p="http://schemas.openxmlformats.org/presentationml/2006/main">
-  <p:cSld>
-    <p:spTree>
-      <p:nvGrpSpPr>
-        <p:cNvPr id="1" name=""/>
-        <p:cNvGrpSpPr/>
-        <p:nvPr/>
-      </p:nvGrpSpPr>
-      <p:grpSpPr>
-        <a:xfrm>
-          <a:off x="0" y="0"/>
-          <a:ext cx="0" cy="0"/>
-          <a:chOff x="0" y="0"/>
-          <a:chExt cx="0" cy="0"/>
-        </a:xfrm>
-      </p:grpSpPr>
-      <p:sp>
-        <p:nvSpPr>
-          <p:cNvPr id="4" name="Content Placeholder 3"/>
-          <p:cNvSpPr>
-            <a:spLocks noGrp="1"/>
-          </p:cNvSpPr>
-          <p:nvPr>
-            <p:ph sz="quarter" idx="11"/>
-          </p:nvPr>
-        </p:nvSpPr>
-        <p:spPr>
-          <a:xfrm>
-            <a:off x="414337" y="495300"/>
-            <a:ext cx="6400800" cy="304800"/>
-          </a:xfrm>
-        </p:spPr>
-        <p:txBody>
-          <a:bodyPr/>
-          <a:lstStyle/>
-          <a:p>
-            <a:pPr eaLnBrk="1" hangingPunct="1">
-              <a:lnSpc>
-                <a:spcPts val="2448"/>
-              </a:lnSpc>
-              <a:defRPr/>
-            </a:pPr>
-            <a:r>
-              <a:rPr lang="en-US" dirty="0" smtClean="0"/>
-              <a:t>Cluster validation</a:t>
-            </a:r>
-            <a:endParaRPr lang="en-US" dirty="0"/>
-          </a:p>
-        </p:txBody>
-      </p:sp>
-      <p:sp>
-        <p:nvSpPr>
-          <p:cNvPr id="8" name="Slide Number Placeholder 3"/>
-          <p:cNvSpPr>
-            <a:spLocks noGrp="1"/>
-          </p:cNvSpPr>
-          <p:nvPr>
-            <p:ph type="sldNum" sz="quarter" idx="13"/>
-          </p:nvPr>
-        </p:nvSpPr>
-        <p:spPr/>
-        <p:txBody>
-          <a:bodyPr/>
-          <a:lstStyle/>
-          <a:p>
-            <a:pPr>
-              <a:defRPr/>
-            </a:pPr>
-            <a:fld id="{BD5AD749-DAD1-6A4A-A2AA-CB20EAD0AEB7}" type="slidenum">
-              <a:rPr lang="en-US"/>
-              <a:pPr>
-                <a:defRPr/>
-              </a:pPr>
-              <a:t>70</a:t>
+              <a:t>67</a:t>
             </a:fld>
             <a:endParaRPr lang="en-US"/>
           </a:p>
@@ -31259,7 +30002,7 @@
 </p:sld>
 </file>
 
-<file path=ppt/slides/slide71.xml><?xml version="1.0" encoding="utf-8"?>
+<file path=ppt/slides/slide68.xml><?xml version="1.0" encoding="utf-8"?>
 <p:sld xmlns:a="http://schemas.openxmlformats.org/drawingml/2006/main" xmlns:r="http://schemas.openxmlformats.org/officeDocument/2006/relationships" xmlns:p="http://schemas.openxmlformats.org/presentationml/2006/main">
   <p:cSld>
     <p:spTree>
@@ -31333,7 +30076,7 @@
               <a:pPr>
                 <a:defRPr/>
               </a:pPr>
-              <a:t>71</a:t>
+              <a:t>68</a:t>
             </a:fld>
             <a:endParaRPr lang="en-US"/>
           </a:p>
@@ -31458,7 +30201,7 @@
 </p:sld>
 </file>
 
-<file path=ppt/slides/slide72.xml><?xml version="1.0" encoding="utf-8"?>
+<file path=ppt/slides/slide69.xml><?xml version="1.0" encoding="utf-8"?>
 <p:sld xmlns:a="http://schemas.openxmlformats.org/drawingml/2006/main" xmlns:r="http://schemas.openxmlformats.org/officeDocument/2006/relationships" xmlns:p="http://schemas.openxmlformats.org/presentationml/2006/main">
   <p:cSld>
     <p:spTree>
@@ -31532,7 +30275,7 @@
               <a:pPr>
                 <a:defRPr/>
               </a:pPr>
-              <a:t>72</a:t>
+              <a:t>69</a:t>
             </a:fld>
             <a:endParaRPr lang="en-US"/>
           </a:p>
@@ -31661,7 +30404,7 @@
 </p:sld>
 </file>
 
-<file path=ppt/slides/slide73.xml><?xml version="1.0" encoding="utf-8"?>
+<file path=ppt/slides/slide7.xml><?xml version="1.0" encoding="utf-8"?>
 <p:sld xmlns:a="http://schemas.openxmlformats.org/drawingml/2006/main" xmlns:r="http://schemas.openxmlformats.org/officeDocument/2006/relationships" xmlns:p="http://schemas.openxmlformats.org/presentationml/2006/main">
   <p:cSld>
     <p:spTree>
@@ -31706,7 +30449,7 @@
             </a:pPr>
             <a:r>
               <a:rPr lang="en-US" dirty="0" smtClean="0"/>
-              <a:t>Cluster validation</a:t>
+              <a:t>Cluster analysis</a:t>
             </a:r>
             <a:endParaRPr lang="en-US" dirty="0"/>
           </a:p>
@@ -31735,7 +30478,172 @@
               <a:pPr>
                 <a:defRPr/>
               </a:pPr>
-              <a:t>73</a:t>
+              <a:t>7</a:t>
+            </a:fld>
+            <a:endParaRPr lang="en-US"/>
+          </a:p>
+        </p:txBody>
+      </p:sp>
+      <p:sp>
+        <p:nvSpPr>
+          <p:cNvPr id="9" name="TextBox 8"/>
+          <p:cNvSpPr txBox="1"/>
+          <p:nvPr/>
+        </p:nvSpPr>
+        <p:spPr>
+          <a:xfrm>
+            <a:off x="566737" y="1104900"/>
+            <a:ext cx="8382000" cy="1477328"/>
+          </a:xfrm>
+          <a:prstGeom prst="rect">
+            <a:avLst/>
+          </a:prstGeom>
+          <a:noFill/>
+        </p:spPr>
+        <p:txBody>
+          <a:bodyPr wrap="square" rtlCol="0">
+            <a:spAutoFit/>
+          </a:bodyPr>
+          <a:lstStyle/>
+          <a:p>
+            <a:pPr algn="l"/>
+            <a:r>
+              <a:rPr lang="en-US" sz="3000" dirty="0" smtClean="0">
+                <a:latin typeface="PFDinTextCompPro-Italic"/>
+                <a:cs typeface="PFDinTextCompPro-Italic"/>
+              </a:rPr>
+              <a:t>Q:  What is a cluster?</a:t>
+            </a:r>
+          </a:p>
+          <a:p>
+            <a:pPr algn="l"/>
+            <a:endParaRPr lang="en-US" sz="3000" dirty="0">
+              <a:latin typeface="PFDinTextCompPro-Italic"/>
+              <a:cs typeface="PFDinTextCompPro-Italic"/>
+            </a:endParaRPr>
+          </a:p>
+          <a:p>
+            <a:pPr algn="l"/>
+            <a:r>
+              <a:rPr lang="en-US" sz="3000" dirty="0" smtClean="0">
+                <a:latin typeface="PFDinTextCompPro-Italic"/>
+                <a:cs typeface="PFDinTextCompPro-Italic"/>
+              </a:rPr>
+              <a:t>A:  A group of </a:t>
+            </a:r>
+            <a:r>
+              <a:rPr lang="en-US" sz="3000" dirty="0" smtClean="0">
+                <a:latin typeface="PFDinTextCompPro-Medium"/>
+                <a:cs typeface="PFDinTextCompPro-Medium"/>
+              </a:rPr>
+              <a:t>similar</a:t>
+            </a:r>
+            <a:r>
+              <a:rPr lang="en-US" sz="3000" dirty="0" smtClean="0">
+                <a:latin typeface="PFDinTextCompPro-Italic"/>
+                <a:cs typeface="PFDinTextCompPro-Italic"/>
+              </a:rPr>
+              <a:t> data points.</a:t>
+            </a:r>
+          </a:p>
+        </p:txBody>
+      </p:sp>
+    </p:spTree>
+    <p:extLst>
+      <p:ext uri="{BB962C8B-B14F-4D97-AF65-F5344CB8AC3E}">
+        <p14:creationId xmlns:p14="http://schemas.microsoft.com/office/powerpoint/2010/main" val="3885389370"/>
+      </p:ext>
+    </p:extLst>
+  </p:cSld>
+  <p:clrMapOvr>
+    <a:masterClrMapping/>
+  </p:clrMapOvr>
+  <p:transition xmlns:p14="http://schemas.microsoft.com/office/powerpoint/2010/main"/>
+  <p:timing>
+    <p:tnLst>
+      <p:par>
+        <p:cTn xmlns:p14="http://schemas.microsoft.com/office/powerpoint/2010/main" id="1" dur="indefinite" restart="never" nodeType="tmRoot"/>
+      </p:par>
+    </p:tnLst>
+  </p:timing>
+</p:sld>
+</file>
+
+<file path=ppt/slides/slide70.xml><?xml version="1.0" encoding="utf-8"?>
+<p:sld xmlns:a="http://schemas.openxmlformats.org/drawingml/2006/main" xmlns:r="http://schemas.openxmlformats.org/officeDocument/2006/relationships" xmlns:p="http://schemas.openxmlformats.org/presentationml/2006/main">
+  <p:cSld>
+    <p:spTree>
+      <p:nvGrpSpPr>
+        <p:cNvPr id="1" name=""/>
+        <p:cNvGrpSpPr/>
+        <p:nvPr/>
+      </p:nvGrpSpPr>
+      <p:grpSpPr>
+        <a:xfrm>
+          <a:off x="0" y="0"/>
+          <a:ext cx="0" cy="0"/>
+          <a:chOff x="0" y="0"/>
+          <a:chExt cx="0" cy="0"/>
+        </a:xfrm>
+      </p:grpSpPr>
+      <p:sp>
+        <p:nvSpPr>
+          <p:cNvPr id="4" name="Content Placeholder 3"/>
+          <p:cNvSpPr>
+            <a:spLocks noGrp="1"/>
+          </p:cNvSpPr>
+          <p:nvPr>
+            <p:ph sz="quarter" idx="11"/>
+          </p:nvPr>
+        </p:nvSpPr>
+        <p:spPr>
+          <a:xfrm>
+            <a:off x="414337" y="495300"/>
+            <a:ext cx="6400800" cy="304800"/>
+          </a:xfrm>
+        </p:spPr>
+        <p:txBody>
+          <a:bodyPr/>
+          <a:lstStyle/>
+          <a:p>
+            <a:pPr eaLnBrk="1" hangingPunct="1">
+              <a:lnSpc>
+                <a:spcPts val="2448"/>
+              </a:lnSpc>
+              <a:defRPr/>
+            </a:pPr>
+            <a:r>
+              <a:rPr lang="en-US" dirty="0" smtClean="0"/>
+              <a:t>Cluster validation</a:t>
+            </a:r>
+            <a:endParaRPr lang="en-US" dirty="0"/>
+          </a:p>
+        </p:txBody>
+      </p:sp>
+      <p:sp>
+        <p:nvSpPr>
+          <p:cNvPr id="8" name="Slide Number Placeholder 3"/>
+          <p:cNvSpPr>
+            <a:spLocks noGrp="1"/>
+          </p:cNvSpPr>
+          <p:nvPr>
+            <p:ph type="sldNum" sz="quarter" idx="13"/>
+          </p:nvPr>
+        </p:nvSpPr>
+        <p:spPr/>
+        <p:txBody>
+          <a:bodyPr/>
+          <a:lstStyle/>
+          <a:p>
+            <a:pPr>
+              <a:defRPr/>
+            </a:pPr>
+            <a:fld id="{BD5AD749-DAD1-6A4A-A2AA-CB20EAD0AEB7}" type="slidenum">
+              <a:rPr lang="en-US"/>
+              <a:pPr>
+                <a:defRPr/>
+              </a:pPr>
+              <a:t>70</a:t>
             </a:fld>
             <a:endParaRPr lang="en-US"/>
           </a:p>
@@ -31895,7 +30803,7 @@
 </p:sld>
 </file>
 
-<file path=ppt/slides/slide74.xml><?xml version="1.0" encoding="utf-8"?>
+<file path=ppt/slides/slide71.xml><?xml version="1.0" encoding="utf-8"?>
 <p:sld xmlns:a="http://schemas.openxmlformats.org/drawingml/2006/main" xmlns:r="http://schemas.openxmlformats.org/officeDocument/2006/relationships" xmlns:p="http://schemas.openxmlformats.org/presentationml/2006/main">
   <p:cSld>
     <p:spTree>
@@ -31969,7 +30877,7 @@
               <a:pPr>
                 <a:defRPr/>
               </a:pPr>
-              <a:t>74</a:t>
+              <a:t>71</a:t>
             </a:fld>
             <a:endParaRPr lang="en-US"/>
           </a:p>
@@ -32036,7 +30944,7 @@
 </p:sld>
 </file>
 
-<file path=ppt/slides/slide75.xml><?xml version="1.0" encoding="utf-8"?>
+<file path=ppt/slides/slide72.xml><?xml version="1.0" encoding="utf-8"?>
 <p:sld xmlns:a="http://schemas.openxmlformats.org/drawingml/2006/main" xmlns:r="http://schemas.openxmlformats.org/officeDocument/2006/relationships" xmlns:p="http://schemas.openxmlformats.org/presentationml/2006/main">
   <p:cSld>
     <p:spTree>
@@ -32110,7 +31018,7 @@
               <a:pPr>
                 <a:defRPr/>
               </a:pPr>
-              <a:t>75</a:t>
+              <a:t>72</a:t>
             </a:fld>
             <a:endParaRPr lang="en-US"/>
           </a:p>
@@ -32420,7 +31328,7 @@
 </p:sld>
 </file>
 
-<file path=ppt/slides/slide76.xml><?xml version="1.0" encoding="utf-8"?>
+<file path=ppt/slides/slide73.xml><?xml version="1.0" encoding="utf-8"?>
 <p:sld xmlns:a="http://schemas.openxmlformats.org/drawingml/2006/main" xmlns:r="http://schemas.openxmlformats.org/officeDocument/2006/relationships" xmlns:p="http://schemas.openxmlformats.org/presentationml/2006/main">
   <p:cSld>
     <p:spTree>
@@ -32494,7 +31402,7 @@
               <a:pPr>
                 <a:defRPr/>
               </a:pPr>
-              <a:t>76</a:t>
+              <a:t>73</a:t>
             </a:fld>
             <a:endParaRPr lang="en-US"/>
           </a:p>
@@ -32606,7 +31514,7 @@
 </p:sld>
 </file>
 
-<file path=ppt/slides/slide77.xml><?xml version="1.0" encoding="utf-8"?>
+<file path=ppt/slides/slide74.xml><?xml version="1.0" encoding="utf-8"?>
 <p:sld xmlns:a="http://schemas.openxmlformats.org/drawingml/2006/main" xmlns:r="http://schemas.openxmlformats.org/officeDocument/2006/relationships" xmlns:p="http://schemas.openxmlformats.org/presentationml/2006/main">
   <p:cSld>
     <p:spTree>
@@ -32679,7 +31587,7 @@
               <a:pPr>
                 <a:defRPr/>
               </a:pPr>
-              <a:t>77</a:t>
+              <a:t>74</a:t>
             </a:fld>
             <a:endParaRPr lang="en-US"/>
           </a:p>
@@ -32804,7 +31712,7 @@
 </p:sld>
 </file>
 
-<file path=ppt/slides/slide78.xml><?xml version="1.0" encoding="utf-8"?>
+<file path=ppt/slides/slide75.xml><?xml version="1.0" encoding="utf-8"?>
 <p:sld xmlns:a="http://schemas.openxmlformats.org/drawingml/2006/main" xmlns:r="http://schemas.openxmlformats.org/officeDocument/2006/relationships" xmlns:p="http://schemas.openxmlformats.org/presentationml/2006/main">
   <p:cSld>
     <p:spTree>
@@ -32878,7 +31786,7 @@
               <a:pPr>
                 <a:defRPr/>
               </a:pPr>
-              <a:t>78</a:t>
+              <a:t>75</a:t>
             </a:fld>
             <a:endParaRPr lang="en-US"/>
           </a:p>
@@ -33018,7 +31926,7 @@
 </p:sld>
 </file>
 
-<file path=ppt/slides/slide79.xml><?xml version="1.0" encoding="utf-8"?>
+<file path=ppt/slides/slide76.xml><?xml version="1.0" encoding="utf-8"?>
 <p:sld xmlns:a="http://schemas.openxmlformats.org/drawingml/2006/main" xmlns:r="http://schemas.openxmlformats.org/officeDocument/2006/relationships" xmlns:p="http://schemas.openxmlformats.org/presentationml/2006/main">
   <p:cSld>
     <p:spTree>
@@ -33092,7 +32000,7 @@
               <a:pPr>
                 <a:defRPr/>
               </a:pPr>
-              <a:t>79</a:t>
+              <a:t>76</a:t>
             </a:fld>
             <a:endParaRPr lang="en-US"/>
           </a:p>
@@ -33280,7 +32188,7 @@
 </p:sld>
 </file>
 
-<file path=ppt/slides/slide8.xml><?xml version="1.0" encoding="utf-8"?>
+<file path=ppt/slides/slide77.xml><?xml version="1.0" encoding="utf-8"?>
 <p:sld xmlns:a="http://schemas.openxmlformats.org/drawingml/2006/main" xmlns:r="http://schemas.openxmlformats.org/officeDocument/2006/relationships" xmlns:p="http://schemas.openxmlformats.org/presentationml/2006/main">
   <p:cSld>
     <p:spTree>
@@ -33325,7 +32233,7 @@
             </a:pPr>
             <a:r>
               <a:rPr lang="en-US" dirty="0" smtClean="0"/>
-              <a:t>Cluster analysis</a:t>
+              <a:t>Silhouette coefficient</a:t>
             </a:r>
             <a:endParaRPr lang="en-US" dirty="0"/>
           </a:p>
@@ -33354,191 +32262,7 @@
               <a:pPr>
                 <a:defRPr/>
               </a:pPr>
-              <a:t>8</a:t>
-            </a:fld>
-            <a:endParaRPr lang="en-US"/>
-          </a:p>
-        </p:txBody>
-      </p:sp>
-      <p:sp>
-        <p:nvSpPr>
-          <p:cNvPr id="9" name="TextBox 8"/>
-          <p:cNvSpPr txBox="1"/>
-          <p:nvPr/>
-        </p:nvSpPr>
-        <p:spPr>
-          <a:xfrm>
-            <a:off x="566737" y="1104900"/>
-            <a:ext cx="8382000" cy="2862322"/>
-          </a:xfrm>
-          <a:prstGeom prst="rect">
-            <a:avLst/>
-          </a:prstGeom>
-          <a:noFill/>
-        </p:spPr>
-        <p:txBody>
-          <a:bodyPr wrap="square" rtlCol="0">
-            <a:spAutoFit/>
-          </a:bodyPr>
-          <a:lstStyle/>
-          <a:p>
-            <a:pPr algn="l"/>
-            <a:r>
-              <a:rPr lang="en-US" sz="3000" dirty="0" smtClean="0">
-                <a:latin typeface="PFDinTextCompPro-Italic"/>
-                <a:cs typeface="PFDinTextCompPro-Italic"/>
-              </a:rPr>
-              <a:t>Q:  What is a cluster?</a:t>
-            </a:r>
-          </a:p>
-          <a:p>
-            <a:pPr algn="l"/>
-            <a:endParaRPr lang="en-US" sz="3000" dirty="0">
-              <a:latin typeface="PFDinTextCompPro-Italic"/>
-              <a:cs typeface="PFDinTextCompPro-Italic"/>
-            </a:endParaRPr>
-          </a:p>
-          <a:p>
-            <a:pPr algn="l"/>
-            <a:r>
-              <a:rPr lang="en-US" sz="3000" dirty="0" smtClean="0">
-                <a:latin typeface="PFDinTextCompPro-Italic"/>
-                <a:cs typeface="PFDinTextCompPro-Italic"/>
-              </a:rPr>
-              <a:t>A:  A group of </a:t>
-            </a:r>
-            <a:r>
-              <a:rPr lang="en-US" sz="3000" dirty="0" smtClean="0">
-                <a:latin typeface="PFDinTextCompPro-Medium"/>
-                <a:cs typeface="PFDinTextCompPro-Medium"/>
-              </a:rPr>
-              <a:t>similar</a:t>
-            </a:r>
-            <a:r>
-              <a:rPr lang="en-US" sz="3000" dirty="0" smtClean="0">
-                <a:latin typeface="PFDinTextCompPro-Italic"/>
-                <a:cs typeface="PFDinTextCompPro-Italic"/>
-              </a:rPr>
-              <a:t> data points.</a:t>
-            </a:r>
-          </a:p>
-          <a:p>
-            <a:pPr algn="l"/>
-            <a:endParaRPr lang="en-US" sz="3000" dirty="0">
-              <a:latin typeface="PFDinTextCompPro-Italic"/>
-              <a:cs typeface="PFDinTextCompPro-Italic"/>
-              <a:sym typeface="Wingdings"/>
-            </a:endParaRPr>
-          </a:p>
-          <a:p>
-            <a:pPr algn="l"/>
-            <a:r>
-              <a:rPr lang="en-US" sz="3000" dirty="0" smtClean="0">
-                <a:latin typeface="PFDinTextCompPro-Italic"/>
-                <a:cs typeface="PFDinTextCompPro-Italic"/>
-                <a:sym typeface="Wingdings"/>
-              </a:rPr>
-              <a:t>The concept of similarity is central to the definition of a cluster, and therefore to cluster analysis.</a:t>
-            </a:r>
-          </a:p>
-        </p:txBody>
-      </p:sp>
-    </p:spTree>
-    <p:extLst>
-      <p:ext uri="{BB962C8B-B14F-4D97-AF65-F5344CB8AC3E}">
-        <p14:creationId xmlns:p14="http://schemas.microsoft.com/office/powerpoint/2010/main" val="4116018342"/>
-      </p:ext>
-    </p:extLst>
-  </p:cSld>
-  <p:clrMapOvr>
-    <a:masterClrMapping/>
-  </p:clrMapOvr>
-  <p:transition xmlns:p14="http://schemas.microsoft.com/office/powerpoint/2010/main"/>
-  <p:timing>
-    <p:tnLst>
-      <p:par>
-        <p:cTn xmlns:p14="http://schemas.microsoft.com/office/powerpoint/2010/main" id="1" dur="indefinite" restart="never" nodeType="tmRoot"/>
-      </p:par>
-    </p:tnLst>
-  </p:timing>
-</p:sld>
-</file>
-
-<file path=ppt/slides/slide80.xml><?xml version="1.0" encoding="utf-8"?>
-<p:sld xmlns:a="http://schemas.openxmlformats.org/drawingml/2006/main" xmlns:r="http://schemas.openxmlformats.org/officeDocument/2006/relationships" xmlns:p="http://schemas.openxmlformats.org/presentationml/2006/main">
-  <p:cSld>
-    <p:spTree>
-      <p:nvGrpSpPr>
-        <p:cNvPr id="1" name=""/>
-        <p:cNvGrpSpPr/>
-        <p:nvPr/>
-      </p:nvGrpSpPr>
-      <p:grpSpPr>
-        <a:xfrm>
-          <a:off x="0" y="0"/>
-          <a:ext cx="0" cy="0"/>
-          <a:chOff x="0" y="0"/>
-          <a:chExt cx="0" cy="0"/>
-        </a:xfrm>
-      </p:grpSpPr>
-      <p:sp>
-        <p:nvSpPr>
-          <p:cNvPr id="4" name="Content Placeholder 3"/>
-          <p:cNvSpPr>
-            <a:spLocks noGrp="1"/>
-          </p:cNvSpPr>
-          <p:nvPr>
-            <p:ph sz="quarter" idx="11"/>
-          </p:nvPr>
-        </p:nvSpPr>
-        <p:spPr>
-          <a:xfrm>
-            <a:off x="414337" y="495300"/>
-            <a:ext cx="6400800" cy="304800"/>
-          </a:xfrm>
-        </p:spPr>
-        <p:txBody>
-          <a:bodyPr/>
-          <a:lstStyle/>
-          <a:p>
-            <a:pPr eaLnBrk="1" hangingPunct="1">
-              <a:lnSpc>
-                <a:spcPts val="2448"/>
-              </a:lnSpc>
-              <a:defRPr/>
-            </a:pPr>
-            <a:r>
-              <a:rPr lang="en-US" dirty="0" smtClean="0"/>
-              <a:t>Silhouette coefficient</a:t>
-            </a:r>
-            <a:endParaRPr lang="en-US" dirty="0"/>
-          </a:p>
-        </p:txBody>
-      </p:sp>
-      <p:sp>
-        <p:nvSpPr>
-          <p:cNvPr id="8" name="Slide Number Placeholder 3"/>
-          <p:cNvSpPr>
-            <a:spLocks noGrp="1"/>
-          </p:cNvSpPr>
-          <p:nvPr>
-            <p:ph type="sldNum" sz="quarter" idx="13"/>
-          </p:nvPr>
-        </p:nvSpPr>
-        <p:spPr/>
-        <p:txBody>
-          <a:bodyPr/>
-          <a:lstStyle/>
-          <a:p>
-            <a:pPr>
-              <a:defRPr/>
-            </a:pPr>
-            <a:fld id="{BD5AD749-DAD1-6A4A-A2AA-CB20EAD0AEB7}" type="slidenum">
-              <a:rPr lang="en-US"/>
-              <a:pPr>
-                <a:defRPr/>
-              </a:pPr>
-              <a:t>80</a:t>
+              <a:t>77</a:t>
             </a:fld>
             <a:endParaRPr lang="en-US"/>
           </a:p>
@@ -33950,6 +32674,674 @@
 </p:sld>
 </file>
 
+<file path=ppt/slides/slide78.xml><?xml version="1.0" encoding="utf-8"?>
+<p:sld xmlns:a="http://schemas.openxmlformats.org/drawingml/2006/main" xmlns:r="http://schemas.openxmlformats.org/officeDocument/2006/relationships" xmlns:p="http://schemas.openxmlformats.org/presentationml/2006/main">
+  <p:cSld>
+    <p:spTree>
+      <p:nvGrpSpPr>
+        <p:cNvPr id="1" name=""/>
+        <p:cNvGrpSpPr/>
+        <p:nvPr/>
+      </p:nvGrpSpPr>
+      <p:grpSpPr>
+        <a:xfrm>
+          <a:off x="0" y="0"/>
+          <a:ext cx="0" cy="0"/>
+          <a:chOff x="0" y="0"/>
+          <a:chExt cx="0" cy="0"/>
+        </a:xfrm>
+      </p:grpSpPr>
+      <p:sp>
+        <p:nvSpPr>
+          <p:cNvPr id="4" name="Content Placeholder 3"/>
+          <p:cNvSpPr>
+            <a:spLocks noGrp="1"/>
+          </p:cNvSpPr>
+          <p:nvPr>
+            <p:ph sz="quarter" idx="11"/>
+          </p:nvPr>
+        </p:nvSpPr>
+        <p:spPr>
+          <a:xfrm>
+            <a:off x="414337" y="495300"/>
+            <a:ext cx="6400800" cy="304800"/>
+          </a:xfrm>
+        </p:spPr>
+        <p:txBody>
+          <a:bodyPr/>
+          <a:lstStyle/>
+          <a:p>
+            <a:pPr eaLnBrk="1" hangingPunct="1">
+              <a:lnSpc>
+                <a:spcPts val="2448"/>
+              </a:lnSpc>
+              <a:defRPr/>
+            </a:pPr>
+            <a:r>
+              <a:rPr lang="en-US" dirty="0" smtClean="0"/>
+              <a:t>Cluster validation</a:t>
+            </a:r>
+            <a:endParaRPr lang="en-US" dirty="0"/>
+          </a:p>
+        </p:txBody>
+      </p:sp>
+      <p:sp>
+        <p:nvSpPr>
+          <p:cNvPr id="8" name="Slide Number Placeholder 3"/>
+          <p:cNvSpPr>
+            <a:spLocks noGrp="1"/>
+          </p:cNvSpPr>
+          <p:nvPr>
+            <p:ph type="sldNum" sz="quarter" idx="13"/>
+          </p:nvPr>
+        </p:nvSpPr>
+        <p:spPr/>
+        <p:txBody>
+          <a:bodyPr/>
+          <a:lstStyle/>
+          <a:p>
+            <a:pPr>
+              <a:defRPr/>
+            </a:pPr>
+            <a:fld id="{BD5AD749-DAD1-6A4A-A2AA-CB20EAD0AEB7}" type="slidenum">
+              <a:rPr lang="en-US"/>
+              <a:pPr>
+                <a:defRPr/>
+              </a:pPr>
+              <a:t>78</a:t>
+            </a:fld>
+            <a:endParaRPr lang="en-US"/>
+          </a:p>
+        </p:txBody>
+      </p:sp>
+      <p:sp>
+        <p:nvSpPr>
+          <p:cNvPr id="9" name="TextBox 8"/>
+          <p:cNvSpPr txBox="1"/>
+          <p:nvPr/>
+        </p:nvSpPr>
+        <p:spPr>
+          <a:xfrm>
+            <a:off x="566737" y="1104900"/>
+            <a:ext cx="8382000" cy="1477328"/>
+          </a:xfrm>
+          <a:prstGeom prst="rect">
+            <a:avLst/>
+          </a:prstGeom>
+          <a:noFill/>
+        </p:spPr>
+        <p:txBody>
+          <a:bodyPr wrap="square" rtlCol="0">
+            <a:spAutoFit/>
+          </a:bodyPr>
+          <a:lstStyle/>
+          <a:p>
+            <a:pPr algn="l"/>
+            <a:r>
+              <a:rPr lang="en-US" sz="3000" dirty="0">
+                <a:latin typeface="PFDinTextCompPro-Italic"/>
+                <a:cs typeface="PFDinTextCompPro-Italic"/>
+              </a:rPr>
+              <a:t>An alternative validation scheme is given by comparing the similarity matrix with an idealized (0/1) similarity matrix that represents the same clustering configuration.</a:t>
+            </a:r>
+          </a:p>
+        </p:txBody>
+      </p:sp>
+    </p:spTree>
+    <p:extLst>
+      <p:ext uri="{BB962C8B-B14F-4D97-AF65-F5344CB8AC3E}">
+        <p14:creationId xmlns:p14="http://schemas.microsoft.com/office/powerpoint/2010/main" val="2226511754"/>
+      </p:ext>
+    </p:extLst>
+  </p:cSld>
+  <p:clrMapOvr>
+    <a:masterClrMapping/>
+  </p:clrMapOvr>
+  <p:transition xmlns:p14="http://schemas.microsoft.com/office/powerpoint/2010/main"/>
+  <p:timing>
+    <p:tnLst>
+      <p:par>
+        <p:cTn xmlns:p14="http://schemas.microsoft.com/office/powerpoint/2010/main" id="1" dur="indefinite" restart="never" nodeType="tmRoot"/>
+      </p:par>
+    </p:tnLst>
+  </p:timing>
+</p:sld>
+</file>
+
+<file path=ppt/slides/slide79.xml><?xml version="1.0" encoding="utf-8"?>
+<p:sld xmlns:a="http://schemas.openxmlformats.org/drawingml/2006/main" xmlns:r="http://schemas.openxmlformats.org/officeDocument/2006/relationships" xmlns:p="http://schemas.openxmlformats.org/presentationml/2006/main">
+  <p:cSld>
+    <p:spTree>
+      <p:nvGrpSpPr>
+        <p:cNvPr id="1" name=""/>
+        <p:cNvGrpSpPr/>
+        <p:nvPr/>
+      </p:nvGrpSpPr>
+      <p:grpSpPr>
+        <a:xfrm>
+          <a:off x="0" y="0"/>
+          <a:ext cx="0" cy="0"/>
+          <a:chOff x="0" y="0"/>
+          <a:chExt cx="0" cy="0"/>
+        </a:xfrm>
+      </p:grpSpPr>
+      <p:sp>
+        <p:nvSpPr>
+          <p:cNvPr id="4" name="Content Placeholder 3"/>
+          <p:cNvSpPr>
+            <a:spLocks noGrp="1"/>
+          </p:cNvSpPr>
+          <p:nvPr>
+            <p:ph sz="quarter" idx="11"/>
+          </p:nvPr>
+        </p:nvSpPr>
+        <p:spPr>
+          <a:xfrm>
+            <a:off x="414337" y="495300"/>
+            <a:ext cx="6400800" cy="304800"/>
+          </a:xfrm>
+        </p:spPr>
+        <p:txBody>
+          <a:bodyPr/>
+          <a:lstStyle/>
+          <a:p>
+            <a:pPr eaLnBrk="1" hangingPunct="1">
+              <a:lnSpc>
+                <a:spcPts val="2448"/>
+              </a:lnSpc>
+              <a:defRPr/>
+            </a:pPr>
+            <a:r>
+              <a:rPr lang="en-US" dirty="0" smtClean="0"/>
+              <a:t>Cluster validation</a:t>
+            </a:r>
+            <a:endParaRPr lang="en-US" dirty="0"/>
+          </a:p>
+        </p:txBody>
+      </p:sp>
+      <p:sp>
+        <p:nvSpPr>
+          <p:cNvPr id="8" name="Slide Number Placeholder 3"/>
+          <p:cNvSpPr>
+            <a:spLocks noGrp="1"/>
+          </p:cNvSpPr>
+          <p:nvPr>
+            <p:ph type="sldNum" sz="quarter" idx="13"/>
+          </p:nvPr>
+        </p:nvSpPr>
+        <p:spPr/>
+        <p:txBody>
+          <a:bodyPr/>
+          <a:lstStyle/>
+          <a:p>
+            <a:pPr>
+              <a:defRPr/>
+            </a:pPr>
+            <a:fld id="{BD5AD749-DAD1-6A4A-A2AA-CB20EAD0AEB7}" type="slidenum">
+              <a:rPr lang="en-US"/>
+              <a:pPr>
+                <a:defRPr/>
+              </a:pPr>
+              <a:t>79</a:t>
+            </a:fld>
+            <a:endParaRPr lang="en-US"/>
+          </a:p>
+        </p:txBody>
+      </p:sp>
+      <p:sp>
+        <p:nvSpPr>
+          <p:cNvPr id="9" name="TextBox 8"/>
+          <p:cNvSpPr txBox="1"/>
+          <p:nvPr/>
+        </p:nvSpPr>
+        <p:spPr>
+          <a:xfrm>
+            <a:off x="566737" y="1104900"/>
+            <a:ext cx="8382000" cy="2400657"/>
+          </a:xfrm>
+          <a:prstGeom prst="rect">
+            <a:avLst/>
+          </a:prstGeom>
+          <a:noFill/>
+        </p:spPr>
+        <p:txBody>
+          <a:bodyPr wrap="square" rtlCol="0">
+            <a:spAutoFit/>
+          </a:bodyPr>
+          <a:lstStyle/>
+          <a:p>
+            <a:pPr algn="l"/>
+            <a:r>
+              <a:rPr lang="en-US" sz="3000" dirty="0" smtClean="0">
+                <a:latin typeface="PFDinTextCompPro-Italic"/>
+                <a:cs typeface="PFDinTextCompPro-Italic"/>
+              </a:rPr>
+              <a:t>An alternative validation scheme is given by comparing the similarity matrix with an idealized (0/1) similarity matrix that represents the same clustering configuration.</a:t>
+            </a:r>
+          </a:p>
+          <a:p>
+            <a:pPr algn="l"/>
+            <a:endParaRPr lang="en-US" sz="3000" dirty="0">
+              <a:latin typeface="PFDinTextCompPro-Italic"/>
+              <a:cs typeface="PFDinTextCompPro-Italic"/>
+            </a:endParaRPr>
+          </a:p>
+          <a:p>
+            <a:pPr algn="l"/>
+            <a:r>
+              <a:rPr lang="en-US" sz="3000" dirty="0" smtClean="0">
+                <a:latin typeface="PFDinTextCompPro-Italic"/>
+                <a:cs typeface="PFDinTextCompPro-Italic"/>
+              </a:rPr>
+              <a:t>This can be done either graphically or using correlations.</a:t>
+            </a:r>
+          </a:p>
+        </p:txBody>
+      </p:sp>
+    </p:spTree>
+    <p:extLst>
+      <p:ext uri="{BB962C8B-B14F-4D97-AF65-F5344CB8AC3E}">
+        <p14:creationId xmlns:p14="http://schemas.microsoft.com/office/powerpoint/2010/main" val="4210715164"/>
+      </p:ext>
+    </p:extLst>
+  </p:cSld>
+  <p:clrMapOvr>
+    <a:masterClrMapping/>
+  </p:clrMapOvr>
+  <p:transition xmlns:p14="http://schemas.microsoft.com/office/powerpoint/2010/main"/>
+  <p:timing>
+    <p:tnLst>
+      <p:par>
+        <p:cTn xmlns:p14="http://schemas.microsoft.com/office/powerpoint/2010/main" id="1" dur="indefinite" restart="never" nodeType="tmRoot"/>
+      </p:par>
+    </p:tnLst>
+  </p:timing>
+</p:sld>
+</file>
+
+<file path=ppt/slides/slide8.xml><?xml version="1.0" encoding="utf-8"?>
+<p:sld xmlns:a="http://schemas.openxmlformats.org/drawingml/2006/main" xmlns:r="http://schemas.openxmlformats.org/officeDocument/2006/relationships" xmlns:p="http://schemas.openxmlformats.org/presentationml/2006/main">
+  <p:cSld>
+    <p:spTree>
+      <p:nvGrpSpPr>
+        <p:cNvPr id="1" name=""/>
+        <p:cNvGrpSpPr/>
+        <p:nvPr/>
+      </p:nvGrpSpPr>
+      <p:grpSpPr>
+        <a:xfrm>
+          <a:off x="0" y="0"/>
+          <a:ext cx="0" cy="0"/>
+          <a:chOff x="0" y="0"/>
+          <a:chExt cx="0" cy="0"/>
+        </a:xfrm>
+      </p:grpSpPr>
+      <p:sp>
+        <p:nvSpPr>
+          <p:cNvPr id="4" name="Content Placeholder 3"/>
+          <p:cNvSpPr>
+            <a:spLocks noGrp="1"/>
+          </p:cNvSpPr>
+          <p:nvPr>
+            <p:ph sz="quarter" idx="11"/>
+          </p:nvPr>
+        </p:nvSpPr>
+        <p:spPr>
+          <a:xfrm>
+            <a:off x="414337" y="495300"/>
+            <a:ext cx="6400800" cy="304800"/>
+          </a:xfrm>
+        </p:spPr>
+        <p:txBody>
+          <a:bodyPr/>
+          <a:lstStyle/>
+          <a:p>
+            <a:pPr eaLnBrk="1" hangingPunct="1">
+              <a:lnSpc>
+                <a:spcPts val="2448"/>
+              </a:lnSpc>
+              <a:defRPr/>
+            </a:pPr>
+            <a:r>
+              <a:rPr lang="en-US" dirty="0" smtClean="0"/>
+              <a:t>Cluster analysis</a:t>
+            </a:r>
+            <a:endParaRPr lang="en-US" dirty="0"/>
+          </a:p>
+        </p:txBody>
+      </p:sp>
+      <p:sp>
+        <p:nvSpPr>
+          <p:cNvPr id="8" name="Slide Number Placeholder 3"/>
+          <p:cNvSpPr>
+            <a:spLocks noGrp="1"/>
+          </p:cNvSpPr>
+          <p:nvPr>
+            <p:ph type="sldNum" sz="quarter" idx="13"/>
+          </p:nvPr>
+        </p:nvSpPr>
+        <p:spPr/>
+        <p:txBody>
+          <a:bodyPr/>
+          <a:lstStyle/>
+          <a:p>
+            <a:pPr>
+              <a:defRPr/>
+            </a:pPr>
+            <a:fld id="{BD5AD749-DAD1-6A4A-A2AA-CB20EAD0AEB7}" type="slidenum">
+              <a:rPr lang="en-US"/>
+              <a:pPr>
+                <a:defRPr/>
+              </a:pPr>
+              <a:t>8</a:t>
+            </a:fld>
+            <a:endParaRPr lang="en-US"/>
+          </a:p>
+        </p:txBody>
+      </p:sp>
+      <p:sp>
+        <p:nvSpPr>
+          <p:cNvPr id="9" name="TextBox 8"/>
+          <p:cNvSpPr txBox="1"/>
+          <p:nvPr/>
+        </p:nvSpPr>
+        <p:spPr>
+          <a:xfrm>
+            <a:off x="566737" y="1104900"/>
+            <a:ext cx="8382000" cy="2862322"/>
+          </a:xfrm>
+          <a:prstGeom prst="rect">
+            <a:avLst/>
+          </a:prstGeom>
+          <a:noFill/>
+        </p:spPr>
+        <p:txBody>
+          <a:bodyPr wrap="square" rtlCol="0">
+            <a:spAutoFit/>
+          </a:bodyPr>
+          <a:lstStyle/>
+          <a:p>
+            <a:pPr algn="l"/>
+            <a:r>
+              <a:rPr lang="en-US" sz="3000" dirty="0" smtClean="0">
+                <a:latin typeface="PFDinTextCompPro-Italic"/>
+                <a:cs typeface="PFDinTextCompPro-Italic"/>
+              </a:rPr>
+              <a:t>Q:  What is a cluster?</a:t>
+            </a:r>
+          </a:p>
+          <a:p>
+            <a:pPr algn="l"/>
+            <a:endParaRPr lang="en-US" sz="3000" dirty="0">
+              <a:latin typeface="PFDinTextCompPro-Italic"/>
+              <a:cs typeface="PFDinTextCompPro-Italic"/>
+            </a:endParaRPr>
+          </a:p>
+          <a:p>
+            <a:pPr algn="l"/>
+            <a:r>
+              <a:rPr lang="en-US" sz="3000" dirty="0" smtClean="0">
+                <a:latin typeface="PFDinTextCompPro-Italic"/>
+                <a:cs typeface="PFDinTextCompPro-Italic"/>
+              </a:rPr>
+              <a:t>A:  A group of </a:t>
+            </a:r>
+            <a:r>
+              <a:rPr lang="en-US" sz="3000" dirty="0" smtClean="0">
+                <a:latin typeface="PFDinTextCompPro-Medium"/>
+                <a:cs typeface="PFDinTextCompPro-Medium"/>
+              </a:rPr>
+              <a:t>similar</a:t>
+            </a:r>
+            <a:r>
+              <a:rPr lang="en-US" sz="3000" dirty="0" smtClean="0">
+                <a:latin typeface="PFDinTextCompPro-Italic"/>
+                <a:cs typeface="PFDinTextCompPro-Italic"/>
+              </a:rPr>
+              <a:t> data points.</a:t>
+            </a:r>
+          </a:p>
+          <a:p>
+            <a:pPr algn="l"/>
+            <a:endParaRPr lang="en-US" sz="3000" dirty="0">
+              <a:latin typeface="PFDinTextCompPro-Italic"/>
+              <a:cs typeface="PFDinTextCompPro-Italic"/>
+              <a:sym typeface="Wingdings"/>
+            </a:endParaRPr>
+          </a:p>
+          <a:p>
+            <a:pPr algn="l"/>
+            <a:r>
+              <a:rPr lang="en-US" sz="3000" dirty="0" smtClean="0">
+                <a:latin typeface="PFDinTextCompPro-Italic"/>
+                <a:cs typeface="PFDinTextCompPro-Italic"/>
+                <a:sym typeface="Wingdings"/>
+              </a:rPr>
+              <a:t>The concept of similarity is central to the definition of a cluster, and therefore to cluster analysis.</a:t>
+            </a:r>
+          </a:p>
+        </p:txBody>
+      </p:sp>
+    </p:spTree>
+    <p:extLst>
+      <p:ext uri="{BB962C8B-B14F-4D97-AF65-F5344CB8AC3E}">
+        <p14:creationId xmlns:p14="http://schemas.microsoft.com/office/powerpoint/2010/main" val="4116018342"/>
+      </p:ext>
+    </p:extLst>
+  </p:cSld>
+  <p:clrMapOvr>
+    <a:masterClrMapping/>
+  </p:clrMapOvr>
+  <p:transition xmlns:p14="http://schemas.microsoft.com/office/powerpoint/2010/main"/>
+  <p:timing>
+    <p:tnLst>
+      <p:par>
+        <p:cTn xmlns:p14="http://schemas.microsoft.com/office/powerpoint/2010/main" id="1" dur="indefinite" restart="never" nodeType="tmRoot"/>
+      </p:par>
+    </p:tnLst>
+  </p:timing>
+</p:sld>
+</file>
+
+<file path=ppt/slides/slide80.xml><?xml version="1.0" encoding="utf-8"?>
+<p:sld xmlns:a="http://schemas.openxmlformats.org/drawingml/2006/main" xmlns:r="http://schemas.openxmlformats.org/officeDocument/2006/relationships" xmlns:p="http://schemas.openxmlformats.org/presentationml/2006/main">
+  <p:cSld>
+    <p:spTree>
+      <p:nvGrpSpPr>
+        <p:cNvPr id="1" name=""/>
+        <p:cNvGrpSpPr/>
+        <p:nvPr/>
+      </p:nvGrpSpPr>
+      <p:grpSpPr>
+        <a:xfrm>
+          <a:off x="0" y="0"/>
+          <a:ext cx="0" cy="0"/>
+          <a:chOff x="0" y="0"/>
+          <a:chExt cx="0" cy="0"/>
+        </a:xfrm>
+      </p:grpSpPr>
+      <p:sp>
+        <p:nvSpPr>
+          <p:cNvPr id="4" name="Content Placeholder 3"/>
+          <p:cNvSpPr>
+            <a:spLocks noGrp="1"/>
+          </p:cNvSpPr>
+          <p:nvPr>
+            <p:ph sz="quarter" idx="11"/>
+          </p:nvPr>
+        </p:nvSpPr>
+        <p:spPr>
+          <a:xfrm>
+            <a:off x="414337" y="495300"/>
+            <a:ext cx="6400800" cy="304800"/>
+          </a:xfrm>
+        </p:spPr>
+        <p:txBody>
+          <a:bodyPr/>
+          <a:lstStyle/>
+          <a:p>
+            <a:pPr eaLnBrk="1" hangingPunct="1">
+              <a:lnSpc>
+                <a:spcPts val="2448"/>
+              </a:lnSpc>
+              <a:defRPr/>
+            </a:pPr>
+            <a:r>
+              <a:rPr lang="en-US" dirty="0" smtClean="0"/>
+              <a:t>Cluster validation</a:t>
+            </a:r>
+            <a:endParaRPr lang="en-US" dirty="0"/>
+          </a:p>
+        </p:txBody>
+      </p:sp>
+      <p:sp>
+        <p:nvSpPr>
+          <p:cNvPr id="8" name="Slide Number Placeholder 3"/>
+          <p:cNvSpPr>
+            <a:spLocks noGrp="1"/>
+          </p:cNvSpPr>
+          <p:nvPr>
+            <p:ph type="sldNum" sz="quarter" idx="13"/>
+          </p:nvPr>
+        </p:nvSpPr>
+        <p:spPr/>
+        <p:txBody>
+          <a:bodyPr/>
+          <a:lstStyle/>
+          <a:p>
+            <a:pPr>
+              <a:defRPr/>
+            </a:pPr>
+            <a:fld id="{BD5AD749-DAD1-6A4A-A2AA-CB20EAD0AEB7}" type="slidenum">
+              <a:rPr lang="en-US"/>
+              <a:pPr>
+                <a:defRPr/>
+              </a:pPr>
+              <a:t>80</a:t>
+            </a:fld>
+            <a:endParaRPr lang="en-US"/>
+          </a:p>
+        </p:txBody>
+      </p:sp>
+      <p:pic>
+        <p:nvPicPr>
+          <p:cNvPr id="2" name="Picture 1"/>
+          <p:cNvPicPr>
+            <a:picLocks noChangeAspect="1"/>
+          </p:cNvPicPr>
+          <p:nvPr/>
+        </p:nvPicPr>
+        <p:blipFill>
+          <a:blip r:embed="rId3"/>
+          <a:stretch>
+            <a:fillRect/>
+          </a:stretch>
+        </p:blipFill>
+        <p:spPr>
+          <a:xfrm>
+            <a:off x="1402556" y="1168907"/>
+            <a:ext cx="6557963" cy="3441193"/>
+          </a:xfrm>
+          <a:prstGeom prst="rect">
+            <a:avLst/>
+          </a:prstGeom>
+        </p:spPr>
+      </p:pic>
+      <p:sp>
+        <p:nvSpPr>
+          <p:cNvPr id="6" name="TextBox 5"/>
+          <p:cNvSpPr txBox="1"/>
+          <p:nvPr/>
+        </p:nvSpPr>
+        <p:spPr>
+          <a:xfrm>
+            <a:off x="414337" y="4838700"/>
+            <a:ext cx="3198311" cy="215444"/>
+          </a:xfrm>
+          <a:prstGeom prst="rect">
+            <a:avLst/>
+          </a:prstGeom>
+          <a:noFill/>
+        </p:spPr>
+        <p:txBody>
+          <a:bodyPr wrap="none" rtlCol="0">
+            <a:spAutoFit/>
+          </a:bodyPr>
+          <a:lstStyle/>
+          <a:p>
+            <a:pPr algn="l"/>
+            <a:r>
+              <a:rPr lang="en-US" sz="800" i="1" dirty="0" smtClean="0">
+                <a:latin typeface="+mn-lt"/>
+              </a:rPr>
+              <a:t>source</a:t>
+            </a:r>
+            <a:r>
+              <a:rPr lang="en-US" sz="800" i="1" dirty="0">
+                <a:latin typeface="+mn-lt"/>
+              </a:rPr>
+              <a:t>: http://www-</a:t>
+            </a:r>
+            <a:r>
+              <a:rPr lang="en-US" sz="800" i="1" dirty="0" err="1">
+                <a:latin typeface="+mn-lt"/>
+              </a:rPr>
+              <a:t>users.cs.umn.edu</a:t>
+            </a:r>
+            <a:r>
+              <a:rPr lang="en-US" sz="800" i="1" dirty="0">
+                <a:latin typeface="+mn-lt"/>
+              </a:rPr>
+              <a:t>/~</a:t>
+            </a:r>
+            <a:r>
+              <a:rPr lang="en-US" sz="800" i="1" dirty="0" err="1">
+                <a:latin typeface="+mn-lt"/>
+              </a:rPr>
+              <a:t>kumar</a:t>
+            </a:r>
+            <a:r>
+              <a:rPr lang="en-US" sz="800" i="1" dirty="0">
+                <a:latin typeface="+mn-lt"/>
+              </a:rPr>
+              <a:t>/</a:t>
+            </a:r>
+            <a:r>
+              <a:rPr lang="en-US" sz="800" i="1" dirty="0" err="1">
+                <a:latin typeface="+mn-lt"/>
+              </a:rPr>
+              <a:t>dmbook</a:t>
+            </a:r>
+            <a:r>
+              <a:rPr lang="en-US" sz="800" i="1" dirty="0">
+                <a:latin typeface="+mn-lt"/>
+              </a:rPr>
+              <a:t>/ch8.pdf</a:t>
+            </a:r>
+          </a:p>
+        </p:txBody>
+      </p:sp>
+    </p:spTree>
+    <p:extLst>
+      <p:ext uri="{BB962C8B-B14F-4D97-AF65-F5344CB8AC3E}">
+        <p14:creationId xmlns:p14="http://schemas.microsoft.com/office/powerpoint/2010/main" val="2922184080"/>
+      </p:ext>
+    </p:extLst>
+  </p:cSld>
+  <p:clrMapOvr>
+    <a:masterClrMapping/>
+  </p:clrMapOvr>
+  <p:transition xmlns:p14="http://schemas.microsoft.com/office/powerpoint/2010/main"/>
+  <p:timing>
+    <p:tnLst>
+      <p:par>
+        <p:cTn xmlns:p14="http://schemas.microsoft.com/office/powerpoint/2010/main" id="1" dur="indefinite" restart="never" nodeType="tmRoot"/>
+      </p:par>
+    </p:tnLst>
+  </p:timing>
+</p:sld>
+</file>
+
 <file path=ppt/slides/slide81.xml><?xml version="1.0" encoding="utf-8"?>
 <p:sld xmlns:a="http://schemas.openxmlformats.org/drawingml/2006/main" xmlns:r="http://schemas.openxmlformats.org/officeDocument/2006/relationships" xmlns:p="http://schemas.openxmlformats.org/presentationml/2006/main">
   <p:cSld>
@@ -34039,7 +33431,7 @@
         <p:spPr>
           <a:xfrm>
             <a:off x="566737" y="1104900"/>
-            <a:ext cx="8382000" cy="1477328"/>
+            <a:ext cx="8382000" cy="1015663"/>
           </a:xfrm>
           <a:prstGeom prst="rect">
             <a:avLst/>
@@ -34054,11 +33446,11 @@
           <a:p>
             <a:pPr algn="l"/>
             <a:r>
-              <a:rPr lang="en-US" sz="3000" dirty="0">
+              <a:rPr lang="en-US" sz="3000" dirty="0" smtClean="0">
                 <a:latin typeface="PFDinTextCompPro-Italic"/>
                 <a:cs typeface="PFDinTextCompPro-Italic"/>
               </a:rPr>
-              <a:t>An alternative validation scheme is given by comparing the similarity matrix with an idealized (0/1) similarity matrix that represents the same clustering configuration.</a:t>
+              <a:t>One useful application of cluster validation is to determine the best number of clusters for your dataset.</a:t>
             </a:r>
           </a:p>
         </p:txBody>
@@ -34066,7 +33458,7 @@
     </p:spTree>
     <p:extLst>
       <p:ext uri="{BB962C8B-B14F-4D97-AF65-F5344CB8AC3E}">
-        <p14:creationId xmlns:p14="http://schemas.microsoft.com/office/powerpoint/2010/main" val="2226511754"/>
+        <p14:creationId xmlns:p14="http://schemas.microsoft.com/office/powerpoint/2010/main" val="2458027700"/>
       </p:ext>
     </p:extLst>
   </p:cSld>
@@ -34173,7 +33565,7 @@
         <p:spPr>
           <a:xfrm>
             <a:off x="566737" y="1104900"/>
-            <a:ext cx="8382000" cy="2400657"/>
+            <a:ext cx="8382000" cy="1938992"/>
           </a:xfrm>
           <a:prstGeom prst="rect">
             <a:avLst/>
@@ -34192,7 +33584,7 @@
                 <a:latin typeface="PFDinTextCompPro-Italic"/>
                 <a:cs typeface="PFDinTextCompPro-Italic"/>
               </a:rPr>
-              <a:t>An alternative validation scheme is given by comparing the similarity matrix with an idealized (0/1) similarity matrix that represents the same clustering configuration.</a:t>
+              <a:t>One useful application of cluster validation is to determine the best number of clusters for your dataset.</a:t>
             </a:r>
           </a:p>
           <a:p>
@@ -34209,7 +33601,7 @@
                 <a:latin typeface="PFDinTextCompPro-Italic"/>
                 <a:cs typeface="PFDinTextCompPro-Italic"/>
               </a:rPr>
-              <a:t>This can be done either graphically or using correlations.</a:t>
+              <a:t>Q:  How would you do this?</a:t>
             </a:r>
           </a:p>
         </p:txBody>
@@ -34217,7 +33609,7 @@
     </p:spTree>
     <p:extLst>
       <p:ext uri="{BB962C8B-B14F-4D97-AF65-F5344CB8AC3E}">
-        <p14:creationId xmlns:p14="http://schemas.microsoft.com/office/powerpoint/2010/main" val="4210715164"/>
+        <p14:creationId xmlns:p14="http://schemas.microsoft.com/office/powerpoint/2010/main" val="870772244"/>
       </p:ext>
     </p:extLst>
   </p:cSld>
@@ -34315,40 +33707,16 @@
           </a:p>
         </p:txBody>
       </p:sp>
-      <p:pic>
-        <p:nvPicPr>
-          <p:cNvPr id="2" name="Picture 1"/>
-          <p:cNvPicPr>
-            <a:picLocks noChangeAspect="1"/>
-          </p:cNvPicPr>
+      <p:sp>
+        <p:nvSpPr>
+          <p:cNvPr id="9" name="TextBox 8"/>
+          <p:cNvSpPr txBox="1"/>
           <p:nvPr/>
-        </p:nvPicPr>
-        <p:blipFill>
-          <a:blip r:embed="rId3"/>
-          <a:stretch>
-            <a:fillRect/>
-          </a:stretch>
-        </p:blipFill>
+        </p:nvSpPr>
         <p:spPr>
           <a:xfrm>
-            <a:off x="1402556" y="1168907"/>
-            <a:ext cx="6557963" cy="3441193"/>
-          </a:xfrm>
-          <a:prstGeom prst="rect">
-            <a:avLst/>
-          </a:prstGeom>
-        </p:spPr>
-      </p:pic>
-      <p:sp>
-        <p:nvSpPr>
-          <p:cNvPr id="6" name="TextBox 5"/>
-          <p:cNvSpPr txBox="1"/>
-          <p:nvPr/>
-        </p:nvSpPr>
-        <p:spPr>
-          <a:xfrm>
-            <a:off x="414337" y="4838700"/>
-            <a:ext cx="3198311" cy="215444"/>
+            <a:off x="566737" y="1104900"/>
+            <a:ext cx="8382000" cy="2400657"/>
           </a:xfrm>
           <a:prstGeom prst="rect">
             <a:avLst/>
@@ -34356,59 +33724,45 @@
           <a:noFill/>
         </p:spPr>
         <p:txBody>
-          <a:bodyPr wrap="none" rtlCol="0">
+          <a:bodyPr wrap="square" rtlCol="0">
             <a:spAutoFit/>
           </a:bodyPr>
           <a:lstStyle/>
           <a:p>
             <a:pPr algn="l"/>
             <a:r>
-              <a:rPr lang="en-US" sz="800" i="1" dirty="0" smtClean="0">
-                <a:latin typeface="+mn-lt"/>
-              </a:rPr>
-              <a:t>source</a:t>
-            </a:r>
-            <a:r>
-              <a:rPr lang="en-US" sz="800" i="1" dirty="0">
-                <a:latin typeface="+mn-lt"/>
-              </a:rPr>
-              <a:t>: http://www-</a:t>
-            </a:r>
-            <a:r>
-              <a:rPr lang="en-US" sz="800" i="1" dirty="0" err="1">
-                <a:latin typeface="+mn-lt"/>
-              </a:rPr>
-              <a:t>users.cs.umn.edu</a:t>
-            </a:r>
-            <a:r>
-              <a:rPr lang="en-US" sz="800" i="1" dirty="0">
-                <a:latin typeface="+mn-lt"/>
-              </a:rPr>
-              <a:t>/~</a:t>
-            </a:r>
-            <a:r>
-              <a:rPr lang="en-US" sz="800" i="1" dirty="0" err="1">
-                <a:latin typeface="+mn-lt"/>
-              </a:rPr>
-              <a:t>kumar</a:t>
-            </a:r>
-            <a:r>
-              <a:rPr lang="en-US" sz="800" i="1" dirty="0">
-                <a:latin typeface="+mn-lt"/>
-              </a:rPr>
-              <a:t>/</a:t>
-            </a:r>
-            <a:r>
-              <a:rPr lang="en-US" sz="800" i="1" dirty="0" err="1">
-                <a:latin typeface="+mn-lt"/>
-              </a:rPr>
-              <a:t>dmbook</a:t>
-            </a:r>
-            <a:r>
-              <a:rPr lang="en-US" sz="800" i="1" dirty="0">
-                <a:latin typeface="+mn-lt"/>
-              </a:rPr>
-              <a:t>/ch8.pdf</a:t>
+              <a:rPr lang="en-US" sz="3000" dirty="0" smtClean="0">
+                <a:latin typeface="PFDinTextCompPro-Italic"/>
+                <a:cs typeface="PFDinTextCompPro-Italic"/>
+              </a:rPr>
+              <a:t>One useful application of cluster validation is to determine the best number of clusters for your dataset.</a:t>
+            </a:r>
+          </a:p>
+          <a:p>
+            <a:pPr algn="l"/>
+            <a:endParaRPr lang="en-US" sz="3000" dirty="0">
+              <a:latin typeface="PFDinTextCompPro-Italic"/>
+              <a:cs typeface="PFDinTextCompPro-Italic"/>
+            </a:endParaRPr>
+          </a:p>
+          <a:p>
+            <a:pPr algn="l"/>
+            <a:r>
+              <a:rPr lang="en-US" sz="3000" dirty="0" smtClean="0">
+                <a:latin typeface="PFDinTextCompPro-Italic"/>
+                <a:cs typeface="PFDinTextCompPro-Italic"/>
+              </a:rPr>
+              <a:t>Q:  How would you do this?</a:t>
+            </a:r>
+          </a:p>
+          <a:p>
+            <a:pPr algn="l"/>
+            <a:r>
+              <a:rPr lang="en-US" sz="3000" dirty="0" smtClean="0">
+                <a:latin typeface="PFDinTextCompPro-Italic"/>
+                <a:cs typeface="PFDinTextCompPro-Italic"/>
+              </a:rPr>
+              <a:t>A:  By computing the overall SSE or SC for different values of k.</a:t>
             </a:r>
           </a:p>
         </p:txBody>
@@ -34416,7 +33770,7 @@
     </p:spTree>
     <p:extLst>
       <p:ext uri="{BB962C8B-B14F-4D97-AF65-F5344CB8AC3E}">
-        <p14:creationId xmlns:p14="http://schemas.microsoft.com/office/powerpoint/2010/main" val="2922184080"/>
+        <p14:creationId xmlns:p14="http://schemas.microsoft.com/office/powerpoint/2010/main" val="1905764274"/>
       </p:ext>
     </p:extLst>
   </p:cSld>
@@ -34514,16 +33868,40 @@
           </a:p>
         </p:txBody>
       </p:sp>
-      <p:sp>
-        <p:nvSpPr>
-          <p:cNvPr id="9" name="TextBox 8"/>
+      <p:pic>
+        <p:nvPicPr>
+          <p:cNvPr id="3" name="Picture 2"/>
+          <p:cNvPicPr>
+            <a:picLocks noChangeAspect="1"/>
+          </p:cNvPicPr>
+          <p:nvPr/>
+        </p:nvPicPr>
+        <p:blipFill>
+          <a:blip r:embed="rId3"/>
+          <a:stretch>
+            <a:fillRect/>
+          </a:stretch>
+        </p:blipFill>
+        <p:spPr>
+          <a:xfrm>
+            <a:off x="1159668" y="1104900"/>
+            <a:ext cx="7043738" cy="3672972"/>
+          </a:xfrm>
+          <a:prstGeom prst="rect">
+            <a:avLst/>
+          </a:prstGeom>
+        </p:spPr>
+      </p:pic>
+      <p:sp>
+        <p:nvSpPr>
+          <p:cNvPr id="10" name="TextBox 9"/>
           <p:cNvSpPr txBox="1"/>
           <p:nvPr/>
         </p:nvSpPr>
         <p:spPr>
           <a:xfrm>
-            <a:off x="566737" y="1104900"/>
-            <a:ext cx="8382000" cy="1015663"/>
+            <a:off x="414337" y="4838700"/>
+            <a:ext cx="3198311" cy="215444"/>
           </a:xfrm>
           <a:prstGeom prst="rect">
             <a:avLst/>
@@ -34531,18 +33909,59 @@
           <a:noFill/>
         </p:spPr>
         <p:txBody>
-          <a:bodyPr wrap="square" rtlCol="0">
+          <a:bodyPr wrap="none" rtlCol="0">
             <a:spAutoFit/>
           </a:bodyPr>
           <a:lstStyle/>
           <a:p>
             <a:pPr algn="l"/>
             <a:r>
-              <a:rPr lang="en-US" sz="3000" dirty="0" smtClean="0">
-                <a:latin typeface="PFDinTextCompPro-Italic"/>
-                <a:cs typeface="PFDinTextCompPro-Italic"/>
-              </a:rPr>
-              <a:t>One useful application of cluster validation is to determine the best number of clusters for your dataset.</a:t>
+              <a:rPr lang="en-US" sz="800" i="1" dirty="0" smtClean="0">
+                <a:latin typeface="+mn-lt"/>
+              </a:rPr>
+              <a:t>source</a:t>
+            </a:r>
+            <a:r>
+              <a:rPr lang="en-US" sz="800" i="1" dirty="0">
+                <a:latin typeface="+mn-lt"/>
+              </a:rPr>
+              <a:t>: http://www-</a:t>
+            </a:r>
+            <a:r>
+              <a:rPr lang="en-US" sz="800" i="1" dirty="0" err="1">
+                <a:latin typeface="+mn-lt"/>
+              </a:rPr>
+              <a:t>users.cs.umn.edu</a:t>
+            </a:r>
+            <a:r>
+              <a:rPr lang="en-US" sz="800" i="1" dirty="0">
+                <a:latin typeface="+mn-lt"/>
+              </a:rPr>
+              <a:t>/~</a:t>
+            </a:r>
+            <a:r>
+              <a:rPr lang="en-US" sz="800" i="1" dirty="0" err="1">
+                <a:latin typeface="+mn-lt"/>
+              </a:rPr>
+              <a:t>kumar</a:t>
+            </a:r>
+            <a:r>
+              <a:rPr lang="en-US" sz="800" i="1" dirty="0">
+                <a:latin typeface="+mn-lt"/>
+              </a:rPr>
+              <a:t>/</a:t>
+            </a:r>
+            <a:r>
+              <a:rPr lang="en-US" sz="800" i="1" dirty="0" err="1">
+                <a:latin typeface="+mn-lt"/>
+              </a:rPr>
+              <a:t>dmbook</a:t>
+            </a:r>
+            <a:r>
+              <a:rPr lang="en-US" sz="800" i="1" dirty="0">
+                <a:latin typeface="+mn-lt"/>
+              </a:rPr>
+              <a:t>/ch8.pdf</a:t>
             </a:r>
           </a:p>
         </p:txBody>
@@ -34550,7 +33969,7 @@
     </p:spTree>
     <p:extLst>
       <p:ext uri="{BB962C8B-B14F-4D97-AF65-F5344CB8AC3E}">
-        <p14:creationId xmlns:p14="http://schemas.microsoft.com/office/powerpoint/2010/main" val="2458027700"/>
+        <p14:creationId xmlns:p14="http://schemas.microsoft.com/office/powerpoint/2010/main" val="2971931850"/>
       </p:ext>
     </p:extLst>
   </p:cSld>
@@ -34657,7 +34076,7 @@
         <p:spPr>
           <a:xfrm>
             <a:off x="566737" y="1104900"/>
-            <a:ext cx="8382000" cy="1938992"/>
+            <a:ext cx="8382000" cy="1015663"/>
           </a:xfrm>
           <a:prstGeom prst="rect">
             <a:avLst/>
@@ -34676,24 +34095,7 @@
                 <a:latin typeface="PFDinTextCompPro-Italic"/>
                 <a:cs typeface="PFDinTextCompPro-Italic"/>
               </a:rPr>
-              <a:t>One useful application of cluster validation is to determine the best number of clusters for your dataset.</a:t>
-            </a:r>
-          </a:p>
-          <a:p>
-            <a:pPr algn="l"/>
-            <a:endParaRPr lang="en-US" sz="3000" dirty="0">
-              <a:latin typeface="PFDinTextCompPro-Italic"/>
-              <a:cs typeface="PFDinTextCompPro-Italic"/>
-            </a:endParaRPr>
-          </a:p>
-          <a:p>
-            <a:pPr algn="l"/>
-            <a:r>
-              <a:rPr lang="en-US" sz="3000" dirty="0" smtClean="0">
-                <a:latin typeface="PFDinTextCompPro-Italic"/>
-                <a:cs typeface="PFDinTextCompPro-Italic"/>
-              </a:rPr>
-              <a:t>Q:  How would you do this?</a:t>
+              <a:t>Q:  How can you determine your level of confidence in these validation metrics?</a:t>
             </a:r>
           </a:p>
         </p:txBody>
@@ -34701,7 +34103,7 @@
     </p:spTree>
     <p:extLst>
       <p:ext uri="{BB962C8B-B14F-4D97-AF65-F5344CB8AC3E}">
-        <p14:creationId xmlns:p14="http://schemas.microsoft.com/office/powerpoint/2010/main" val="870772244"/>
+        <p14:creationId xmlns:p14="http://schemas.microsoft.com/office/powerpoint/2010/main" val="347763276"/>
       </p:ext>
     </p:extLst>
   </p:cSld>
@@ -34808,7 +34210,7 @@
         <p:spPr>
           <a:xfrm>
             <a:off x="566737" y="1104900"/>
-            <a:ext cx="8382000" cy="2400657"/>
+            <a:ext cx="8382000" cy="2862322"/>
           </a:xfrm>
           <a:prstGeom prst="rect">
             <a:avLst/>
@@ -34827,12 +34229,12 @@
                 <a:latin typeface="PFDinTextCompPro-Italic"/>
                 <a:cs typeface="PFDinTextCompPro-Italic"/>
               </a:rPr>
-              <a:t>One useful application of cluster validation is to determine the best number of clusters for your dataset.</a:t>
+              <a:t>Q:  How can you determine your level of confidence in these validation metrics?</a:t>
             </a:r>
           </a:p>
           <a:p>
             <a:pPr algn="l"/>
-            <a:endParaRPr lang="en-US" sz="3000" dirty="0">
+            <a:endParaRPr lang="en-US" sz="3000" dirty="0" smtClean="0">
               <a:latin typeface="PFDinTextCompPro-Italic"/>
               <a:cs typeface="PFDinTextCompPro-Italic"/>
             </a:endParaRPr>
@@ -34844,17 +34246,7 @@
                 <a:latin typeface="PFDinTextCompPro-Italic"/>
                 <a:cs typeface="PFDinTextCompPro-Italic"/>
               </a:rPr>
-              <a:t>Q:  How would you do this?</a:t>
-            </a:r>
-          </a:p>
-          <a:p>
-            <a:pPr algn="l"/>
-            <a:r>
-              <a:rPr lang="en-US" sz="3000" dirty="0" smtClean="0">
-                <a:latin typeface="PFDinTextCompPro-Italic"/>
-                <a:cs typeface="PFDinTextCompPro-Italic"/>
-              </a:rPr>
-              <a:t>A:  By computing the overall SSE or SC for different values of k.</a:t>
+              <a:t>A:  Statistically; e.g., by computing frequency distributions for these metrics (over several runs of the algorithm) and determining statistical significance.</a:t>
             </a:r>
           </a:p>
         </p:txBody>
@@ -34862,7 +34254,7 @@
     </p:spTree>
     <p:extLst>
       <p:ext uri="{BB962C8B-B14F-4D97-AF65-F5344CB8AC3E}">
-        <p14:creationId xmlns:p14="http://schemas.microsoft.com/office/powerpoint/2010/main" val="1905764274"/>
+        <p14:creationId xmlns:p14="http://schemas.microsoft.com/office/powerpoint/2010/main" val="489312820"/>
       </p:ext>
     </p:extLst>
   </p:cSld>
@@ -34960,40 +34352,16 @@
           </a:p>
         </p:txBody>
       </p:sp>
-      <p:pic>
-        <p:nvPicPr>
-          <p:cNvPr id="3" name="Picture 2"/>
-          <p:cNvPicPr>
-            <a:picLocks noChangeAspect="1"/>
-          </p:cNvPicPr>
+      <p:sp>
+        <p:nvSpPr>
+          <p:cNvPr id="9" name="TextBox 8"/>
+          <p:cNvSpPr txBox="1"/>
           <p:nvPr/>
-        </p:nvPicPr>
-        <p:blipFill>
-          <a:blip r:embed="rId3"/>
-          <a:stretch>
-            <a:fillRect/>
-          </a:stretch>
-        </p:blipFill>
+        </p:nvSpPr>
         <p:spPr>
           <a:xfrm>
-            <a:off x="1159668" y="1104900"/>
-            <a:ext cx="7043738" cy="3672972"/>
-          </a:xfrm>
-          <a:prstGeom prst="rect">
-            <a:avLst/>
-          </a:prstGeom>
-        </p:spPr>
-      </p:pic>
-      <p:sp>
-        <p:nvSpPr>
-          <p:cNvPr id="10" name="TextBox 9"/>
-          <p:cNvSpPr txBox="1"/>
-          <p:nvPr/>
-        </p:nvSpPr>
-        <p:spPr>
-          <a:xfrm>
-            <a:off x="414337" y="4838700"/>
-            <a:ext cx="3198311" cy="215444"/>
+            <a:off x="566737" y="1104900"/>
+            <a:ext cx="8382000" cy="1015663"/>
           </a:xfrm>
           <a:prstGeom prst="rect">
             <a:avLst/>
@@ -35001,59 +34369,18 @@
           <a:noFill/>
         </p:spPr>
         <p:txBody>
-          <a:bodyPr wrap="none" rtlCol="0">
+          <a:bodyPr wrap="square" rtlCol="0">
             <a:spAutoFit/>
           </a:bodyPr>
           <a:lstStyle/>
           <a:p>
             <a:pPr algn="l"/>
             <a:r>
-              <a:rPr lang="en-US" sz="800" i="1" dirty="0" smtClean="0">
-                <a:latin typeface="+mn-lt"/>
-              </a:rPr>
-              <a:t>source</a:t>
-            </a:r>
-            <a:r>
-              <a:rPr lang="en-US" sz="800" i="1" dirty="0">
-                <a:latin typeface="+mn-lt"/>
-              </a:rPr>
-              <a:t>: http://www-</a:t>
-            </a:r>
-            <a:r>
-              <a:rPr lang="en-US" sz="800" i="1" dirty="0" err="1">
-                <a:latin typeface="+mn-lt"/>
-              </a:rPr>
-              <a:t>users.cs.umn.edu</a:t>
-            </a:r>
-            <a:r>
-              <a:rPr lang="en-US" sz="800" i="1" dirty="0">
-                <a:latin typeface="+mn-lt"/>
-              </a:rPr>
-              <a:t>/~</a:t>
-            </a:r>
-            <a:r>
-              <a:rPr lang="en-US" sz="800" i="1" dirty="0" err="1">
-                <a:latin typeface="+mn-lt"/>
-              </a:rPr>
-              <a:t>kumar</a:t>
-            </a:r>
-            <a:r>
-              <a:rPr lang="en-US" sz="800" i="1" dirty="0">
-                <a:latin typeface="+mn-lt"/>
-              </a:rPr>
-              <a:t>/</a:t>
-            </a:r>
-            <a:r>
-              <a:rPr lang="en-US" sz="800" i="1" dirty="0" err="1">
-                <a:latin typeface="+mn-lt"/>
-              </a:rPr>
-              <a:t>dmbook</a:t>
-            </a:r>
-            <a:r>
-              <a:rPr lang="en-US" sz="800" i="1" dirty="0">
-                <a:latin typeface="+mn-lt"/>
-              </a:rPr>
-              <a:t>/ch8.pdf</a:t>
+              <a:rPr lang="en-US" sz="3000" dirty="0" smtClean="0">
+                <a:latin typeface="PFDinTextCompPro-Italic"/>
+                <a:cs typeface="PFDinTextCompPro-Italic"/>
+              </a:rPr>
+              <a:t>Ultimately, cluster validation and clustering in general are suggestive techniques that rely on human interpretation to be meaningful.</a:t>
             </a:r>
           </a:p>
         </p:txBody>
@@ -35061,7 +34388,7 @@
     </p:spTree>
     <p:extLst>
       <p:ext uri="{BB962C8B-B14F-4D97-AF65-F5344CB8AC3E}">
-        <p14:creationId xmlns:p14="http://schemas.microsoft.com/office/powerpoint/2010/main" val="2971931850"/>
+        <p14:creationId xmlns:p14="http://schemas.microsoft.com/office/powerpoint/2010/main" val="3308608573"/>
       </p:ext>
     </p:extLst>
   </p:cSld>
@@ -35098,255 +34425,87 @@
       </p:grpSpPr>
       <p:sp>
         <p:nvSpPr>
-          <p:cNvPr id="4" name="Content Placeholder 3"/>
-          <p:cNvSpPr>
-            <a:spLocks noGrp="1"/>
-          </p:cNvSpPr>
-          <p:nvPr>
-            <p:ph sz="quarter" idx="11"/>
+          <p:cNvPr id="2" name="Title 1"/>
+          <p:cNvSpPr>
+            <a:spLocks noGrp="1"/>
+          </p:cNvSpPr>
+          <p:nvPr>
+            <p:ph type="title"/>
           </p:nvPr>
         </p:nvSpPr>
         <p:spPr>
           <a:xfrm>
-            <a:off x="414337" y="495300"/>
+            <a:off x="347663" y="3467100"/>
+            <a:ext cx="8426450" cy="1828800"/>
+          </a:xfrm>
+        </p:spPr>
+        <p:txBody>
+          <a:bodyPr/>
+          <a:lstStyle/>
+          <a:p>
+            <a:pPr>
+              <a:defRPr/>
+            </a:pPr>
+            <a:r>
+              <a:rPr lang="en-US" sz="7500" dirty="0" smtClean="0"/>
+              <a:t/>
+            </a:r>
+            <a:br>
+              <a:rPr lang="en-US" sz="7500" dirty="0" smtClean="0"/>
+            </a:br>
+            <a:r>
+              <a:rPr lang="en-US" sz="7500" dirty="0" smtClean="0"/>
+              <a:t>Ex: k-means clustering</a:t>
+            </a:r>
+            <a:endParaRPr lang="en-US" sz="7500" dirty="0"/>
+          </a:p>
+        </p:txBody>
+      </p:sp>
+      <p:sp>
+        <p:nvSpPr>
+          <p:cNvPr id="4" name="Content Placeholder 3"/>
+          <p:cNvSpPr>
+            <a:spLocks noGrp="1"/>
+          </p:cNvSpPr>
+          <p:nvPr>
+            <p:ph sz="quarter" idx="11"/>
+          </p:nvPr>
+        </p:nvSpPr>
+        <p:spPr>
+          <a:xfrm>
+            <a:off x="371475" y="495300"/>
             <a:ext cx="6400800" cy="304800"/>
           </a:xfrm>
         </p:spPr>
         <p:txBody>
-          <a:bodyPr/>
-          <a:lstStyle/>
-          <a:p>
-            <a:pPr eaLnBrk="1" hangingPunct="1">
-              <a:lnSpc>
-                <a:spcPts val="2448"/>
-              </a:lnSpc>
-              <a:defRPr/>
-            </a:pPr>
-            <a:r>
-              <a:rPr lang="en-US" dirty="0" smtClean="0"/>
-              <a:t>Cluster validation</a:t>
-            </a:r>
-            <a:endParaRPr lang="en-US" dirty="0"/>
-          </a:p>
-        </p:txBody>
-      </p:sp>
-      <p:sp>
-        <p:nvSpPr>
-          <p:cNvPr id="8" name="Slide Number Placeholder 3"/>
-          <p:cNvSpPr>
-            <a:spLocks noGrp="1"/>
-          </p:cNvSpPr>
-          <p:nvPr>
-            <p:ph type="sldNum" sz="quarter" idx="13"/>
-          </p:nvPr>
-        </p:nvSpPr>
-        <p:spPr/>
-        <p:txBody>
-          <a:bodyPr/>
-          <a:lstStyle/>
-          <a:p>
-            <a:pPr>
-              <a:defRPr/>
-            </a:pPr>
-            <a:fld id="{BD5AD749-DAD1-6A4A-A2AA-CB20EAD0AEB7}" type="slidenum">
-              <a:rPr lang="en-US"/>
-              <a:pPr>
-                <a:defRPr/>
-              </a:pPr>
-              <a:t>88</a:t>
-            </a:fld>
-            <a:endParaRPr lang="en-US"/>
-          </a:p>
-        </p:txBody>
-      </p:sp>
-      <p:sp>
-        <p:nvSpPr>
-          <p:cNvPr id="9" name="TextBox 8"/>
-          <p:cNvSpPr txBox="1"/>
-          <p:nvPr/>
-        </p:nvSpPr>
-        <p:spPr>
-          <a:xfrm>
-            <a:off x="566737" y="1104900"/>
-            <a:ext cx="8382000" cy="1015663"/>
-          </a:xfrm>
-          <a:prstGeom prst="rect">
-            <a:avLst/>
-          </a:prstGeom>
-          <a:noFill/>
-        </p:spPr>
-        <p:txBody>
-          <a:bodyPr wrap="square" rtlCol="0">
-            <a:spAutoFit/>
+          <a:bodyPr wrap="square" lIns="91440" tIns="45720" rIns="91440" bIns="45720" numCol="1" anchor="t" anchorCtr="0" compatLnSpc="1">
+            <a:prstTxWarp prst="textNoShape">
+              <a:avLst/>
+            </a:prstTxWarp>
           </a:bodyPr>
           <a:lstStyle/>
           <a:p>
-            <a:pPr algn="l"/>
-            <a:r>
-              <a:rPr lang="en-US" sz="3000" dirty="0" smtClean="0">
-                <a:latin typeface="PFDinTextCompPro-Italic"/>
-                <a:cs typeface="PFDinTextCompPro-Italic"/>
-              </a:rPr>
-              <a:t>Q:  How can you determine your level of confidence in these validation metrics?</a:t>
-            </a:r>
+            <a:pPr marL="0" indent="0"/>
+            <a:r>
+              <a:rPr lang="en-US" cap="none" dirty="0" smtClean="0">
+                <a:latin typeface="PFDinTextCompPro-Bold" charset="0"/>
+                <a:ea typeface="ヒラギノ角ゴ ProN W3" charset="0"/>
+                <a:cs typeface="ヒラギノ角ゴ ProN W3" charset="0"/>
+              </a:rPr>
+              <a:t>INTRO TO DATA SCIENCE</a:t>
+            </a:r>
+            <a:endParaRPr lang="en-US" cap="none" dirty="0">
+              <a:latin typeface="PFDinTextCompPro-Bold" charset="0"/>
+              <a:ea typeface="ヒラギノ角ゴ ProN W3" charset="0"/>
+              <a:cs typeface="ヒラギノ角ゴ ProN W3" charset="0"/>
+            </a:endParaRPr>
           </a:p>
         </p:txBody>
       </p:sp>
     </p:spTree>
     <p:extLst>
       <p:ext uri="{BB962C8B-B14F-4D97-AF65-F5344CB8AC3E}">
-        <p14:creationId xmlns:p14="http://schemas.microsoft.com/office/powerpoint/2010/main" val="347763276"/>
-      </p:ext>
-    </p:extLst>
-  </p:cSld>
-  <p:clrMapOvr>
-    <a:masterClrMapping/>
-  </p:clrMapOvr>
-  <p:transition xmlns:p14="http://schemas.microsoft.com/office/powerpoint/2010/main"/>
-  <p:timing>
-    <p:tnLst>
-      <p:par>
-        <p:cTn xmlns:p14="http://schemas.microsoft.com/office/powerpoint/2010/main" id="1" dur="indefinite" restart="never" nodeType="tmRoot"/>
-      </p:par>
-    </p:tnLst>
-  </p:timing>
-</p:sld>
-</file>
-
-<file path=ppt/slides/slide89.xml><?xml version="1.0" encoding="utf-8"?>
-<p:sld xmlns:a="http://schemas.openxmlformats.org/drawingml/2006/main" xmlns:r="http://schemas.openxmlformats.org/officeDocument/2006/relationships" xmlns:p="http://schemas.openxmlformats.org/presentationml/2006/main">
-  <p:cSld>
-    <p:spTree>
-      <p:nvGrpSpPr>
-        <p:cNvPr id="1" name=""/>
-        <p:cNvGrpSpPr/>
-        <p:nvPr/>
-      </p:nvGrpSpPr>
-      <p:grpSpPr>
-        <a:xfrm>
-          <a:off x="0" y="0"/>
-          <a:ext cx="0" cy="0"/>
-          <a:chOff x="0" y="0"/>
-          <a:chExt cx="0" cy="0"/>
-        </a:xfrm>
-      </p:grpSpPr>
-      <p:sp>
-        <p:nvSpPr>
-          <p:cNvPr id="4" name="Content Placeholder 3"/>
-          <p:cNvSpPr>
-            <a:spLocks noGrp="1"/>
-          </p:cNvSpPr>
-          <p:nvPr>
-            <p:ph sz="quarter" idx="11"/>
-          </p:nvPr>
-        </p:nvSpPr>
-        <p:spPr>
-          <a:xfrm>
-            <a:off x="414337" y="495300"/>
-            <a:ext cx="6400800" cy="304800"/>
-          </a:xfrm>
-        </p:spPr>
-        <p:txBody>
-          <a:bodyPr/>
-          <a:lstStyle/>
-          <a:p>
-            <a:pPr eaLnBrk="1" hangingPunct="1">
-              <a:lnSpc>
-                <a:spcPts val="2448"/>
-              </a:lnSpc>
-              <a:defRPr/>
-            </a:pPr>
-            <a:r>
-              <a:rPr lang="en-US" dirty="0" smtClean="0"/>
-              <a:t>Cluster validation</a:t>
-            </a:r>
-            <a:endParaRPr lang="en-US" dirty="0"/>
-          </a:p>
-        </p:txBody>
-      </p:sp>
-      <p:sp>
-        <p:nvSpPr>
-          <p:cNvPr id="8" name="Slide Number Placeholder 3"/>
-          <p:cNvSpPr>
-            <a:spLocks noGrp="1"/>
-          </p:cNvSpPr>
-          <p:nvPr>
-            <p:ph type="sldNum" sz="quarter" idx="13"/>
-          </p:nvPr>
-        </p:nvSpPr>
-        <p:spPr/>
-        <p:txBody>
-          <a:bodyPr/>
-          <a:lstStyle/>
-          <a:p>
-            <a:pPr>
-              <a:defRPr/>
-            </a:pPr>
-            <a:fld id="{BD5AD749-DAD1-6A4A-A2AA-CB20EAD0AEB7}" type="slidenum">
-              <a:rPr lang="en-US"/>
-              <a:pPr>
-                <a:defRPr/>
-              </a:pPr>
-              <a:t>89</a:t>
-            </a:fld>
-            <a:endParaRPr lang="en-US"/>
-          </a:p>
-        </p:txBody>
-      </p:sp>
-      <p:sp>
-        <p:nvSpPr>
-          <p:cNvPr id="9" name="TextBox 8"/>
-          <p:cNvSpPr txBox="1"/>
-          <p:nvPr/>
-        </p:nvSpPr>
-        <p:spPr>
-          <a:xfrm>
-            <a:off x="566737" y="1104900"/>
-            <a:ext cx="8382000" cy="2862322"/>
-          </a:xfrm>
-          <a:prstGeom prst="rect">
-            <a:avLst/>
-          </a:prstGeom>
-          <a:noFill/>
-        </p:spPr>
-        <p:txBody>
-          <a:bodyPr wrap="square" rtlCol="0">
-            <a:spAutoFit/>
-          </a:bodyPr>
-          <a:lstStyle/>
-          <a:p>
-            <a:pPr algn="l"/>
-            <a:r>
-              <a:rPr lang="en-US" sz="3000" dirty="0" smtClean="0">
-                <a:latin typeface="PFDinTextCompPro-Italic"/>
-                <a:cs typeface="PFDinTextCompPro-Italic"/>
-              </a:rPr>
-              <a:t>Q:  How can you determine your level of confidence in these validation metrics?</a:t>
-            </a:r>
-          </a:p>
-          <a:p>
-            <a:pPr algn="l"/>
-            <a:endParaRPr lang="en-US" sz="3000" dirty="0" smtClean="0">
-              <a:latin typeface="PFDinTextCompPro-Italic"/>
-              <a:cs typeface="PFDinTextCompPro-Italic"/>
-            </a:endParaRPr>
-          </a:p>
-          <a:p>
-            <a:pPr algn="l"/>
-            <a:r>
-              <a:rPr lang="en-US" sz="3000" dirty="0" smtClean="0">
-                <a:latin typeface="PFDinTextCompPro-Italic"/>
-                <a:cs typeface="PFDinTextCompPro-Italic"/>
-              </a:rPr>
-              <a:t>A:  Statistically; e.g., by computing frequency distributions for these metrics (over several runs of the algorithm) and determining statistical significance.</a:t>
-            </a:r>
-          </a:p>
-        </p:txBody>
-      </p:sp>
-    </p:spTree>
-    <p:extLst>
-      <p:ext uri="{BB962C8B-B14F-4D97-AF65-F5344CB8AC3E}">
-        <p14:creationId xmlns:p14="http://schemas.microsoft.com/office/powerpoint/2010/main" val="489312820"/>
+        <p14:creationId xmlns:p14="http://schemas.microsoft.com/office/powerpoint/2010/main" val="2564836905"/>
       </p:ext>
     </p:extLst>
   </p:cSld>
@@ -35550,257 +34709,6 @@
     <p:extLst>
       <p:ext uri="{BB962C8B-B14F-4D97-AF65-F5344CB8AC3E}">
         <p14:creationId xmlns:p14="http://schemas.microsoft.com/office/powerpoint/2010/main" val="3876818452"/>
-      </p:ext>
-    </p:extLst>
-  </p:cSld>
-  <p:clrMapOvr>
-    <a:masterClrMapping/>
-  </p:clrMapOvr>
-  <p:transition xmlns:p14="http://schemas.microsoft.com/office/powerpoint/2010/main"/>
-  <p:timing>
-    <p:tnLst>
-      <p:par>
-        <p:cTn xmlns:p14="http://schemas.microsoft.com/office/powerpoint/2010/main" id="1" dur="indefinite" restart="never" nodeType="tmRoot"/>
-      </p:par>
-    </p:tnLst>
-  </p:timing>
-</p:sld>
-</file>
-
-<file path=ppt/slides/slide90.xml><?xml version="1.0" encoding="utf-8"?>
-<p:sld xmlns:a="http://schemas.openxmlformats.org/drawingml/2006/main" xmlns:r="http://schemas.openxmlformats.org/officeDocument/2006/relationships" xmlns:p="http://schemas.openxmlformats.org/presentationml/2006/main">
-  <p:cSld>
-    <p:spTree>
-      <p:nvGrpSpPr>
-        <p:cNvPr id="1" name=""/>
-        <p:cNvGrpSpPr/>
-        <p:nvPr/>
-      </p:nvGrpSpPr>
-      <p:grpSpPr>
-        <a:xfrm>
-          <a:off x="0" y="0"/>
-          <a:ext cx="0" cy="0"/>
-          <a:chOff x="0" y="0"/>
-          <a:chExt cx="0" cy="0"/>
-        </a:xfrm>
-      </p:grpSpPr>
-      <p:sp>
-        <p:nvSpPr>
-          <p:cNvPr id="4" name="Content Placeholder 3"/>
-          <p:cNvSpPr>
-            <a:spLocks noGrp="1"/>
-          </p:cNvSpPr>
-          <p:nvPr>
-            <p:ph sz="quarter" idx="11"/>
-          </p:nvPr>
-        </p:nvSpPr>
-        <p:spPr>
-          <a:xfrm>
-            <a:off x="414337" y="495300"/>
-            <a:ext cx="6400800" cy="304800"/>
-          </a:xfrm>
-        </p:spPr>
-        <p:txBody>
-          <a:bodyPr/>
-          <a:lstStyle/>
-          <a:p>
-            <a:pPr eaLnBrk="1" hangingPunct="1">
-              <a:lnSpc>
-                <a:spcPts val="2448"/>
-              </a:lnSpc>
-              <a:defRPr/>
-            </a:pPr>
-            <a:r>
-              <a:rPr lang="en-US" dirty="0" smtClean="0"/>
-              <a:t>Cluster validation</a:t>
-            </a:r>
-            <a:endParaRPr lang="en-US" dirty="0"/>
-          </a:p>
-        </p:txBody>
-      </p:sp>
-      <p:sp>
-        <p:nvSpPr>
-          <p:cNvPr id="8" name="Slide Number Placeholder 3"/>
-          <p:cNvSpPr>
-            <a:spLocks noGrp="1"/>
-          </p:cNvSpPr>
-          <p:nvPr>
-            <p:ph type="sldNum" sz="quarter" idx="13"/>
-          </p:nvPr>
-        </p:nvSpPr>
-        <p:spPr/>
-        <p:txBody>
-          <a:bodyPr/>
-          <a:lstStyle/>
-          <a:p>
-            <a:pPr>
-              <a:defRPr/>
-            </a:pPr>
-            <a:fld id="{BD5AD749-DAD1-6A4A-A2AA-CB20EAD0AEB7}" type="slidenum">
-              <a:rPr lang="en-US"/>
-              <a:pPr>
-                <a:defRPr/>
-              </a:pPr>
-              <a:t>90</a:t>
-            </a:fld>
-            <a:endParaRPr lang="en-US"/>
-          </a:p>
-        </p:txBody>
-      </p:sp>
-      <p:sp>
-        <p:nvSpPr>
-          <p:cNvPr id="9" name="TextBox 8"/>
-          <p:cNvSpPr txBox="1"/>
-          <p:nvPr/>
-        </p:nvSpPr>
-        <p:spPr>
-          <a:xfrm>
-            <a:off x="566737" y="1104900"/>
-            <a:ext cx="8382000" cy="1015663"/>
-          </a:xfrm>
-          <a:prstGeom prst="rect">
-            <a:avLst/>
-          </a:prstGeom>
-          <a:noFill/>
-        </p:spPr>
-        <p:txBody>
-          <a:bodyPr wrap="square" rtlCol="0">
-            <a:spAutoFit/>
-          </a:bodyPr>
-          <a:lstStyle/>
-          <a:p>
-            <a:pPr algn="l"/>
-            <a:r>
-              <a:rPr lang="en-US" sz="3000" dirty="0" smtClean="0">
-                <a:latin typeface="PFDinTextCompPro-Italic"/>
-                <a:cs typeface="PFDinTextCompPro-Italic"/>
-              </a:rPr>
-              <a:t>Ultimately, cluster validation and clustering in general are suggestive techniques that rely on human interpretation to be meaningful.</a:t>
-            </a:r>
-          </a:p>
-        </p:txBody>
-      </p:sp>
-    </p:spTree>
-    <p:extLst>
-      <p:ext uri="{BB962C8B-B14F-4D97-AF65-F5344CB8AC3E}">
-        <p14:creationId xmlns:p14="http://schemas.microsoft.com/office/powerpoint/2010/main" val="3308608573"/>
-      </p:ext>
-    </p:extLst>
-  </p:cSld>
-  <p:clrMapOvr>
-    <a:masterClrMapping/>
-  </p:clrMapOvr>
-  <p:transition xmlns:p14="http://schemas.microsoft.com/office/powerpoint/2010/main"/>
-  <p:timing>
-    <p:tnLst>
-      <p:par>
-        <p:cTn xmlns:p14="http://schemas.microsoft.com/office/powerpoint/2010/main" id="1" dur="indefinite" restart="never" nodeType="tmRoot"/>
-      </p:par>
-    </p:tnLst>
-  </p:timing>
-</p:sld>
-</file>
-
-<file path=ppt/slides/slide91.xml><?xml version="1.0" encoding="utf-8"?>
-<p:sld xmlns:a="http://schemas.openxmlformats.org/drawingml/2006/main" xmlns:r="http://schemas.openxmlformats.org/officeDocument/2006/relationships" xmlns:p="http://schemas.openxmlformats.org/presentationml/2006/main">
-  <p:cSld>
-    <p:spTree>
-      <p:nvGrpSpPr>
-        <p:cNvPr id="1" name=""/>
-        <p:cNvGrpSpPr/>
-        <p:nvPr/>
-      </p:nvGrpSpPr>
-      <p:grpSpPr>
-        <a:xfrm>
-          <a:off x="0" y="0"/>
-          <a:ext cx="0" cy="0"/>
-          <a:chOff x="0" y="0"/>
-          <a:chExt cx="0" cy="0"/>
-        </a:xfrm>
-      </p:grpSpPr>
-      <p:sp>
-        <p:nvSpPr>
-          <p:cNvPr id="2" name="Title 1"/>
-          <p:cNvSpPr>
-            <a:spLocks noGrp="1"/>
-          </p:cNvSpPr>
-          <p:nvPr>
-            <p:ph type="title"/>
-          </p:nvPr>
-        </p:nvSpPr>
-        <p:spPr>
-          <a:xfrm>
-            <a:off x="347663" y="3467100"/>
-            <a:ext cx="8426450" cy="1828800"/>
-          </a:xfrm>
-        </p:spPr>
-        <p:txBody>
-          <a:bodyPr/>
-          <a:lstStyle/>
-          <a:p>
-            <a:pPr>
-              <a:defRPr/>
-            </a:pPr>
-            <a:r>
-              <a:rPr lang="en-US" sz="7500" dirty="0" smtClean="0"/>
-              <a:t/>
-            </a:r>
-            <a:br>
-              <a:rPr lang="en-US" sz="7500" dirty="0" smtClean="0"/>
-            </a:br>
-            <a:r>
-              <a:rPr lang="en-US" sz="7500" dirty="0" smtClean="0"/>
-              <a:t>Ex: k-means clustering</a:t>
-            </a:r>
-            <a:endParaRPr lang="en-US" sz="7500" dirty="0"/>
-          </a:p>
-        </p:txBody>
-      </p:sp>
-      <p:sp>
-        <p:nvSpPr>
-          <p:cNvPr id="4" name="Content Placeholder 3"/>
-          <p:cNvSpPr>
-            <a:spLocks noGrp="1"/>
-          </p:cNvSpPr>
-          <p:nvPr>
-            <p:ph sz="quarter" idx="11"/>
-          </p:nvPr>
-        </p:nvSpPr>
-        <p:spPr>
-          <a:xfrm>
-            <a:off x="371475" y="495300"/>
-            <a:ext cx="6400800" cy="304800"/>
-          </a:xfrm>
-        </p:spPr>
-        <p:txBody>
-          <a:bodyPr wrap="square" lIns="91440" tIns="45720" rIns="91440" bIns="45720" numCol="1" anchor="t" anchorCtr="0" compatLnSpc="1">
-            <a:prstTxWarp prst="textNoShape">
-              <a:avLst/>
-            </a:prstTxWarp>
-          </a:bodyPr>
-          <a:lstStyle/>
-          <a:p>
-            <a:pPr marL="0" indent="0"/>
-            <a:r>
-              <a:rPr lang="en-US" cap="none" dirty="0" smtClean="0">
-                <a:latin typeface="PFDinTextCompPro-Bold" charset="0"/>
-                <a:ea typeface="ヒラギノ角ゴ ProN W3" charset="0"/>
-                <a:cs typeface="ヒラギノ角ゴ ProN W3" charset="0"/>
-              </a:rPr>
-              <a:t>INTRO TO DATA SCIENCE</a:t>
-            </a:r>
-            <a:endParaRPr lang="en-US" cap="none" dirty="0">
-              <a:latin typeface="PFDinTextCompPro-Bold" charset="0"/>
-              <a:ea typeface="ヒラギノ角ゴ ProN W3" charset="0"/>
-              <a:cs typeface="ヒラギノ角ゴ ProN W3" charset="0"/>
-            </a:endParaRPr>
-          </a:p>
-        </p:txBody>
-      </p:sp>
-    </p:spTree>
-    <p:extLst>
-      <p:ext uri="{BB962C8B-B14F-4D97-AF65-F5344CB8AC3E}">
-        <p14:creationId xmlns:p14="http://schemas.microsoft.com/office/powerpoint/2010/main" val="2564836905"/>
       </p:ext>
     </p:extLst>
   </p:cSld>

--- a/18-clustering/slides.pptx
+++ b/18-clustering/slides.pptx
@@ -6,7 +6,7 @@
     <p:sldMasterId id="2147483649" r:id="rId2"/>
   </p:sldMasterIdLst>
   <p:notesMasterIdLst>
-    <p:notesMasterId r:id="rId91"/>
+    <p:notesMasterId r:id="rId89"/>
   </p:notesMasterIdLst>
   <p:sldIdLst>
     <p:sldId id="258" r:id="rId3"/>
@@ -93,10 +93,8 @@
     <p:sldId id="796" r:id="rId84"/>
     <p:sldId id="797" r:id="rId85"/>
     <p:sldId id="677" r:id="rId86"/>
-    <p:sldId id="679" r:id="rId87"/>
-    <p:sldId id="798" r:id="rId88"/>
-    <p:sldId id="799" r:id="rId89"/>
-    <p:sldId id="504" r:id="rId90"/>
+    <p:sldId id="799" r:id="rId87"/>
+    <p:sldId id="504" r:id="rId88"/>
   </p:sldIdLst>
   <p:sldSz cx="9363075" cy="5257800"/>
   <p:notesSz cx="6858000" cy="9144000"/>
@@ -10368,7 +10366,7 @@
                 <a:latin typeface="ArialMT"/>
                 <a:sym typeface="Wingdings"/>
               </a:rPr>
-              <a:t>Note: can do some sampling stuff to improve clustering results, if necessary</a:t>
+              <a:t> </a:t>
             </a:r>
           </a:p>
         </p:txBody>
@@ -10453,32 +10451,9 @@
           <a:bodyPr/>
           <a:lstStyle/>
           <a:p>
-            <a:pPr marL="0" marR="0" indent="0" algn="l" defTabSz="457200" rtl="0" eaLnBrk="1" fontAlgn="auto" latinLnBrk="0" hangingPunct="1">
-              <a:lnSpc>
-                <a:spcPct val="100000"/>
-              </a:lnSpc>
-              <a:spcBef>
-                <a:spcPts val="0"/>
-              </a:spcBef>
-              <a:spcAft>
-                <a:spcPts val="0"/>
-              </a:spcAft>
-              <a:buClrTx/>
-              <a:buSzTx/>
-              <a:buFontTx/>
-              <a:buNone/>
-              <a:tabLst/>
-              <a:defRPr/>
-            </a:pPr>
-            <a:r>
-              <a:rPr lang="en-US" sz="1200" baseline="0" dirty="0" smtClean="0">
-                <a:solidFill>
-                  <a:prstClr val="black"/>
-                </a:solidFill>
-                <a:latin typeface="ArialMT"/>
-                <a:sym typeface="Wingdings"/>
-              </a:rPr>
-              <a:t>Note: can do some sampling stuff to improve clustering results, if necessary</a:t>
+            <a:r>
+              <a:rPr lang="en-US" baseline="0" dirty="0" smtClean="0"/>
+              <a:t> </a:t>
             </a:r>
           </a:p>
         </p:txBody>
@@ -10501,203 +10476,6 @@
             <a:fld id="{ADD4B5B7-85EF-4E48-AC80-2380FACD9C23}" type="slidenum">
               <a:rPr lang="en-US" smtClean="0"/>
               <a:t>86</a:t>
-            </a:fld>
-            <a:endParaRPr lang="en-US"/>
-          </a:p>
-        </p:txBody>
-      </p:sp>
-    </p:spTree>
-    <p:extLst>
-      <p:ext uri="{BB962C8B-B14F-4D97-AF65-F5344CB8AC3E}">
-        <p14:creationId xmlns:p14="http://schemas.microsoft.com/office/powerpoint/2010/main" val="645762702"/>
-      </p:ext>
-    </p:extLst>
-  </p:cSld>
-  <p:clrMapOvr>
-    <a:masterClrMapping/>
-  </p:clrMapOvr>
-</p:notes>
-</file>
-
-<file path=ppt/notesSlides/notesSlide87.xml><?xml version="1.0" encoding="utf-8"?>
-<p:notes xmlns:a="http://schemas.openxmlformats.org/drawingml/2006/main" xmlns:r="http://schemas.openxmlformats.org/officeDocument/2006/relationships" xmlns:p="http://schemas.openxmlformats.org/presentationml/2006/main">
-  <p:cSld>
-    <p:spTree>
-      <p:nvGrpSpPr>
-        <p:cNvPr id="1" name=""/>
-        <p:cNvGrpSpPr/>
-        <p:nvPr/>
-      </p:nvGrpSpPr>
-      <p:grpSpPr>
-        <a:xfrm>
-          <a:off x="0" y="0"/>
-          <a:ext cx="0" cy="0"/>
-          <a:chOff x="0" y="0"/>
-          <a:chExt cx="0" cy="0"/>
-        </a:xfrm>
-      </p:grpSpPr>
-      <p:sp>
-        <p:nvSpPr>
-          <p:cNvPr id="2" name="Slide Image Placeholder 1"/>
-          <p:cNvSpPr>
-            <a:spLocks noGrp="1" noRot="1" noChangeAspect="1"/>
-          </p:cNvSpPr>
-          <p:nvPr>
-            <p:ph type="sldImg"/>
-          </p:nvPr>
-        </p:nvSpPr>
-        <p:spPr/>
-      </p:sp>
-      <p:sp>
-        <p:nvSpPr>
-          <p:cNvPr id="3" name="Notes Placeholder 2"/>
-          <p:cNvSpPr>
-            <a:spLocks noGrp="1"/>
-          </p:cNvSpPr>
-          <p:nvPr>
-            <p:ph type="body" idx="1"/>
-          </p:nvPr>
-        </p:nvSpPr>
-        <p:spPr/>
-        <p:txBody>
-          <a:bodyPr/>
-          <a:lstStyle/>
-          <a:p>
-            <a:pPr marL="0" marR="0" indent="0" algn="l" defTabSz="457200" rtl="0" eaLnBrk="1" fontAlgn="auto" latinLnBrk="0" hangingPunct="1">
-              <a:lnSpc>
-                <a:spcPct val="100000"/>
-              </a:lnSpc>
-              <a:spcBef>
-                <a:spcPts val="0"/>
-              </a:spcBef>
-              <a:spcAft>
-                <a:spcPts val="0"/>
-              </a:spcAft>
-              <a:buClrTx/>
-              <a:buSzTx/>
-              <a:buFontTx/>
-              <a:buNone/>
-              <a:tabLst/>
-              <a:defRPr/>
-            </a:pPr>
-            <a:r>
-              <a:rPr lang="en-US" sz="1200" baseline="0" dirty="0" smtClean="0">
-                <a:solidFill>
-                  <a:prstClr val="black"/>
-                </a:solidFill>
-                <a:latin typeface="ArialMT"/>
-                <a:sym typeface="Wingdings"/>
-              </a:rPr>
-              <a:t> </a:t>
-            </a:r>
-          </a:p>
-        </p:txBody>
-      </p:sp>
-      <p:sp>
-        <p:nvSpPr>
-          <p:cNvPr id="4" name="Slide Number Placeholder 3"/>
-          <p:cNvSpPr>
-            <a:spLocks noGrp="1"/>
-          </p:cNvSpPr>
-          <p:nvPr>
-            <p:ph type="sldNum" sz="quarter" idx="10"/>
-          </p:nvPr>
-        </p:nvSpPr>
-        <p:spPr/>
-        <p:txBody>
-          <a:bodyPr/>
-          <a:lstStyle/>
-          <a:p>
-            <a:fld id="{ADD4B5B7-85EF-4E48-AC80-2380FACD9C23}" type="slidenum">
-              <a:rPr lang="en-US" smtClean="0"/>
-              <a:t>87</a:t>
-            </a:fld>
-            <a:endParaRPr lang="en-US"/>
-          </a:p>
-        </p:txBody>
-      </p:sp>
-    </p:spTree>
-    <p:extLst>
-      <p:ext uri="{BB962C8B-B14F-4D97-AF65-F5344CB8AC3E}">
-        <p14:creationId xmlns:p14="http://schemas.microsoft.com/office/powerpoint/2010/main" val="645762702"/>
-      </p:ext>
-    </p:extLst>
-  </p:cSld>
-  <p:clrMapOvr>
-    <a:masterClrMapping/>
-  </p:clrMapOvr>
-</p:notes>
-</file>
-
-<file path=ppt/notesSlides/notesSlide88.xml><?xml version="1.0" encoding="utf-8"?>
-<p:notes xmlns:a="http://schemas.openxmlformats.org/drawingml/2006/main" xmlns:r="http://schemas.openxmlformats.org/officeDocument/2006/relationships" xmlns:p="http://schemas.openxmlformats.org/presentationml/2006/main">
-  <p:cSld>
-    <p:spTree>
-      <p:nvGrpSpPr>
-        <p:cNvPr id="1" name=""/>
-        <p:cNvGrpSpPr/>
-        <p:nvPr/>
-      </p:nvGrpSpPr>
-      <p:grpSpPr>
-        <a:xfrm>
-          <a:off x="0" y="0"/>
-          <a:ext cx="0" cy="0"/>
-          <a:chOff x="0" y="0"/>
-          <a:chExt cx="0" cy="0"/>
-        </a:xfrm>
-      </p:grpSpPr>
-      <p:sp>
-        <p:nvSpPr>
-          <p:cNvPr id="2" name="Slide Image Placeholder 1"/>
-          <p:cNvSpPr>
-            <a:spLocks noGrp="1" noRot="1" noChangeAspect="1"/>
-          </p:cNvSpPr>
-          <p:nvPr>
-            <p:ph type="sldImg"/>
-          </p:nvPr>
-        </p:nvSpPr>
-        <p:spPr/>
-      </p:sp>
-      <p:sp>
-        <p:nvSpPr>
-          <p:cNvPr id="3" name="Notes Placeholder 2"/>
-          <p:cNvSpPr>
-            <a:spLocks noGrp="1"/>
-          </p:cNvSpPr>
-          <p:nvPr>
-            <p:ph type="body" idx="1"/>
-          </p:nvPr>
-        </p:nvSpPr>
-        <p:spPr/>
-        <p:txBody>
-          <a:bodyPr/>
-          <a:lstStyle/>
-          <a:p>
-            <a:r>
-              <a:rPr lang="en-US" baseline="0" dirty="0" smtClean="0"/>
-              <a:t> </a:t>
-            </a:r>
-          </a:p>
-        </p:txBody>
-      </p:sp>
-      <p:sp>
-        <p:nvSpPr>
-          <p:cNvPr id="4" name="Slide Number Placeholder 3"/>
-          <p:cNvSpPr>
-            <a:spLocks noGrp="1"/>
-          </p:cNvSpPr>
-          <p:nvPr>
-            <p:ph type="sldNum" sz="quarter" idx="10"/>
-          </p:nvPr>
-        </p:nvSpPr>
-        <p:spPr/>
-        <p:txBody>
-          <a:bodyPr/>
-          <a:lstStyle/>
-          <a:p>
-            <a:fld id="{ADD4B5B7-85EF-4E48-AC80-2380FACD9C23}" type="slidenum">
-              <a:rPr lang="en-US" smtClean="0"/>
-              <a:t>88</a:t>
             </a:fld>
             <a:endParaRPr lang="en-US"/>
           </a:p>
@@ -34095,291 +33873,6 @@
                 <a:latin typeface="PFDinTextCompPro-Italic"/>
                 <a:cs typeface="PFDinTextCompPro-Italic"/>
               </a:rPr>
-              <a:t>Q:  How can you determine your level of confidence in these validation metrics?</a:t>
-            </a:r>
-          </a:p>
-        </p:txBody>
-      </p:sp>
-    </p:spTree>
-    <p:extLst>
-      <p:ext uri="{BB962C8B-B14F-4D97-AF65-F5344CB8AC3E}">
-        <p14:creationId xmlns:p14="http://schemas.microsoft.com/office/powerpoint/2010/main" val="347763276"/>
-      </p:ext>
-    </p:extLst>
-  </p:cSld>
-  <p:clrMapOvr>
-    <a:masterClrMapping/>
-  </p:clrMapOvr>
-  <p:transition xmlns:p14="http://schemas.microsoft.com/office/powerpoint/2010/main"/>
-  <p:timing>
-    <p:tnLst>
-      <p:par>
-        <p:cTn xmlns:p14="http://schemas.microsoft.com/office/powerpoint/2010/main" id="1" dur="indefinite" restart="never" nodeType="tmRoot"/>
-      </p:par>
-    </p:tnLst>
-  </p:timing>
-</p:sld>
-</file>
-
-<file path=ppt/slides/slide86.xml><?xml version="1.0" encoding="utf-8"?>
-<p:sld xmlns:a="http://schemas.openxmlformats.org/drawingml/2006/main" xmlns:r="http://schemas.openxmlformats.org/officeDocument/2006/relationships" xmlns:p="http://schemas.openxmlformats.org/presentationml/2006/main">
-  <p:cSld>
-    <p:spTree>
-      <p:nvGrpSpPr>
-        <p:cNvPr id="1" name=""/>
-        <p:cNvGrpSpPr/>
-        <p:nvPr/>
-      </p:nvGrpSpPr>
-      <p:grpSpPr>
-        <a:xfrm>
-          <a:off x="0" y="0"/>
-          <a:ext cx="0" cy="0"/>
-          <a:chOff x="0" y="0"/>
-          <a:chExt cx="0" cy="0"/>
-        </a:xfrm>
-      </p:grpSpPr>
-      <p:sp>
-        <p:nvSpPr>
-          <p:cNvPr id="4" name="Content Placeholder 3"/>
-          <p:cNvSpPr>
-            <a:spLocks noGrp="1"/>
-          </p:cNvSpPr>
-          <p:nvPr>
-            <p:ph sz="quarter" idx="11"/>
-          </p:nvPr>
-        </p:nvSpPr>
-        <p:spPr>
-          <a:xfrm>
-            <a:off x="414337" y="495300"/>
-            <a:ext cx="6400800" cy="304800"/>
-          </a:xfrm>
-        </p:spPr>
-        <p:txBody>
-          <a:bodyPr/>
-          <a:lstStyle/>
-          <a:p>
-            <a:pPr eaLnBrk="1" hangingPunct="1">
-              <a:lnSpc>
-                <a:spcPts val="2448"/>
-              </a:lnSpc>
-              <a:defRPr/>
-            </a:pPr>
-            <a:r>
-              <a:rPr lang="en-US" dirty="0" smtClean="0"/>
-              <a:t>Cluster validation</a:t>
-            </a:r>
-            <a:endParaRPr lang="en-US" dirty="0"/>
-          </a:p>
-        </p:txBody>
-      </p:sp>
-      <p:sp>
-        <p:nvSpPr>
-          <p:cNvPr id="8" name="Slide Number Placeholder 3"/>
-          <p:cNvSpPr>
-            <a:spLocks noGrp="1"/>
-          </p:cNvSpPr>
-          <p:nvPr>
-            <p:ph type="sldNum" sz="quarter" idx="13"/>
-          </p:nvPr>
-        </p:nvSpPr>
-        <p:spPr/>
-        <p:txBody>
-          <a:bodyPr/>
-          <a:lstStyle/>
-          <a:p>
-            <a:pPr>
-              <a:defRPr/>
-            </a:pPr>
-            <a:fld id="{BD5AD749-DAD1-6A4A-A2AA-CB20EAD0AEB7}" type="slidenum">
-              <a:rPr lang="en-US"/>
-              <a:pPr>
-                <a:defRPr/>
-              </a:pPr>
-              <a:t>86</a:t>
-            </a:fld>
-            <a:endParaRPr lang="en-US"/>
-          </a:p>
-        </p:txBody>
-      </p:sp>
-      <p:sp>
-        <p:nvSpPr>
-          <p:cNvPr id="9" name="TextBox 8"/>
-          <p:cNvSpPr txBox="1"/>
-          <p:nvPr/>
-        </p:nvSpPr>
-        <p:spPr>
-          <a:xfrm>
-            <a:off x="566737" y="1104900"/>
-            <a:ext cx="8382000" cy="2862322"/>
-          </a:xfrm>
-          <a:prstGeom prst="rect">
-            <a:avLst/>
-          </a:prstGeom>
-          <a:noFill/>
-        </p:spPr>
-        <p:txBody>
-          <a:bodyPr wrap="square" rtlCol="0">
-            <a:spAutoFit/>
-          </a:bodyPr>
-          <a:lstStyle/>
-          <a:p>
-            <a:pPr algn="l"/>
-            <a:r>
-              <a:rPr lang="en-US" sz="3000" dirty="0" smtClean="0">
-                <a:latin typeface="PFDinTextCompPro-Italic"/>
-                <a:cs typeface="PFDinTextCompPro-Italic"/>
-              </a:rPr>
-              <a:t>Q:  How can you determine your level of confidence in these validation metrics?</a:t>
-            </a:r>
-          </a:p>
-          <a:p>
-            <a:pPr algn="l"/>
-            <a:endParaRPr lang="en-US" sz="3000" dirty="0" smtClean="0">
-              <a:latin typeface="PFDinTextCompPro-Italic"/>
-              <a:cs typeface="PFDinTextCompPro-Italic"/>
-            </a:endParaRPr>
-          </a:p>
-          <a:p>
-            <a:pPr algn="l"/>
-            <a:r>
-              <a:rPr lang="en-US" sz="3000" dirty="0" smtClean="0">
-                <a:latin typeface="PFDinTextCompPro-Italic"/>
-                <a:cs typeface="PFDinTextCompPro-Italic"/>
-              </a:rPr>
-              <a:t>A:  Statistically; e.g., by computing frequency distributions for these metrics (over several runs of the algorithm) and determining statistical significance.</a:t>
-            </a:r>
-          </a:p>
-        </p:txBody>
-      </p:sp>
-    </p:spTree>
-    <p:extLst>
-      <p:ext uri="{BB962C8B-B14F-4D97-AF65-F5344CB8AC3E}">
-        <p14:creationId xmlns:p14="http://schemas.microsoft.com/office/powerpoint/2010/main" val="489312820"/>
-      </p:ext>
-    </p:extLst>
-  </p:cSld>
-  <p:clrMapOvr>
-    <a:masterClrMapping/>
-  </p:clrMapOvr>
-  <p:transition xmlns:p14="http://schemas.microsoft.com/office/powerpoint/2010/main"/>
-  <p:timing>
-    <p:tnLst>
-      <p:par>
-        <p:cTn xmlns:p14="http://schemas.microsoft.com/office/powerpoint/2010/main" id="1" dur="indefinite" restart="never" nodeType="tmRoot"/>
-      </p:par>
-    </p:tnLst>
-  </p:timing>
-</p:sld>
-</file>
-
-<file path=ppt/slides/slide87.xml><?xml version="1.0" encoding="utf-8"?>
-<p:sld xmlns:a="http://schemas.openxmlformats.org/drawingml/2006/main" xmlns:r="http://schemas.openxmlformats.org/officeDocument/2006/relationships" xmlns:p="http://schemas.openxmlformats.org/presentationml/2006/main">
-  <p:cSld>
-    <p:spTree>
-      <p:nvGrpSpPr>
-        <p:cNvPr id="1" name=""/>
-        <p:cNvGrpSpPr/>
-        <p:nvPr/>
-      </p:nvGrpSpPr>
-      <p:grpSpPr>
-        <a:xfrm>
-          <a:off x="0" y="0"/>
-          <a:ext cx="0" cy="0"/>
-          <a:chOff x="0" y="0"/>
-          <a:chExt cx="0" cy="0"/>
-        </a:xfrm>
-      </p:grpSpPr>
-      <p:sp>
-        <p:nvSpPr>
-          <p:cNvPr id="4" name="Content Placeholder 3"/>
-          <p:cNvSpPr>
-            <a:spLocks noGrp="1"/>
-          </p:cNvSpPr>
-          <p:nvPr>
-            <p:ph sz="quarter" idx="11"/>
-          </p:nvPr>
-        </p:nvSpPr>
-        <p:spPr>
-          <a:xfrm>
-            <a:off x="414337" y="495300"/>
-            <a:ext cx="6400800" cy="304800"/>
-          </a:xfrm>
-        </p:spPr>
-        <p:txBody>
-          <a:bodyPr/>
-          <a:lstStyle/>
-          <a:p>
-            <a:pPr eaLnBrk="1" hangingPunct="1">
-              <a:lnSpc>
-                <a:spcPts val="2448"/>
-              </a:lnSpc>
-              <a:defRPr/>
-            </a:pPr>
-            <a:r>
-              <a:rPr lang="en-US" dirty="0" smtClean="0"/>
-              <a:t>Cluster validation</a:t>
-            </a:r>
-            <a:endParaRPr lang="en-US" dirty="0"/>
-          </a:p>
-        </p:txBody>
-      </p:sp>
-      <p:sp>
-        <p:nvSpPr>
-          <p:cNvPr id="8" name="Slide Number Placeholder 3"/>
-          <p:cNvSpPr>
-            <a:spLocks noGrp="1"/>
-          </p:cNvSpPr>
-          <p:nvPr>
-            <p:ph type="sldNum" sz="quarter" idx="13"/>
-          </p:nvPr>
-        </p:nvSpPr>
-        <p:spPr/>
-        <p:txBody>
-          <a:bodyPr/>
-          <a:lstStyle/>
-          <a:p>
-            <a:pPr>
-              <a:defRPr/>
-            </a:pPr>
-            <a:fld id="{BD5AD749-DAD1-6A4A-A2AA-CB20EAD0AEB7}" type="slidenum">
-              <a:rPr lang="en-US"/>
-              <a:pPr>
-                <a:defRPr/>
-              </a:pPr>
-              <a:t>87</a:t>
-            </a:fld>
-            <a:endParaRPr lang="en-US"/>
-          </a:p>
-        </p:txBody>
-      </p:sp>
-      <p:sp>
-        <p:nvSpPr>
-          <p:cNvPr id="9" name="TextBox 8"/>
-          <p:cNvSpPr txBox="1"/>
-          <p:nvPr/>
-        </p:nvSpPr>
-        <p:spPr>
-          <a:xfrm>
-            <a:off x="566737" y="1104900"/>
-            <a:ext cx="8382000" cy="1015663"/>
-          </a:xfrm>
-          <a:prstGeom prst="rect">
-            <a:avLst/>
-          </a:prstGeom>
-          <a:noFill/>
-        </p:spPr>
-        <p:txBody>
-          <a:bodyPr wrap="square" rtlCol="0">
-            <a:spAutoFit/>
-          </a:bodyPr>
-          <a:lstStyle/>
-          <a:p>
-            <a:pPr algn="l"/>
-            <a:r>
-              <a:rPr lang="en-US" sz="3000" dirty="0" smtClean="0">
-                <a:latin typeface="PFDinTextCompPro-Italic"/>
-                <a:cs typeface="PFDinTextCompPro-Italic"/>
-              </a:rPr>
               <a:t>Ultimately, cluster validation and clustering in general are suggestive techniques that rely on human interpretation to be meaningful.</a:t>
             </a:r>
           </a:p>
@@ -34406,7 +33899,7 @@
 </p:sld>
 </file>
 
-<file path=ppt/slides/slide88.xml><?xml version="1.0" encoding="utf-8"?>
+<file path=ppt/slides/slide86.xml><?xml version="1.0" encoding="utf-8"?>
 <p:sld xmlns:a="http://schemas.openxmlformats.org/drawingml/2006/main" xmlns:r="http://schemas.openxmlformats.org/officeDocument/2006/relationships" xmlns:p="http://schemas.openxmlformats.org/presentationml/2006/main">
   <p:cSld>
     <p:spTree>
